--- a/slides/Unit5_First C Program.pptx
+++ b/slides/Unit5_First C Program.pptx
@@ -5,10 +5,10 @@
     <p:sldMasterId id="2147485087" r:id="rId1"/>
   </p:sldMasterIdLst>
   <p:notesMasterIdLst>
-    <p:notesMasterId r:id="rId11"/>
+    <p:notesMasterId r:id="rId13"/>
   </p:notesMasterIdLst>
   <p:handoutMasterIdLst>
-    <p:handoutMasterId r:id="rId12"/>
+    <p:handoutMasterId r:id="rId14"/>
   </p:handoutMasterIdLst>
   <p:sldIdLst>
     <p:sldId id="256" r:id="rId2"/>
@@ -17,9 +17,11 @@
     <p:sldId id="547" r:id="rId5"/>
     <p:sldId id="551" r:id="rId6"/>
     <p:sldId id="548" r:id="rId7"/>
-    <p:sldId id="550" r:id="rId8"/>
-    <p:sldId id="552" r:id="rId9"/>
-    <p:sldId id="485" r:id="rId10"/>
+    <p:sldId id="552" r:id="rId8"/>
+    <p:sldId id="485" r:id="rId9"/>
+    <p:sldId id="550" r:id="rId10"/>
+    <p:sldId id="553" r:id="rId11"/>
+    <p:sldId id="531" r:id="rId12"/>
   </p:sldIdLst>
   <p:sldSz cx="9144000" cy="6858000" type="screen4x3"/>
   <p:notesSz cx="7010400" cy="9296400"/>
@@ -184,8 +186,7 @@
 <file path=ppt/revisionInfo.xml><?xml version="1.0" encoding="utf-8"?>
 <p1510:revInfo xmlns:a="http://schemas.openxmlformats.org/drawingml/2006/main" xmlns:r="http://schemas.openxmlformats.org/officeDocument/2006/relationships" xmlns:p1510="http://schemas.microsoft.com/office/powerpoint/2015/10/main">
   <p1510:revLst>
-    <p1510:client id="{AA11F5AA-FA20-4ECE-B701-5A5879704A8A}" v="186" dt="2024-01-30T01:31:50.916"/>
-    <p1510:client id="{C7183C1A-1809-4FDE-83DE-B79ECE01090D}" v="2" dt="2024-01-29T09:51:10.742"/>
+    <p1510:client id="{AA11F5AA-FA20-4ECE-B701-5A5879704A8A}" v="194" dt="2024-01-31T05:28:01.765"/>
   </p1510:revLst>
 </p1510:revInfo>
 </file>
@@ -1197,7 +1198,7 @@
   <pc:docChgLst>
     <pc:chgData name="Zhao Jin" userId="cd05a825-544c-438a-9ba1-08e63db50b47" providerId="ADAL" clId="{AA11F5AA-FA20-4ECE-B701-5A5879704A8A}"/>
     <pc:docChg chg="undo redo custSel addSld delSld modSld sldOrd">
-      <pc:chgData name="Zhao Jin" userId="cd05a825-544c-438a-9ba1-08e63db50b47" providerId="ADAL" clId="{AA11F5AA-FA20-4ECE-B701-5A5879704A8A}" dt="2024-01-30T01:31:50.916" v="570" actId="6549"/>
+      <pc:chgData name="Zhao Jin" userId="cd05a825-544c-438a-9ba1-08e63db50b47" providerId="ADAL" clId="{AA11F5AA-FA20-4ECE-B701-5A5879704A8A}" dt="2024-01-31T05:22:00.717" v="628"/>
       <pc:docMkLst>
         <pc:docMk/>
       </pc:docMkLst>
@@ -1224,12 +1225,35 @@
           </ac:picMkLst>
         </pc:picChg>
       </pc:sldChg>
+      <pc:sldChg chg="modSp mod">
+        <pc:chgData name="Zhao Jin" userId="cd05a825-544c-438a-9ba1-08e63db50b47" providerId="ADAL" clId="{AA11F5AA-FA20-4ECE-B701-5A5879704A8A}" dt="2024-01-31T05:22:00.717" v="628"/>
+        <pc:sldMkLst>
+          <pc:docMk/>
+          <pc:sldMk cId="2438607696" sldId="468"/>
+        </pc:sldMkLst>
+        <pc:spChg chg="mod">
+          <ac:chgData name="Zhao Jin" userId="cd05a825-544c-438a-9ba1-08e63db50b47" providerId="ADAL" clId="{AA11F5AA-FA20-4ECE-B701-5A5879704A8A}" dt="2024-01-31T05:22:00.717" v="628"/>
+          <ac:spMkLst>
+            <pc:docMk/>
+            <pc:sldMk cId="2438607696" sldId="468"/>
+            <ac:spMk id="14339" creationId="{00000000-0000-0000-0000-000000000000}"/>
+          </ac:spMkLst>
+        </pc:spChg>
+      </pc:sldChg>
       <pc:sldChg chg="modSp mod modAnim">
-        <pc:chgData name="Zhao Jin" userId="cd05a825-544c-438a-9ba1-08e63db50b47" providerId="ADAL" clId="{AA11F5AA-FA20-4ECE-B701-5A5879704A8A}" dt="2024-01-30T01:17:58.475" v="513"/>
+        <pc:chgData name="Zhao Jin" userId="cd05a825-544c-438a-9ba1-08e63db50b47" providerId="ADAL" clId="{AA11F5AA-FA20-4ECE-B701-5A5879704A8A}" dt="2024-01-31T03:05:53.827" v="596" actId="20577"/>
         <pc:sldMkLst>
           <pc:docMk/>
           <pc:sldMk cId="1419062778" sldId="485"/>
         </pc:sldMkLst>
+        <pc:spChg chg="mod">
+          <ac:chgData name="Zhao Jin" userId="cd05a825-544c-438a-9ba1-08e63db50b47" providerId="ADAL" clId="{AA11F5AA-FA20-4ECE-B701-5A5879704A8A}" dt="2024-01-31T03:05:53.827" v="596" actId="20577"/>
+          <ac:spMkLst>
+            <pc:docMk/>
+            <pc:sldMk cId="1419062778" sldId="485"/>
+            <ac:spMk id="8" creationId="{00000000-0000-0000-0000-000000000000}"/>
+          </ac:spMkLst>
+        </pc:spChg>
         <pc:spChg chg="mod">
           <ac:chgData name="Zhao Jin" userId="cd05a825-544c-438a-9ba1-08e63db50b47" providerId="ADAL" clId="{AA11F5AA-FA20-4ECE-B701-5A5879704A8A}" dt="2024-01-30T01:17:13.952" v="505" actId="20577"/>
           <ac:spMkLst>
@@ -1239,8 +1263,8 @@
           </ac:spMkLst>
         </pc:spChg>
       </pc:sldChg>
-      <pc:sldChg chg="modSp del mod">
-        <pc:chgData name="Zhao Jin" userId="cd05a825-544c-438a-9ba1-08e63db50b47" providerId="ADAL" clId="{AA11F5AA-FA20-4ECE-B701-5A5879704A8A}" dt="2024-01-30T01:15:40.669" v="489" actId="47"/>
+      <pc:sldChg chg="modSp add del mod ord">
+        <pc:chgData name="Zhao Jin" userId="cd05a825-544c-438a-9ba1-08e63db50b47" providerId="ADAL" clId="{AA11F5AA-FA20-4ECE-B701-5A5879704A8A}" dt="2024-01-31T05:21:53.325" v="624"/>
         <pc:sldMkLst>
           <pc:docMk/>
           <pc:sldMk cId="681224785" sldId="531"/>
@@ -1251,6 +1275,14 @@
             <pc:docMk/>
             <pc:sldMk cId="681224785" sldId="531"/>
             <ac:spMk id="9" creationId="{44347658-86C5-44EA-871E-3A01CEAC57FD}"/>
+          </ac:spMkLst>
+        </pc:spChg>
+        <pc:spChg chg="mod">
+          <ac:chgData name="Zhao Jin" userId="cd05a825-544c-438a-9ba1-08e63db50b47" providerId="ADAL" clId="{AA11F5AA-FA20-4ECE-B701-5A5879704A8A}" dt="2024-01-31T05:21:53.325" v="624"/>
+          <ac:spMkLst>
+            <pc:docMk/>
+            <pc:sldMk cId="681224785" sldId="531"/>
+            <ac:spMk id="24578" creationId="{00000000-0000-0000-0000-000000000000}"/>
           </ac:spMkLst>
         </pc:spChg>
         <pc:picChg chg="mod">
@@ -1394,8 +1426,8 @@
           </ac:picMkLst>
         </pc:picChg>
       </pc:sldChg>
-      <pc:sldChg chg="modSp">
-        <pc:chgData name="Zhao Jin" userId="cd05a825-544c-438a-9ba1-08e63db50b47" providerId="ADAL" clId="{AA11F5AA-FA20-4ECE-B701-5A5879704A8A}" dt="2024-01-30T01:31:50.916" v="570" actId="6549"/>
+      <pc:sldChg chg="modSp ord">
+        <pc:chgData name="Zhao Jin" userId="cd05a825-544c-438a-9ba1-08e63db50b47" providerId="ADAL" clId="{AA11F5AA-FA20-4ECE-B701-5A5879704A8A}" dt="2024-01-31T05:21:31.584" v="607"/>
         <pc:sldMkLst>
           <pc:docMk/>
           <pc:sldMk cId="784668950" sldId="550"/>
@@ -1473,7 +1505,7 @@
         </pc:spChg>
       </pc:sldChg>
       <pc:sldChg chg="addSp delSp modSp add mod addAnim delAnim modAnim">
-        <pc:chgData name="Zhao Jin" userId="cd05a825-544c-438a-9ba1-08e63db50b47" providerId="ADAL" clId="{AA11F5AA-FA20-4ECE-B701-5A5879704A8A}" dt="2024-01-30T01:17:09.936" v="500" actId="20577"/>
+        <pc:chgData name="Zhao Jin" userId="cd05a825-544c-438a-9ba1-08e63db50b47" providerId="ADAL" clId="{AA11F5AA-FA20-4ECE-B701-5A5879704A8A}" dt="2024-01-31T03:05:47.755" v="594" actId="20577"/>
         <pc:sldMkLst>
           <pc:docMk/>
           <pc:sldMk cId="3764235702" sldId="552"/>
@@ -1503,7 +1535,7 @@
           </ac:spMkLst>
         </pc:spChg>
         <pc:spChg chg="mod">
-          <ac:chgData name="Zhao Jin" userId="cd05a825-544c-438a-9ba1-08e63db50b47" providerId="ADAL" clId="{AA11F5AA-FA20-4ECE-B701-5A5879704A8A}" dt="2024-01-29T06:19:27.281" v="459" actId="207"/>
+          <ac:chgData name="Zhao Jin" userId="cd05a825-544c-438a-9ba1-08e63db50b47" providerId="ADAL" clId="{AA11F5AA-FA20-4ECE-B701-5A5879704A8A}" dt="2024-01-31T03:05:46.235" v="592" actId="20577"/>
           <ac:spMkLst>
             <pc:docMk/>
             <pc:sldMk cId="3764235702" sldId="552"/>
@@ -1511,7 +1543,7 @@
           </ac:spMkLst>
         </pc:spChg>
         <pc:spChg chg="add del mod">
-          <ac:chgData name="Zhao Jin" userId="cd05a825-544c-438a-9ba1-08e63db50b47" providerId="ADAL" clId="{AA11F5AA-FA20-4ECE-B701-5A5879704A8A}" dt="2024-01-29T06:19:30.054" v="460" actId="207"/>
+          <ac:chgData name="Zhao Jin" userId="cd05a825-544c-438a-9ba1-08e63db50b47" providerId="ADAL" clId="{AA11F5AA-FA20-4ECE-B701-5A5879704A8A}" dt="2024-01-31T03:05:47.755" v="594" actId="20577"/>
           <ac:spMkLst>
             <pc:docMk/>
             <pc:sldMk cId="3764235702" sldId="552"/>
@@ -1540,6 +1572,109 @@
             <pc:docMk/>
             <pc:sldMk cId="3764235702" sldId="552"/>
             <ac:picMk id="16" creationId="{1AA83BD7-4016-DB49-B6DC-C69FB6894961}"/>
+          </ac:picMkLst>
+        </pc:picChg>
+      </pc:sldChg>
+      <pc:sldChg chg="addSp delSp modSp add mod delAnim modAnim">
+        <pc:chgData name="Zhao Jin" userId="cd05a825-544c-438a-9ba1-08e63db50b47" providerId="ADAL" clId="{AA11F5AA-FA20-4ECE-B701-5A5879704A8A}" dt="2024-01-31T05:21:49.623" v="623" actId="20577"/>
+        <pc:sldMkLst>
+          <pc:docMk/>
+          <pc:sldMk cId="1452079182" sldId="553"/>
+        </pc:sldMkLst>
+        <pc:spChg chg="add mod">
+          <ac:chgData name="Zhao Jin" userId="cd05a825-544c-438a-9ba1-08e63db50b47" providerId="ADAL" clId="{AA11F5AA-FA20-4ECE-B701-5A5879704A8A}" dt="2024-01-31T05:21:12.677" v="603"/>
+          <ac:spMkLst>
+            <pc:docMk/>
+            <pc:sldMk cId="1452079182" sldId="553"/>
+            <ac:spMk id="2" creationId="{253774C5-DF3C-68F0-1CBB-06760AFA1D25}"/>
+          </ac:spMkLst>
+        </pc:spChg>
+        <pc:spChg chg="add mod">
+          <ac:chgData name="Zhao Jin" userId="cd05a825-544c-438a-9ba1-08e63db50b47" providerId="ADAL" clId="{AA11F5AA-FA20-4ECE-B701-5A5879704A8A}" dt="2024-01-31T05:21:12.677" v="603"/>
+          <ac:spMkLst>
+            <pc:docMk/>
+            <pc:sldMk cId="1452079182" sldId="553"/>
+            <ac:spMk id="3" creationId="{94D6E48D-91C7-1A23-0D24-21292F4350F6}"/>
+          </ac:spMkLst>
+        </pc:spChg>
+        <pc:spChg chg="add mod">
+          <ac:chgData name="Zhao Jin" userId="cd05a825-544c-438a-9ba1-08e63db50b47" providerId="ADAL" clId="{AA11F5AA-FA20-4ECE-B701-5A5879704A8A}" dt="2024-01-31T05:21:12.677" v="603"/>
+          <ac:spMkLst>
+            <pc:docMk/>
+            <pc:sldMk cId="1452079182" sldId="553"/>
+            <ac:spMk id="4" creationId="{DB345D2B-71AB-609A-2F89-3A2A418CCE9E}"/>
+          </ac:spMkLst>
+        </pc:spChg>
+        <pc:spChg chg="add mod">
+          <ac:chgData name="Zhao Jin" userId="cd05a825-544c-438a-9ba1-08e63db50b47" providerId="ADAL" clId="{AA11F5AA-FA20-4ECE-B701-5A5879704A8A}" dt="2024-01-31T05:21:12.677" v="603"/>
+          <ac:spMkLst>
+            <pc:docMk/>
+            <pc:sldMk cId="1452079182" sldId="553"/>
+            <ac:spMk id="5" creationId="{00E6626E-E00B-B28D-EAD1-15B42E2C0928}"/>
+          </ac:spMkLst>
+        </pc:spChg>
+        <pc:spChg chg="del">
+          <ac:chgData name="Zhao Jin" userId="cd05a825-544c-438a-9ba1-08e63db50b47" providerId="ADAL" clId="{AA11F5AA-FA20-4ECE-B701-5A5879704A8A}" dt="2024-01-31T05:21:02.161" v="599" actId="478"/>
+          <ac:spMkLst>
+            <pc:docMk/>
+            <pc:sldMk cId="1452079182" sldId="553"/>
+            <ac:spMk id="8" creationId="{28132129-8005-4001-8A22-A53D9CDE0963}"/>
+          </ac:spMkLst>
+        </pc:spChg>
+        <pc:spChg chg="del">
+          <ac:chgData name="Zhao Jin" userId="cd05a825-544c-438a-9ba1-08e63db50b47" providerId="ADAL" clId="{AA11F5AA-FA20-4ECE-B701-5A5879704A8A}" dt="2024-01-31T05:21:02.161" v="599" actId="478"/>
+          <ac:spMkLst>
+            <pc:docMk/>
+            <pc:sldMk cId="1452079182" sldId="553"/>
+            <ac:spMk id="9" creationId="{44347658-86C5-44EA-871E-3A01CEAC57FD}"/>
+          </ac:spMkLst>
+        </pc:spChg>
+        <pc:spChg chg="mod">
+          <ac:chgData name="Zhao Jin" userId="cd05a825-544c-438a-9ba1-08e63db50b47" providerId="ADAL" clId="{AA11F5AA-FA20-4ECE-B701-5A5879704A8A}" dt="2024-01-31T05:21:11.727" v="602" actId="20577"/>
+          <ac:spMkLst>
+            <pc:docMk/>
+            <pc:sldMk cId="1452079182" sldId="553"/>
+            <ac:spMk id="10" creationId="{00000000-0000-0000-0000-000000000000}"/>
+          </ac:spMkLst>
+        </pc:spChg>
+        <pc:spChg chg="del">
+          <ac:chgData name="Zhao Jin" userId="cd05a825-544c-438a-9ba1-08e63db50b47" providerId="ADAL" clId="{AA11F5AA-FA20-4ECE-B701-5A5879704A8A}" dt="2024-01-31T05:21:02.161" v="599" actId="478"/>
+          <ac:spMkLst>
+            <pc:docMk/>
+            <pc:sldMk cId="1452079182" sldId="553"/>
+            <ac:spMk id="14" creationId="{85D4AA78-1A62-4644-8547-CB4E0AF1E1B4}"/>
+          </ac:spMkLst>
+        </pc:spChg>
+        <pc:spChg chg="mod">
+          <ac:chgData name="Zhao Jin" userId="cd05a825-544c-438a-9ba1-08e63db50b47" providerId="ADAL" clId="{AA11F5AA-FA20-4ECE-B701-5A5879704A8A}" dt="2024-01-31T05:21:49.623" v="623" actId="20577"/>
+          <ac:spMkLst>
+            <pc:docMk/>
+            <pc:sldMk cId="1452079182" sldId="553"/>
+            <ac:spMk id="24578" creationId="{00000000-0000-0000-0000-000000000000}"/>
+          </ac:spMkLst>
+        </pc:spChg>
+        <pc:picChg chg="del">
+          <ac:chgData name="Zhao Jin" userId="cd05a825-544c-438a-9ba1-08e63db50b47" providerId="ADAL" clId="{AA11F5AA-FA20-4ECE-B701-5A5879704A8A}" dt="2024-01-31T05:21:02.161" v="599" actId="478"/>
+          <ac:picMkLst>
+            <pc:docMk/>
+            <pc:sldMk cId="1452079182" sldId="553"/>
+            <ac:picMk id="12" creationId="{70C3C326-88E2-4EA0-95C1-AD96CD4E7B77}"/>
+          </ac:picMkLst>
+        </pc:picChg>
+        <pc:picChg chg="del">
+          <ac:chgData name="Zhao Jin" userId="cd05a825-544c-438a-9ba1-08e63db50b47" providerId="ADAL" clId="{AA11F5AA-FA20-4ECE-B701-5A5879704A8A}" dt="2024-01-31T05:21:02.161" v="599" actId="478"/>
+          <ac:picMkLst>
+            <pc:docMk/>
+            <pc:sldMk cId="1452079182" sldId="553"/>
+            <ac:picMk id="16" creationId="{278809FA-B406-4981-9740-F8FEA3DB0FB7}"/>
+          </ac:picMkLst>
+        </pc:picChg>
+        <pc:picChg chg="del">
+          <ac:chgData name="Zhao Jin" userId="cd05a825-544c-438a-9ba1-08e63db50b47" providerId="ADAL" clId="{AA11F5AA-FA20-4ECE-B701-5A5879704A8A}" dt="2024-01-31T05:21:02.161" v="599" actId="478"/>
+          <ac:picMkLst>
+            <pc:docMk/>
+            <pc:sldMk cId="1452079182" sldId="553"/>
+            <ac:picMk id="17" creationId="{38311CE1-DDEB-4EA2-89E6-0F3AD4D81411}"/>
           </ac:picMkLst>
         </pc:picChg>
       </pc:sldChg>
@@ -2335,7 +2470,7 @@
               <a:pPr>
                 <a:defRPr/>
               </a:pPr>
-              <a:t>1/30/2024</a:t>
+              <a:t>1/31/2024</a:t>
             </a:fld>
             <a:endParaRPr lang="en-US" dirty="0"/>
           </a:p>
@@ -2662,6 +2797,238 @@
 </p:notes>
 </file>
 
+<file path=ppt/notesSlides/notesSlide10.xml><?xml version="1.0" encoding="utf-8"?>
+<p:notes xmlns:a="http://schemas.openxmlformats.org/drawingml/2006/main" xmlns:r="http://schemas.openxmlformats.org/officeDocument/2006/relationships" xmlns:p="http://schemas.openxmlformats.org/presentationml/2006/main">
+  <p:cSld>
+    <p:spTree>
+      <p:nvGrpSpPr>
+        <p:cNvPr id="1" name=""/>
+        <p:cNvGrpSpPr/>
+        <p:nvPr/>
+      </p:nvGrpSpPr>
+      <p:grpSpPr>
+        <a:xfrm>
+          <a:off x="0" y="0"/>
+          <a:ext cx="0" cy="0"/>
+          <a:chOff x="0" y="0"/>
+          <a:chExt cx="0" cy="0"/>
+        </a:xfrm>
+      </p:grpSpPr>
+      <p:sp>
+        <p:nvSpPr>
+          <p:cNvPr id="74754" name="Rectangle 2"/>
+          <p:cNvSpPr>
+            <a:spLocks noGrp="1" noChangeArrowheads="1"/>
+          </p:cNvSpPr>
+          <p:nvPr>
+            <p:ph type="hdr" sz="quarter"/>
+          </p:nvPr>
+        </p:nvSpPr>
+        <p:spPr bwMode="auto">
+          <a:xfrm>
+            <a:off x="0" y="0"/>
+            <a:ext cx="3038786" cy="465341"/>
+          </a:xfrm>
+          <a:noFill/>
+          <a:ln>
+            <a:miter lim="800000"/>
+            <a:headEnd/>
+            <a:tailEnd/>
+          </a:ln>
+        </p:spPr>
+        <p:txBody>
+          <a:bodyPr wrap="square" numCol="1" anchor="t" anchorCtr="0" compatLnSpc="1">
+            <a:prstTxWarp prst="textNoShape">
+              <a:avLst/>
+            </a:prstTxWarp>
+          </a:bodyPr>
+          <a:lstStyle/>
+          <a:p>
+            <a:r>
+              <a:rPr lang="en-US"/>
+              <a:t>CS1010 Programming Methodology</a:t>
+            </a:r>
+          </a:p>
+        </p:txBody>
+      </p:sp>
+      <p:sp>
+        <p:nvSpPr>
+          <p:cNvPr id="74755" name="Rectangle 2"/>
+          <p:cNvSpPr>
+            <a:spLocks noGrp="1" noRot="1" noChangeAspect="1" noChangeArrowheads="1" noTextEdit="1"/>
+          </p:cNvSpPr>
+          <p:nvPr>
+            <p:ph type="sldImg"/>
+          </p:nvPr>
+        </p:nvSpPr>
+        <p:spPr bwMode="auto">
+          <a:xfrm>
+            <a:off x="1182688" y="696913"/>
+            <a:ext cx="4648200" cy="3486150"/>
+          </a:xfrm>
+          <a:noFill/>
+          <a:ln>
+            <a:solidFill>
+              <a:srgbClr val="000000"/>
+            </a:solidFill>
+            <a:miter lim="800000"/>
+            <a:headEnd/>
+            <a:tailEnd/>
+          </a:ln>
+        </p:spPr>
+      </p:sp>
+      <p:sp>
+        <p:nvSpPr>
+          <p:cNvPr id="74756" name="Rectangle 3"/>
+          <p:cNvSpPr>
+            <a:spLocks noGrp="1" noChangeArrowheads="1"/>
+          </p:cNvSpPr>
+          <p:nvPr>
+            <p:ph type="body" idx="1"/>
+          </p:nvPr>
+        </p:nvSpPr>
+        <p:spPr>
+          <a:noFill/>
+          <a:ln w="9525"/>
+        </p:spPr>
+        <p:txBody>
+          <a:bodyPr/>
+          <a:lstStyle/>
+          <a:p>
+            <a:pPr eaLnBrk="1" hangingPunct="1"/>
+            <a:endParaRPr lang="en-US"/>
+          </a:p>
+        </p:txBody>
+      </p:sp>
+    </p:spTree>
+    <p:extLst>
+      <p:ext uri="{BB962C8B-B14F-4D97-AF65-F5344CB8AC3E}">
+        <p14:creationId xmlns:p14="http://schemas.microsoft.com/office/powerpoint/2010/main" val="1572732156"/>
+      </p:ext>
+    </p:extLst>
+  </p:cSld>
+  <p:clrMapOvr>
+    <a:masterClrMapping/>
+  </p:clrMapOvr>
+</p:notes>
+</file>
+
+<file path=ppt/notesSlides/notesSlide11.xml><?xml version="1.0" encoding="utf-8"?>
+<p:notes xmlns:a="http://schemas.openxmlformats.org/drawingml/2006/main" xmlns:r="http://schemas.openxmlformats.org/officeDocument/2006/relationships" xmlns:p="http://schemas.openxmlformats.org/presentationml/2006/main">
+  <p:cSld>
+    <p:spTree>
+      <p:nvGrpSpPr>
+        <p:cNvPr id="1" name=""/>
+        <p:cNvGrpSpPr/>
+        <p:nvPr/>
+      </p:nvGrpSpPr>
+      <p:grpSpPr>
+        <a:xfrm>
+          <a:off x="0" y="0"/>
+          <a:ext cx="0" cy="0"/>
+          <a:chOff x="0" y="0"/>
+          <a:chExt cx="0" cy="0"/>
+        </a:xfrm>
+      </p:grpSpPr>
+      <p:sp>
+        <p:nvSpPr>
+          <p:cNvPr id="74754" name="Rectangle 2"/>
+          <p:cNvSpPr>
+            <a:spLocks noGrp="1" noChangeArrowheads="1"/>
+          </p:cNvSpPr>
+          <p:nvPr>
+            <p:ph type="hdr" sz="quarter"/>
+          </p:nvPr>
+        </p:nvSpPr>
+        <p:spPr bwMode="auto">
+          <a:xfrm>
+            <a:off x="0" y="0"/>
+            <a:ext cx="3038786" cy="465341"/>
+          </a:xfrm>
+          <a:noFill/>
+          <a:ln>
+            <a:miter lim="800000"/>
+            <a:headEnd/>
+            <a:tailEnd/>
+          </a:ln>
+        </p:spPr>
+        <p:txBody>
+          <a:bodyPr wrap="square" numCol="1" anchor="t" anchorCtr="0" compatLnSpc="1">
+            <a:prstTxWarp prst="textNoShape">
+              <a:avLst/>
+            </a:prstTxWarp>
+          </a:bodyPr>
+          <a:lstStyle/>
+          <a:p>
+            <a:r>
+              <a:rPr lang="en-US"/>
+              <a:t>CS1010 Programming Methodology</a:t>
+            </a:r>
+          </a:p>
+        </p:txBody>
+      </p:sp>
+      <p:sp>
+        <p:nvSpPr>
+          <p:cNvPr id="74755" name="Rectangle 2"/>
+          <p:cNvSpPr>
+            <a:spLocks noGrp="1" noRot="1" noChangeAspect="1" noChangeArrowheads="1" noTextEdit="1"/>
+          </p:cNvSpPr>
+          <p:nvPr>
+            <p:ph type="sldImg"/>
+          </p:nvPr>
+        </p:nvSpPr>
+        <p:spPr bwMode="auto">
+          <a:xfrm>
+            <a:off x="1182688" y="696913"/>
+            <a:ext cx="4648200" cy="3486150"/>
+          </a:xfrm>
+          <a:noFill/>
+          <a:ln>
+            <a:solidFill>
+              <a:srgbClr val="000000"/>
+            </a:solidFill>
+            <a:miter lim="800000"/>
+            <a:headEnd/>
+            <a:tailEnd/>
+          </a:ln>
+        </p:spPr>
+      </p:sp>
+      <p:sp>
+        <p:nvSpPr>
+          <p:cNvPr id="74756" name="Rectangle 3"/>
+          <p:cNvSpPr>
+            <a:spLocks noGrp="1" noChangeArrowheads="1"/>
+          </p:cNvSpPr>
+          <p:nvPr>
+            <p:ph type="body" idx="1"/>
+          </p:nvPr>
+        </p:nvSpPr>
+        <p:spPr>
+          <a:noFill/>
+          <a:ln w="9525"/>
+        </p:spPr>
+        <p:txBody>
+          <a:bodyPr/>
+          <a:lstStyle/>
+          <a:p>
+            <a:pPr eaLnBrk="1" hangingPunct="1"/>
+            <a:endParaRPr lang="en-US"/>
+          </a:p>
+        </p:txBody>
+      </p:sp>
+    </p:spTree>
+    <p:extLst>
+      <p:ext uri="{BB962C8B-B14F-4D97-AF65-F5344CB8AC3E}">
+        <p14:creationId xmlns:p14="http://schemas.microsoft.com/office/powerpoint/2010/main" val="1727379812"/>
+      </p:ext>
+    </p:extLst>
+  </p:cSld>
+  <p:clrMapOvr>
+    <a:masterClrMapping/>
+  </p:clrMapOvr>
+</p:notes>
+</file>
+
 <file path=ppt/notesSlides/notesSlide2.xml><?xml version="1.0" encoding="utf-8"?>
 <p:notes xmlns:a="http://schemas.openxmlformats.org/drawingml/2006/main" xmlns:r="http://schemas.openxmlformats.org/officeDocument/2006/relationships" xmlns:p="http://schemas.openxmlformats.org/presentationml/2006/main">
   <p:cSld>
@@ -3353,7 +3720,7 @@
     </p:spTree>
     <p:extLst>
       <p:ext uri="{BB962C8B-B14F-4D97-AF65-F5344CB8AC3E}">
-        <p14:creationId xmlns:p14="http://schemas.microsoft.com/office/powerpoint/2010/main" val="1972532714"/>
+        <p14:creationId xmlns:p14="http://schemas.microsoft.com/office/powerpoint/2010/main" val="1779620983"/>
       </p:ext>
     </p:extLst>
   </p:cSld>
@@ -3364,6 +3731,125 @@
 </file>
 
 <file path=ppt/notesSlides/notesSlide8.xml><?xml version="1.0" encoding="utf-8"?>
+<p:notes xmlns:a="http://schemas.openxmlformats.org/drawingml/2006/main" xmlns:r="http://schemas.openxmlformats.org/officeDocument/2006/relationships" xmlns:p="http://schemas.openxmlformats.org/presentationml/2006/main">
+  <p:cSld>
+    <p:spTree>
+      <p:nvGrpSpPr>
+        <p:cNvPr id="1" name=""/>
+        <p:cNvGrpSpPr/>
+        <p:nvPr/>
+      </p:nvGrpSpPr>
+      <p:grpSpPr>
+        <a:xfrm>
+          <a:off x="0" y="0"/>
+          <a:ext cx="0" cy="0"/>
+          <a:chOff x="0" y="0"/>
+          <a:chExt cx="0" cy="0"/>
+        </a:xfrm>
+      </p:grpSpPr>
+      <p:sp>
+        <p:nvSpPr>
+          <p:cNvPr id="75778" name="Rectangle 2"/>
+          <p:cNvSpPr>
+            <a:spLocks noGrp="1" noChangeArrowheads="1"/>
+          </p:cNvSpPr>
+          <p:nvPr>
+            <p:ph type="hdr" sz="quarter"/>
+          </p:nvPr>
+        </p:nvSpPr>
+        <p:spPr bwMode="auto">
+          <a:xfrm>
+            <a:off x="0" y="0"/>
+            <a:ext cx="3038786" cy="465341"/>
+          </a:xfrm>
+          <a:noFill/>
+          <a:ln>
+            <a:miter lim="800000"/>
+            <a:headEnd/>
+            <a:tailEnd/>
+          </a:ln>
+        </p:spPr>
+        <p:txBody>
+          <a:bodyPr wrap="square" numCol="1" anchor="t" anchorCtr="0" compatLnSpc="1">
+            <a:prstTxWarp prst="textNoShape">
+              <a:avLst/>
+            </a:prstTxWarp>
+          </a:bodyPr>
+          <a:lstStyle/>
+          <a:p>
+            <a:r>
+              <a:rPr lang="en-US"/>
+              <a:t>CS1010 Programming Methodology</a:t>
+            </a:r>
+          </a:p>
+        </p:txBody>
+      </p:sp>
+      <p:sp>
+        <p:nvSpPr>
+          <p:cNvPr id="75779" name="Rectangle 2"/>
+          <p:cNvSpPr>
+            <a:spLocks noGrp="1" noRot="1" noChangeAspect="1" noChangeArrowheads="1" noTextEdit="1"/>
+          </p:cNvSpPr>
+          <p:nvPr>
+            <p:ph type="sldImg"/>
+          </p:nvPr>
+        </p:nvSpPr>
+        <p:spPr bwMode="auto">
+          <a:xfrm>
+            <a:off x="1182688" y="696913"/>
+            <a:ext cx="4648200" cy="3486150"/>
+          </a:xfrm>
+          <a:noFill/>
+          <a:ln>
+            <a:solidFill>
+              <a:srgbClr val="000000"/>
+            </a:solidFill>
+            <a:miter lim="800000"/>
+            <a:headEnd/>
+            <a:tailEnd/>
+          </a:ln>
+        </p:spPr>
+      </p:sp>
+      <p:sp>
+        <p:nvSpPr>
+          <p:cNvPr id="75780" name="Rectangle 3"/>
+          <p:cNvSpPr>
+            <a:spLocks noGrp="1" noChangeArrowheads="1"/>
+          </p:cNvSpPr>
+          <p:nvPr>
+            <p:ph type="body" idx="1"/>
+          </p:nvPr>
+        </p:nvSpPr>
+        <p:spPr>
+          <a:noFill/>
+          <a:ln w="9525"/>
+        </p:spPr>
+        <p:txBody>
+          <a:bodyPr/>
+          <a:lstStyle/>
+          <a:p>
+            <a:pPr marL="0" indent="0" eaLnBrk="1" hangingPunct="1">
+              <a:buFont typeface="Calibri" pitchFamily="34" charset="0"/>
+              <a:buNone/>
+            </a:pPr>
+            <a:endParaRPr lang="en-US" dirty="0"/>
+          </a:p>
+        </p:txBody>
+      </p:sp>
+    </p:spTree>
+    <p:extLst>
+      <p:ext uri="{BB962C8B-B14F-4D97-AF65-F5344CB8AC3E}">
+        <p14:creationId xmlns:p14="http://schemas.microsoft.com/office/powerpoint/2010/main" val="3835368164"/>
+      </p:ext>
+    </p:extLst>
+  </p:cSld>
+  <p:clrMapOvr>
+    <a:masterClrMapping/>
+  </p:clrMapOvr>
+</p:notes>
+</file>
+
+<file path=ppt/notesSlides/notesSlide9.xml><?xml version="1.0" encoding="utf-8"?>
 <p:notes xmlns:a="http://schemas.openxmlformats.org/drawingml/2006/main" xmlns:r="http://schemas.openxmlformats.org/officeDocument/2006/relationships" xmlns:p="http://schemas.openxmlformats.org/presentationml/2006/main">
   <p:cSld>
     <p:spTree>
@@ -3469,126 +3955,7 @@
     </p:spTree>
     <p:extLst>
       <p:ext uri="{BB962C8B-B14F-4D97-AF65-F5344CB8AC3E}">
-        <p14:creationId xmlns:p14="http://schemas.microsoft.com/office/powerpoint/2010/main" val="1779620983"/>
-      </p:ext>
-    </p:extLst>
-  </p:cSld>
-  <p:clrMapOvr>
-    <a:masterClrMapping/>
-  </p:clrMapOvr>
-</p:notes>
-</file>
-
-<file path=ppt/notesSlides/notesSlide9.xml><?xml version="1.0" encoding="utf-8"?>
-<p:notes xmlns:a="http://schemas.openxmlformats.org/drawingml/2006/main" xmlns:r="http://schemas.openxmlformats.org/officeDocument/2006/relationships" xmlns:p="http://schemas.openxmlformats.org/presentationml/2006/main">
-  <p:cSld>
-    <p:spTree>
-      <p:nvGrpSpPr>
-        <p:cNvPr id="1" name=""/>
-        <p:cNvGrpSpPr/>
-        <p:nvPr/>
-      </p:nvGrpSpPr>
-      <p:grpSpPr>
-        <a:xfrm>
-          <a:off x="0" y="0"/>
-          <a:ext cx="0" cy="0"/>
-          <a:chOff x="0" y="0"/>
-          <a:chExt cx="0" cy="0"/>
-        </a:xfrm>
-      </p:grpSpPr>
-      <p:sp>
-        <p:nvSpPr>
-          <p:cNvPr id="75778" name="Rectangle 2"/>
-          <p:cNvSpPr>
-            <a:spLocks noGrp="1" noChangeArrowheads="1"/>
-          </p:cNvSpPr>
-          <p:nvPr>
-            <p:ph type="hdr" sz="quarter"/>
-          </p:nvPr>
-        </p:nvSpPr>
-        <p:spPr bwMode="auto">
-          <a:xfrm>
-            <a:off x="0" y="0"/>
-            <a:ext cx="3038786" cy="465341"/>
-          </a:xfrm>
-          <a:noFill/>
-          <a:ln>
-            <a:miter lim="800000"/>
-            <a:headEnd/>
-            <a:tailEnd/>
-          </a:ln>
-        </p:spPr>
-        <p:txBody>
-          <a:bodyPr wrap="square" numCol="1" anchor="t" anchorCtr="0" compatLnSpc="1">
-            <a:prstTxWarp prst="textNoShape">
-              <a:avLst/>
-            </a:prstTxWarp>
-          </a:bodyPr>
-          <a:lstStyle/>
-          <a:p>
-            <a:r>
-              <a:rPr lang="en-US"/>
-              <a:t>CS1010 Programming Methodology</a:t>
-            </a:r>
-          </a:p>
-        </p:txBody>
-      </p:sp>
-      <p:sp>
-        <p:nvSpPr>
-          <p:cNvPr id="75779" name="Rectangle 2"/>
-          <p:cNvSpPr>
-            <a:spLocks noGrp="1" noRot="1" noChangeAspect="1" noChangeArrowheads="1" noTextEdit="1"/>
-          </p:cNvSpPr>
-          <p:nvPr>
-            <p:ph type="sldImg"/>
-          </p:nvPr>
-        </p:nvSpPr>
-        <p:spPr bwMode="auto">
-          <a:xfrm>
-            <a:off x="1182688" y="696913"/>
-            <a:ext cx="4648200" cy="3486150"/>
-          </a:xfrm>
-          <a:noFill/>
-          <a:ln>
-            <a:solidFill>
-              <a:srgbClr val="000000"/>
-            </a:solidFill>
-            <a:miter lim="800000"/>
-            <a:headEnd/>
-            <a:tailEnd/>
-          </a:ln>
-        </p:spPr>
-      </p:sp>
-      <p:sp>
-        <p:nvSpPr>
-          <p:cNvPr id="75780" name="Rectangle 3"/>
-          <p:cNvSpPr>
-            <a:spLocks noGrp="1" noChangeArrowheads="1"/>
-          </p:cNvSpPr>
-          <p:nvPr>
-            <p:ph type="body" idx="1"/>
-          </p:nvPr>
-        </p:nvSpPr>
-        <p:spPr>
-          <a:noFill/>
-          <a:ln w="9525"/>
-        </p:spPr>
-        <p:txBody>
-          <a:bodyPr/>
-          <a:lstStyle/>
-          <a:p>
-            <a:pPr marL="0" indent="0" eaLnBrk="1" hangingPunct="1">
-              <a:buFont typeface="Calibri" pitchFamily="34" charset="0"/>
-              <a:buNone/>
-            </a:pPr>
-            <a:endParaRPr lang="en-US" dirty="0"/>
-          </a:p>
-        </p:txBody>
-      </p:sp>
-    </p:spTree>
-    <p:extLst>
-      <p:ext uri="{BB962C8B-B14F-4D97-AF65-F5344CB8AC3E}">
-        <p14:creationId xmlns:p14="http://schemas.microsoft.com/office/powerpoint/2010/main" val="3835368164"/>
+        <p14:creationId xmlns:p14="http://schemas.microsoft.com/office/powerpoint/2010/main" val="1972532714"/>
       </p:ext>
     </p:extLst>
   </p:cSld>
@@ -6849,7 +7216,7 @@
   <p:transition>
     <p:fade/>
   </p:transition>
-  <p:hf hdr="0" ftr="0" dt="0"/>
+  <p:hf hdr="0" dt="0"/>
   <p:txStyles>
     <p:titleStyle>
       <a:lvl1pPr algn="l" defTabSz="914400" rtl="0" eaLnBrk="1" latinLnBrk="0" hangingPunct="1">
@@ -7435,6 +7802,3339 @@
 </p:sld>
 </file>
 
+<file path=ppt/slides/slide10.xml><?xml version="1.0" encoding="utf-8"?>
+<p:sld xmlns:a="http://schemas.openxmlformats.org/drawingml/2006/main" xmlns:r="http://schemas.openxmlformats.org/officeDocument/2006/relationships" xmlns:p="http://schemas.openxmlformats.org/presentationml/2006/main">
+  <p:cSld>
+    <p:spTree>
+      <p:nvGrpSpPr>
+        <p:cNvPr id="1" name=""/>
+        <p:cNvGrpSpPr/>
+        <p:nvPr/>
+      </p:nvGrpSpPr>
+      <p:grpSpPr>
+        <a:xfrm>
+          <a:off x="0" y="0"/>
+          <a:ext cx="0" cy="0"/>
+          <a:chOff x="0" y="0"/>
+          <a:chExt cx="0" cy="0"/>
+        </a:xfrm>
+      </p:grpSpPr>
+      <p:sp>
+        <p:nvSpPr>
+          <p:cNvPr id="24578" name="Rectangle 2"/>
+          <p:cNvSpPr>
+            <a:spLocks noGrp="1" noChangeArrowheads="1"/>
+          </p:cNvSpPr>
+          <p:nvPr>
+            <p:ph type="title"/>
+          </p:nvPr>
+        </p:nvSpPr>
+        <p:spPr>
+          <a:xfrm>
+            <a:off x="533400" y="457200"/>
+            <a:ext cx="8153400" cy="685800"/>
+          </a:xfrm>
+        </p:spPr>
+        <p:txBody>
+          <a:bodyPr>
+            <a:normAutofit fontScale="90000"/>
+          </a:bodyPr>
+          <a:lstStyle/>
+          <a:p>
+            <a:r>
+              <a:rPr lang="en-GB" dirty="0">
+                <a:solidFill>
+                  <a:srgbClr val="0000FF"/>
+                </a:solidFill>
+              </a:rPr>
+              <a:t>Your First C Program (Redux)</a:t>
+            </a:r>
+          </a:p>
+        </p:txBody>
+      </p:sp>
+      <p:sp>
+        <p:nvSpPr>
+          <p:cNvPr id="43" name="Slide Number Placeholder 42"/>
+          <p:cNvSpPr>
+            <a:spLocks noGrp="1"/>
+          </p:cNvSpPr>
+          <p:nvPr>
+            <p:ph type="sldNum" sz="quarter" idx="12"/>
+          </p:nvPr>
+        </p:nvSpPr>
+        <p:spPr/>
+        <p:txBody>
+          <a:bodyPr>
+            <a:normAutofit/>
+          </a:bodyPr>
+          <a:lstStyle/>
+          <a:p>
+            <a:pPr>
+              <a:defRPr/>
+            </a:pPr>
+            <a:r>
+              <a:rPr lang="en-US" dirty="0"/>
+              <a:t>Unit5</a:t>
+            </a:r>
+            <a:r>
+              <a:rPr dirty="0"/>
+              <a:t> - </a:t>
+            </a:r>
+            <a:fld id="{628B8346-B709-406B-887E-3E0CC6DA1327}" type="slidenum">
+              <a:rPr smtClean="0"/>
+              <a:pPr>
+                <a:defRPr/>
+              </a:pPr>
+              <a:t>10</a:t>
+            </a:fld>
+            <a:endParaRPr dirty="0"/>
+          </a:p>
+        </p:txBody>
+      </p:sp>
+      <p:sp>
+        <p:nvSpPr>
+          <p:cNvPr id="10" name="HighlightTextShape201406241503265130"/>
+          <p:cNvSpPr>
+            <a:spLocks noChangeArrowheads="1"/>
+          </p:cNvSpPr>
+          <p:nvPr/>
+        </p:nvSpPr>
+        <p:spPr bwMode="auto">
+          <a:xfrm>
+            <a:off x="491319" y="1219200"/>
+            <a:ext cx="7890681" cy="2438400"/>
+          </a:xfrm>
+          <a:prstGeom prst="rect">
+            <a:avLst/>
+          </a:prstGeom>
+          <a:noFill/>
+          <a:ln w="9525">
+            <a:noFill/>
+            <a:miter lim="800000"/>
+            <a:headEnd/>
+            <a:tailEnd/>
+          </a:ln>
+        </p:spPr>
+        <p:txBody>
+          <a:bodyPr/>
+          <a:lstStyle/>
+          <a:p>
+            <a:pPr marL="347663" indent="-347663">
+              <a:spcBef>
+                <a:spcPts val="600"/>
+              </a:spcBef>
+              <a:buClr>
+                <a:schemeClr val="tx1">
+                  <a:lumMod val="90000"/>
+                  <a:lumOff val="10000"/>
+                </a:schemeClr>
+              </a:buClr>
+              <a:buSzPct val="100000"/>
+              <a:buFont typeface="Wingdings" panose="05000000000000000000" pitchFamily="2" charset="2"/>
+              <a:buChar char="§"/>
+              <a:defRPr/>
+            </a:pPr>
+            <a:r>
+              <a:rPr lang="en-US" sz="2800" dirty="0"/>
+              <a:t>Components of a </a:t>
+            </a:r>
+            <a:r>
+              <a:rPr lang="en-US" sz="2800" dirty="0">
+                <a:solidFill>
+                  <a:srgbClr val="0000FF"/>
+                </a:solidFill>
+              </a:rPr>
+              <a:t>function (declaration)</a:t>
+            </a:r>
+          </a:p>
+          <a:p>
+            <a:pPr marL="804863" lvl="1" indent="-347663">
+              <a:spcBef>
+                <a:spcPts val="600"/>
+              </a:spcBef>
+              <a:buClr>
+                <a:schemeClr val="tx1">
+                  <a:lumMod val="90000"/>
+                  <a:lumOff val="10000"/>
+                </a:schemeClr>
+              </a:buClr>
+              <a:buSzPct val="100000"/>
+              <a:buFont typeface="Wingdings" panose="05000000000000000000" pitchFamily="2" charset="2"/>
+              <a:buChar char="§"/>
+              <a:defRPr/>
+            </a:pPr>
+            <a:r>
+              <a:rPr lang="en-US" sz="2400" dirty="0"/>
+              <a:t>Function definition without the body; </a:t>
+            </a:r>
+            <a:br>
+              <a:rPr lang="en-US" sz="2400" dirty="0"/>
+            </a:br>
+            <a:endParaRPr lang="en-US" sz="2400" dirty="0"/>
+          </a:p>
+          <a:p>
+            <a:pPr marL="804863" lvl="1" indent="-347663">
+              <a:spcBef>
+                <a:spcPts val="600"/>
+              </a:spcBef>
+              <a:buClr>
+                <a:schemeClr val="tx1">
+                  <a:lumMod val="90000"/>
+                  <a:lumOff val="10000"/>
+                </a:schemeClr>
+              </a:buClr>
+              <a:buSzPct val="100000"/>
+              <a:buFont typeface="Wingdings" panose="05000000000000000000" pitchFamily="2" charset="2"/>
+              <a:buChar char="§"/>
+              <a:defRPr/>
+            </a:pPr>
+            <a:endParaRPr lang="en-US" sz="2400" dirty="0"/>
+          </a:p>
+          <a:p>
+            <a:pPr lvl="1">
+              <a:spcBef>
+                <a:spcPts val="600"/>
+              </a:spcBef>
+              <a:buClr>
+                <a:schemeClr val="tx1">
+                  <a:lumMod val="90000"/>
+                  <a:lumOff val="10000"/>
+                </a:schemeClr>
+              </a:buClr>
+              <a:buSzPct val="100000"/>
+              <a:defRPr/>
+            </a:pPr>
+            <a:br>
+              <a:rPr lang="en-US" sz="2400" dirty="0"/>
+            </a:br>
+            <a:endParaRPr lang="en-US" sz="2400" dirty="0"/>
+          </a:p>
+          <a:p>
+            <a:pPr marL="804863" lvl="1" indent="-347663">
+              <a:spcBef>
+                <a:spcPts val="600"/>
+              </a:spcBef>
+              <a:buClr>
+                <a:schemeClr val="tx1">
+                  <a:lumMod val="90000"/>
+                  <a:lumOff val="10000"/>
+                </a:schemeClr>
+              </a:buClr>
+              <a:buSzPct val="100000"/>
+              <a:buFont typeface="Wingdings" panose="05000000000000000000" pitchFamily="2" charset="2"/>
+              <a:buChar char="§"/>
+              <a:defRPr/>
+            </a:pPr>
+            <a:endParaRPr lang="en-US" sz="2400" dirty="0"/>
+          </a:p>
+          <a:p>
+            <a:pPr marL="804863" lvl="1" indent="-347663">
+              <a:spcBef>
+                <a:spcPts val="600"/>
+              </a:spcBef>
+              <a:buClr>
+                <a:schemeClr val="tx1">
+                  <a:lumMod val="90000"/>
+                  <a:lumOff val="10000"/>
+                </a:schemeClr>
+              </a:buClr>
+              <a:buSzPct val="100000"/>
+              <a:buFont typeface="Wingdings" panose="05000000000000000000" pitchFamily="2" charset="2"/>
+              <a:buChar char="§"/>
+              <a:defRPr/>
+            </a:pPr>
+            <a:endParaRPr lang="en-US" sz="2400" dirty="0"/>
+          </a:p>
+          <a:p>
+            <a:pPr marL="804863" lvl="1" indent="-347663">
+              <a:spcBef>
+                <a:spcPts val="600"/>
+              </a:spcBef>
+              <a:buClr>
+                <a:schemeClr val="tx1">
+                  <a:lumMod val="90000"/>
+                  <a:lumOff val="10000"/>
+                </a:schemeClr>
+              </a:buClr>
+              <a:buSzPct val="100000"/>
+              <a:buFont typeface="Wingdings" panose="05000000000000000000" pitchFamily="2" charset="2"/>
+              <a:buChar char="§"/>
+              <a:defRPr/>
+            </a:pPr>
+            <a:endParaRPr lang="en-US" sz="2400" dirty="0"/>
+          </a:p>
+          <a:p>
+            <a:pPr marL="804863" lvl="1" indent="-347663">
+              <a:spcBef>
+                <a:spcPts val="600"/>
+              </a:spcBef>
+              <a:buClr>
+                <a:schemeClr val="tx1">
+                  <a:lumMod val="90000"/>
+                  <a:lumOff val="10000"/>
+                </a:schemeClr>
+              </a:buClr>
+              <a:buSzPct val="100000"/>
+              <a:buFont typeface="Wingdings" panose="05000000000000000000" pitchFamily="2" charset="2"/>
+              <a:buChar char="§"/>
+              <a:defRPr/>
+            </a:pPr>
+            <a:endParaRPr lang="en-US" sz="2400" dirty="0"/>
+          </a:p>
+          <a:p>
+            <a:pPr marL="804863" lvl="1" indent="-347663">
+              <a:spcBef>
+                <a:spcPts val="600"/>
+              </a:spcBef>
+              <a:buClr>
+                <a:schemeClr val="tx1">
+                  <a:lumMod val="90000"/>
+                  <a:lumOff val="10000"/>
+                </a:schemeClr>
+              </a:buClr>
+              <a:buSzPct val="100000"/>
+              <a:buFont typeface="Wingdings" panose="05000000000000000000" pitchFamily="2" charset="2"/>
+              <a:buChar char="§"/>
+              <a:defRPr/>
+            </a:pPr>
+            <a:endParaRPr lang="en-US" sz="2400" dirty="0"/>
+          </a:p>
+          <a:p>
+            <a:pPr marL="804863" lvl="1" indent="-347663">
+              <a:spcBef>
+                <a:spcPts val="600"/>
+              </a:spcBef>
+              <a:buClr>
+                <a:schemeClr val="tx1">
+                  <a:lumMod val="90000"/>
+                  <a:lumOff val="10000"/>
+                </a:schemeClr>
+              </a:buClr>
+              <a:buSzPct val="100000"/>
+              <a:buFont typeface="Wingdings" panose="05000000000000000000" pitchFamily="2" charset="2"/>
+              <a:buChar char="§"/>
+              <a:defRPr/>
+            </a:pPr>
+            <a:endParaRPr lang="en-US" sz="2400" dirty="0"/>
+          </a:p>
+          <a:p>
+            <a:pPr marL="804863" lvl="1" indent="-347663">
+              <a:spcBef>
+                <a:spcPts val="600"/>
+              </a:spcBef>
+              <a:buClr>
+                <a:schemeClr val="tx1">
+                  <a:lumMod val="90000"/>
+                  <a:lumOff val="10000"/>
+                </a:schemeClr>
+              </a:buClr>
+              <a:buSzPct val="100000"/>
+              <a:buFont typeface="Wingdings" panose="05000000000000000000" pitchFamily="2" charset="2"/>
+              <a:buChar char="§"/>
+              <a:defRPr/>
+            </a:pPr>
+            <a:endParaRPr lang="en-US" sz="2000" dirty="0"/>
+          </a:p>
+          <a:p>
+            <a:pPr marL="804863" lvl="1" indent="-347663">
+              <a:spcBef>
+                <a:spcPts val="600"/>
+              </a:spcBef>
+              <a:buClr>
+                <a:schemeClr val="tx1">
+                  <a:lumMod val="90000"/>
+                  <a:lumOff val="10000"/>
+                </a:schemeClr>
+              </a:buClr>
+              <a:buSzPct val="100000"/>
+              <a:buFont typeface="Wingdings" panose="05000000000000000000" pitchFamily="2" charset="2"/>
+              <a:buChar char="§"/>
+              <a:defRPr/>
+            </a:pPr>
+            <a:r>
+              <a:rPr lang="en-US" sz="2400" dirty="0"/>
+              <a:t>Allows compilers to check the validity of function calls.</a:t>
+            </a:r>
+          </a:p>
+        </p:txBody>
+      </p:sp>
+      <p:sp>
+        <p:nvSpPr>
+          <p:cNvPr id="2" name="TextBox 1">
+            <a:extLst>
+              <a:ext uri="{FF2B5EF4-FFF2-40B4-BE49-F238E27FC236}">
+                <a16:creationId xmlns:a16="http://schemas.microsoft.com/office/drawing/2014/main" id="{253774C5-DF3C-68F0-1CBB-06760AFA1D25}"/>
+              </a:ext>
+            </a:extLst>
+          </p:cNvPr>
+          <p:cNvSpPr txBox="1"/>
+          <p:nvPr/>
+        </p:nvSpPr>
+        <p:spPr>
+          <a:xfrm>
+            <a:off x="1190264" y="3057435"/>
+            <a:ext cx="3013989" cy="369332"/>
+          </a:xfrm>
+          <a:prstGeom prst="rect">
+            <a:avLst/>
+          </a:prstGeom>
+          <a:solidFill>
+            <a:schemeClr val="bg1"/>
+          </a:solidFill>
+          <a:ln w="19050">
+            <a:solidFill>
+              <a:schemeClr val="tx1"/>
+            </a:solidFill>
+          </a:ln>
+        </p:spPr>
+        <p:style>
+          <a:lnRef idx="2">
+            <a:schemeClr val="accent6"/>
+          </a:lnRef>
+          <a:fillRef idx="1">
+            <a:schemeClr val="lt1"/>
+          </a:fillRef>
+          <a:effectRef idx="0">
+            <a:schemeClr val="accent6"/>
+          </a:effectRef>
+          <a:fontRef idx="minor">
+            <a:schemeClr val="dk1"/>
+          </a:fontRef>
+        </p:style>
+        <p:txBody>
+          <a:bodyPr wrap="square" lIns="91440" tIns="45720" rIns="91440" bIns="45720" rtlCol="0" anchor="t">
+            <a:spAutoFit/>
+          </a:bodyPr>
+          <a:lstStyle/>
+          <a:p>
+            <a:pPr>
+              <a:tabLst>
+                <a:tab pos="347663" algn="l"/>
+                <a:tab pos="682625" algn="l"/>
+                <a:tab pos="1087438" algn="l"/>
+                <a:tab pos="1377950" algn="l"/>
+                <a:tab pos="1712913" algn="l"/>
+              </a:tabLst>
+            </a:pPr>
+            <a:r>
+              <a:rPr lang="en-US" b="1" dirty="0">
+                <a:solidFill>
+                  <a:srgbClr val="0000FF"/>
+                </a:solidFill>
+                <a:highlight>
+                  <a:srgbClr val="FFFF00"/>
+                </a:highlight>
+                <a:latin typeface="Courier New" panose="02070309020205020404" pitchFamily="49" charset="0"/>
+                <a:cs typeface="Courier New" panose="02070309020205020404" pitchFamily="49" charset="0"/>
+              </a:rPr>
+              <a:t>long</a:t>
+            </a:r>
+            <a:r>
+              <a:rPr lang="en-US" b="1" i="0" dirty="0">
+                <a:solidFill>
+                  <a:srgbClr val="36464E"/>
+                </a:solidFill>
+                <a:effectLst/>
+                <a:highlight>
+                  <a:srgbClr val="FFFF00"/>
+                </a:highlight>
+                <a:latin typeface="Courier New" panose="02070309020205020404" pitchFamily="49" charset="0"/>
+                <a:cs typeface="Courier New" panose="02070309020205020404" pitchFamily="49" charset="0"/>
+              </a:rPr>
+              <a:t> </a:t>
+            </a:r>
+            <a:r>
+              <a:rPr lang="en-US" b="1" i="0" dirty="0">
+                <a:solidFill>
+                  <a:srgbClr val="7030A0"/>
+                </a:solidFill>
+                <a:effectLst/>
+                <a:highlight>
+                  <a:srgbClr val="FFFF00"/>
+                </a:highlight>
+                <a:latin typeface="Courier New" panose="02070309020205020404" pitchFamily="49" charset="0"/>
+                <a:cs typeface="Courier New" panose="02070309020205020404" pitchFamily="49" charset="0"/>
+              </a:rPr>
+              <a:t>square</a:t>
+            </a:r>
+            <a:r>
+              <a:rPr lang="en-US" b="1" i="0" dirty="0">
+                <a:effectLst/>
+                <a:highlight>
+                  <a:srgbClr val="FFFF00"/>
+                </a:highlight>
+                <a:latin typeface="Courier New" panose="02070309020205020404" pitchFamily="49" charset="0"/>
+                <a:cs typeface="Courier New" panose="02070309020205020404" pitchFamily="49" charset="0"/>
+              </a:rPr>
+              <a:t>(</a:t>
+            </a:r>
+            <a:r>
+              <a:rPr lang="en-US" b="1" i="0" dirty="0">
+                <a:solidFill>
+                  <a:srgbClr val="0000FF"/>
+                </a:solidFill>
+                <a:effectLst/>
+                <a:highlight>
+                  <a:srgbClr val="FFFF00"/>
+                </a:highlight>
+                <a:latin typeface="Courier New" panose="02070309020205020404" pitchFamily="49" charset="0"/>
+                <a:cs typeface="Courier New" panose="02070309020205020404" pitchFamily="49" charset="0"/>
+              </a:rPr>
+              <a:t>long</a:t>
+            </a:r>
+            <a:r>
+              <a:rPr lang="en-US" b="1" i="0" dirty="0">
+                <a:solidFill>
+                  <a:srgbClr val="36464E"/>
+                </a:solidFill>
+                <a:effectLst/>
+                <a:highlight>
+                  <a:srgbClr val="FFFF00"/>
+                </a:highlight>
+                <a:latin typeface="Courier New" panose="02070309020205020404" pitchFamily="49" charset="0"/>
+                <a:cs typeface="Courier New" panose="02070309020205020404" pitchFamily="49" charset="0"/>
+              </a:rPr>
+              <a:t> x</a:t>
+            </a:r>
+            <a:r>
+              <a:rPr lang="en-US" b="1" i="0" dirty="0">
+                <a:effectLst/>
+                <a:highlight>
+                  <a:srgbClr val="FFFF00"/>
+                </a:highlight>
+                <a:latin typeface="Courier New" panose="02070309020205020404" pitchFamily="49" charset="0"/>
+                <a:cs typeface="Courier New" panose="02070309020205020404" pitchFamily="49" charset="0"/>
+              </a:rPr>
+              <a:t>);</a:t>
+            </a:r>
+            <a:r>
+              <a:rPr lang="en-US" b="1" i="0" dirty="0">
+                <a:solidFill>
+                  <a:srgbClr val="36464E"/>
+                </a:solidFill>
+                <a:effectLst/>
+                <a:highlight>
+                  <a:srgbClr val="FFFF00"/>
+                </a:highlight>
+                <a:latin typeface="Courier New" panose="02070309020205020404" pitchFamily="49" charset="0"/>
+                <a:cs typeface="Courier New" panose="02070309020205020404" pitchFamily="49" charset="0"/>
+              </a:rPr>
+              <a:t> </a:t>
+            </a:r>
+            <a:endParaRPr lang="en-US" b="1" i="0" dirty="0">
+              <a:solidFill>
+                <a:srgbClr val="0000FF"/>
+              </a:solidFill>
+              <a:effectLst/>
+              <a:latin typeface="Courier New" panose="02070309020205020404" pitchFamily="49" charset="0"/>
+              <a:cs typeface="Courier New" panose="02070309020205020404" pitchFamily="49" charset="0"/>
+            </a:endParaRPr>
+          </a:p>
+        </p:txBody>
+      </p:sp>
+      <p:sp>
+        <p:nvSpPr>
+          <p:cNvPr id="3" name="TextBox 2">
+            <a:extLst>
+              <a:ext uri="{FF2B5EF4-FFF2-40B4-BE49-F238E27FC236}">
+                <a16:creationId xmlns:a16="http://schemas.microsoft.com/office/drawing/2014/main" id="{94D6E48D-91C7-1A23-0D24-21292F4350F6}"/>
+              </a:ext>
+            </a:extLst>
+          </p:cNvPr>
+          <p:cNvSpPr txBox="1"/>
+          <p:nvPr/>
+        </p:nvSpPr>
+        <p:spPr>
+          <a:xfrm>
+            <a:off x="4641618" y="3057435"/>
+            <a:ext cx="2840633" cy="1200329"/>
+          </a:xfrm>
+          <a:prstGeom prst="rect">
+            <a:avLst/>
+          </a:prstGeom>
+          <a:solidFill>
+            <a:schemeClr val="bg1"/>
+          </a:solidFill>
+          <a:ln w="19050">
+            <a:solidFill>
+              <a:schemeClr val="tx1"/>
+            </a:solidFill>
+          </a:ln>
+        </p:spPr>
+        <p:style>
+          <a:lnRef idx="2">
+            <a:schemeClr val="accent6"/>
+          </a:lnRef>
+          <a:fillRef idx="1">
+            <a:schemeClr val="lt1"/>
+          </a:fillRef>
+          <a:effectRef idx="0">
+            <a:schemeClr val="accent6"/>
+          </a:effectRef>
+          <a:fontRef idx="minor">
+            <a:schemeClr val="dk1"/>
+          </a:fontRef>
+        </p:style>
+        <p:txBody>
+          <a:bodyPr wrap="square" lIns="91440" tIns="45720" rIns="91440" bIns="45720" rtlCol="0" anchor="t">
+            <a:spAutoFit/>
+          </a:bodyPr>
+          <a:lstStyle/>
+          <a:p>
+            <a:pPr>
+              <a:tabLst>
+                <a:tab pos="347663" algn="l"/>
+                <a:tab pos="682625" algn="l"/>
+                <a:tab pos="1087438" algn="l"/>
+                <a:tab pos="1377950" algn="l"/>
+                <a:tab pos="1712913" algn="l"/>
+              </a:tabLst>
+            </a:pPr>
+            <a:r>
+              <a:rPr lang="en-US" b="1" i="0" dirty="0">
+                <a:solidFill>
+                  <a:srgbClr val="0000FF"/>
+                </a:solidFill>
+                <a:effectLst/>
+                <a:latin typeface="Courier New" panose="02070309020205020404" pitchFamily="49" charset="0"/>
+                <a:cs typeface="Courier New" panose="02070309020205020404" pitchFamily="49" charset="0"/>
+              </a:rPr>
+              <a:t>long</a:t>
+            </a:r>
+            <a:r>
+              <a:rPr lang="en-US" b="1" i="0" dirty="0">
+                <a:solidFill>
+                  <a:srgbClr val="36464E"/>
+                </a:solidFill>
+                <a:effectLst/>
+                <a:latin typeface="Courier New" panose="02070309020205020404" pitchFamily="49" charset="0"/>
+                <a:cs typeface="Courier New" panose="02070309020205020404" pitchFamily="49" charset="0"/>
+              </a:rPr>
+              <a:t> </a:t>
+            </a:r>
+            <a:r>
+              <a:rPr lang="en-US" b="1" i="0" dirty="0">
+                <a:solidFill>
+                  <a:srgbClr val="7030A0"/>
+                </a:solidFill>
+                <a:effectLst/>
+                <a:latin typeface="Courier New" panose="02070309020205020404" pitchFamily="49" charset="0"/>
+                <a:cs typeface="Courier New" panose="02070309020205020404" pitchFamily="49" charset="0"/>
+              </a:rPr>
+              <a:t>square</a:t>
+            </a:r>
+            <a:r>
+              <a:rPr lang="en-US" b="1" i="0" dirty="0">
+                <a:effectLst/>
+                <a:latin typeface="Courier New" panose="02070309020205020404" pitchFamily="49" charset="0"/>
+                <a:cs typeface="Courier New" panose="02070309020205020404" pitchFamily="49" charset="0"/>
+              </a:rPr>
+              <a:t>(</a:t>
+            </a:r>
+            <a:r>
+              <a:rPr lang="en-US" b="1" i="0" dirty="0">
+                <a:solidFill>
+                  <a:srgbClr val="0000FF"/>
+                </a:solidFill>
+                <a:effectLst/>
+                <a:latin typeface="Courier New" panose="02070309020205020404" pitchFamily="49" charset="0"/>
+                <a:cs typeface="Courier New" panose="02070309020205020404" pitchFamily="49" charset="0"/>
+              </a:rPr>
+              <a:t>long</a:t>
+            </a:r>
+            <a:r>
+              <a:rPr lang="en-US" b="1" i="0" dirty="0">
+                <a:solidFill>
+                  <a:srgbClr val="36464E"/>
+                </a:solidFill>
+                <a:effectLst/>
+                <a:latin typeface="Courier New" panose="02070309020205020404" pitchFamily="49" charset="0"/>
+                <a:cs typeface="Courier New" panose="02070309020205020404" pitchFamily="49" charset="0"/>
+              </a:rPr>
+              <a:t> x</a:t>
+            </a:r>
+            <a:r>
+              <a:rPr lang="en-US" b="1" i="0" dirty="0">
+                <a:effectLst/>
+                <a:latin typeface="Courier New" panose="02070309020205020404" pitchFamily="49" charset="0"/>
+                <a:cs typeface="Courier New" panose="02070309020205020404" pitchFamily="49" charset="0"/>
+              </a:rPr>
+              <a:t>)</a:t>
+            </a:r>
+            <a:r>
+              <a:rPr lang="en-US" b="1" i="0" dirty="0">
+                <a:solidFill>
+                  <a:srgbClr val="36464E"/>
+                </a:solidFill>
+                <a:effectLst/>
+                <a:latin typeface="Courier New" panose="02070309020205020404" pitchFamily="49" charset="0"/>
+                <a:cs typeface="Courier New" panose="02070309020205020404" pitchFamily="49" charset="0"/>
+              </a:rPr>
+              <a:t> </a:t>
+            </a:r>
+          </a:p>
+          <a:p>
+            <a:pPr>
+              <a:tabLst>
+                <a:tab pos="347663" algn="l"/>
+                <a:tab pos="682625" algn="l"/>
+                <a:tab pos="1087438" algn="l"/>
+                <a:tab pos="1377950" algn="l"/>
+                <a:tab pos="1712913" algn="l"/>
+              </a:tabLst>
+            </a:pPr>
+            <a:r>
+              <a:rPr lang="en-US" b="1" i="0" dirty="0">
+                <a:effectLst/>
+                <a:latin typeface="Courier New" panose="02070309020205020404" pitchFamily="49" charset="0"/>
+                <a:cs typeface="Courier New" panose="02070309020205020404" pitchFamily="49" charset="0"/>
+              </a:rPr>
+              <a:t>{</a:t>
+            </a:r>
+            <a:r>
+              <a:rPr lang="en-US" b="1" i="0" dirty="0">
+                <a:solidFill>
+                  <a:srgbClr val="36464E"/>
+                </a:solidFill>
+                <a:effectLst/>
+                <a:latin typeface="Courier New" panose="02070309020205020404" pitchFamily="49" charset="0"/>
+                <a:cs typeface="Courier New" panose="02070309020205020404" pitchFamily="49" charset="0"/>
+              </a:rPr>
+              <a:t> </a:t>
+            </a:r>
+          </a:p>
+          <a:p>
+            <a:pPr>
+              <a:tabLst>
+                <a:tab pos="347663" algn="l"/>
+                <a:tab pos="682625" algn="l"/>
+                <a:tab pos="1087438" algn="l"/>
+                <a:tab pos="1377950" algn="l"/>
+                <a:tab pos="1712913" algn="l"/>
+              </a:tabLst>
+            </a:pPr>
+            <a:r>
+              <a:rPr lang="en-US" b="1" dirty="0">
+                <a:solidFill>
+                  <a:srgbClr val="36464E"/>
+                </a:solidFill>
+                <a:latin typeface="Courier New" panose="02070309020205020404" pitchFamily="49" charset="0"/>
+                <a:cs typeface="Courier New" panose="02070309020205020404" pitchFamily="49" charset="0"/>
+              </a:rPr>
+              <a:t>    </a:t>
+            </a:r>
+            <a:r>
+              <a:rPr lang="en-US" b="1" i="0" dirty="0">
+                <a:solidFill>
+                  <a:srgbClr val="0000FF"/>
+                </a:solidFill>
+                <a:effectLst/>
+                <a:latin typeface="Courier New" panose="02070309020205020404" pitchFamily="49" charset="0"/>
+                <a:cs typeface="Courier New" panose="02070309020205020404" pitchFamily="49" charset="0"/>
+              </a:rPr>
+              <a:t>return</a:t>
+            </a:r>
+            <a:r>
+              <a:rPr lang="en-US" b="1" i="0" dirty="0">
+                <a:solidFill>
+                  <a:srgbClr val="36464E"/>
+                </a:solidFill>
+                <a:effectLst/>
+                <a:latin typeface="Courier New" panose="02070309020205020404" pitchFamily="49" charset="0"/>
+                <a:cs typeface="Courier New" panose="02070309020205020404" pitchFamily="49" charset="0"/>
+              </a:rPr>
+              <a:t> x </a:t>
+            </a:r>
+            <a:r>
+              <a:rPr lang="en-US" b="1" i="0" dirty="0">
+                <a:effectLst/>
+                <a:latin typeface="Courier New" panose="02070309020205020404" pitchFamily="49" charset="0"/>
+                <a:cs typeface="Courier New" panose="02070309020205020404" pitchFamily="49" charset="0"/>
+              </a:rPr>
+              <a:t>*</a:t>
+            </a:r>
+            <a:r>
+              <a:rPr lang="en-US" b="1" i="0" dirty="0">
+                <a:solidFill>
+                  <a:srgbClr val="36464E"/>
+                </a:solidFill>
+                <a:effectLst/>
+                <a:latin typeface="Courier New" panose="02070309020205020404" pitchFamily="49" charset="0"/>
+                <a:cs typeface="Courier New" panose="02070309020205020404" pitchFamily="49" charset="0"/>
+              </a:rPr>
+              <a:t> x</a:t>
+            </a:r>
+            <a:r>
+              <a:rPr lang="en-US" b="1" i="0" dirty="0">
+                <a:effectLst/>
+                <a:latin typeface="Courier New" panose="02070309020205020404" pitchFamily="49" charset="0"/>
+                <a:cs typeface="Courier New" panose="02070309020205020404" pitchFamily="49" charset="0"/>
+              </a:rPr>
+              <a:t>;</a:t>
+            </a:r>
+            <a:r>
+              <a:rPr lang="en-US" b="1" i="0" dirty="0">
+                <a:solidFill>
+                  <a:srgbClr val="36464E"/>
+                </a:solidFill>
+                <a:effectLst/>
+                <a:latin typeface="Courier New" panose="02070309020205020404" pitchFamily="49" charset="0"/>
+                <a:cs typeface="Courier New" panose="02070309020205020404" pitchFamily="49" charset="0"/>
+              </a:rPr>
+              <a:t> </a:t>
+            </a:r>
+          </a:p>
+          <a:p>
+            <a:pPr>
+              <a:tabLst>
+                <a:tab pos="347663" algn="l"/>
+                <a:tab pos="682625" algn="l"/>
+                <a:tab pos="1087438" algn="l"/>
+                <a:tab pos="1377950" algn="l"/>
+                <a:tab pos="1712913" algn="l"/>
+              </a:tabLst>
+            </a:pPr>
+            <a:r>
+              <a:rPr lang="en-US" b="1" i="0" dirty="0">
+                <a:effectLst/>
+                <a:latin typeface="Courier New" panose="02070309020205020404" pitchFamily="49" charset="0"/>
+                <a:cs typeface="Courier New" panose="02070309020205020404" pitchFamily="49" charset="0"/>
+              </a:rPr>
+              <a:t>}</a:t>
+            </a:r>
+            <a:r>
+              <a:rPr lang="en-US" b="1" i="0" dirty="0">
+                <a:solidFill>
+                  <a:srgbClr val="36464E"/>
+                </a:solidFill>
+                <a:effectLst/>
+                <a:latin typeface="Courier New" panose="02070309020205020404" pitchFamily="49" charset="0"/>
+                <a:cs typeface="Courier New" panose="02070309020205020404" pitchFamily="49" charset="0"/>
+              </a:rPr>
+              <a:t> </a:t>
+            </a:r>
+          </a:p>
+        </p:txBody>
+      </p:sp>
+      <p:sp>
+        <p:nvSpPr>
+          <p:cNvPr id="4" name="TextBox 3">
+            <a:extLst>
+              <a:ext uri="{FF2B5EF4-FFF2-40B4-BE49-F238E27FC236}">
+                <a16:creationId xmlns:a16="http://schemas.microsoft.com/office/drawing/2014/main" id="{DB345D2B-71AB-609A-2F89-3A2A418CCE9E}"/>
+              </a:ext>
+            </a:extLst>
+          </p:cNvPr>
+          <p:cNvSpPr txBox="1"/>
+          <p:nvPr/>
+        </p:nvSpPr>
+        <p:spPr>
+          <a:xfrm>
+            <a:off x="1543942" y="2483072"/>
+            <a:ext cx="2253358" cy="369332"/>
+          </a:xfrm>
+          <a:prstGeom prst="rect">
+            <a:avLst/>
+          </a:prstGeom>
+          <a:solidFill>
+            <a:srgbClr val="FFFF99"/>
+          </a:solidFill>
+          <a:ln w="12700"/>
+        </p:spPr>
+        <p:style>
+          <a:lnRef idx="2">
+            <a:schemeClr val="accent4"/>
+          </a:lnRef>
+          <a:fillRef idx="1">
+            <a:schemeClr val="lt1"/>
+          </a:fillRef>
+          <a:effectRef idx="0">
+            <a:schemeClr val="accent4"/>
+          </a:effectRef>
+          <a:fontRef idx="minor">
+            <a:schemeClr val="dk1"/>
+          </a:fontRef>
+        </p:style>
+        <p:txBody>
+          <a:bodyPr wrap="square" rtlCol="0">
+            <a:spAutoFit/>
+          </a:bodyPr>
+          <a:lstStyle/>
+          <a:p>
+            <a:r>
+              <a:rPr lang="en-GB" dirty="0">
+                <a:solidFill>
+                  <a:schemeClr val="tx1"/>
+                </a:solidFill>
+              </a:rPr>
+              <a:t>Function declaration</a:t>
+            </a:r>
+            <a:endParaRPr lang="en-US" dirty="0">
+              <a:solidFill>
+                <a:schemeClr val="tx1"/>
+              </a:solidFill>
+            </a:endParaRPr>
+          </a:p>
+        </p:txBody>
+      </p:sp>
+      <p:sp>
+        <p:nvSpPr>
+          <p:cNvPr id="5" name="TextBox 4">
+            <a:extLst>
+              <a:ext uri="{FF2B5EF4-FFF2-40B4-BE49-F238E27FC236}">
+                <a16:creationId xmlns:a16="http://schemas.microsoft.com/office/drawing/2014/main" id="{00E6626E-E00B-B28D-EAD1-15B42E2C0928}"/>
+              </a:ext>
+            </a:extLst>
+          </p:cNvPr>
+          <p:cNvSpPr txBox="1"/>
+          <p:nvPr/>
+        </p:nvSpPr>
+        <p:spPr>
+          <a:xfrm>
+            <a:off x="4972117" y="2474773"/>
+            <a:ext cx="2050983" cy="369332"/>
+          </a:xfrm>
+          <a:prstGeom prst="rect">
+            <a:avLst/>
+          </a:prstGeom>
+          <a:solidFill>
+            <a:srgbClr val="FFFF99"/>
+          </a:solidFill>
+          <a:ln w="12700"/>
+        </p:spPr>
+        <p:style>
+          <a:lnRef idx="2">
+            <a:schemeClr val="accent4"/>
+          </a:lnRef>
+          <a:fillRef idx="1">
+            <a:schemeClr val="lt1"/>
+          </a:fillRef>
+          <a:effectRef idx="0">
+            <a:schemeClr val="accent4"/>
+          </a:effectRef>
+          <a:fontRef idx="minor">
+            <a:schemeClr val="dk1"/>
+          </a:fontRef>
+        </p:style>
+        <p:txBody>
+          <a:bodyPr wrap="square" rtlCol="0">
+            <a:spAutoFit/>
+          </a:bodyPr>
+          <a:lstStyle/>
+          <a:p>
+            <a:r>
+              <a:rPr lang="en-GB" dirty="0">
+                <a:solidFill>
+                  <a:schemeClr val="tx1"/>
+                </a:solidFill>
+              </a:rPr>
+              <a:t>Function definition</a:t>
+            </a:r>
+            <a:endParaRPr lang="en-US" dirty="0">
+              <a:solidFill>
+                <a:schemeClr val="tx1"/>
+              </a:solidFill>
+            </a:endParaRPr>
+          </a:p>
+        </p:txBody>
+      </p:sp>
+      <p:sp>
+        <p:nvSpPr>
+          <p:cNvPr id="7" name="Footer Placeholder 6">
+            <a:extLst>
+              <a:ext uri="{FF2B5EF4-FFF2-40B4-BE49-F238E27FC236}">
+                <a16:creationId xmlns:a16="http://schemas.microsoft.com/office/drawing/2014/main" id="{C2CF549E-9482-E6F3-930B-DEFA9F614E3A}"/>
+              </a:ext>
+            </a:extLst>
+          </p:cNvPr>
+          <p:cNvSpPr>
+            <a:spLocks noGrp="1"/>
+          </p:cNvSpPr>
+          <p:nvPr>
+            <p:ph type="ftr" sz="quarter" idx="11"/>
+          </p:nvPr>
+        </p:nvSpPr>
+        <p:spPr/>
+        <p:txBody>
+          <a:bodyPr/>
+          <a:lstStyle/>
+          <a:p>
+            <a:pPr algn="l">
+              <a:defRPr/>
+            </a:pPr>
+            <a:r>
+              <a:rPr lang="en-US"/>
+              <a:t>CS1010 (AY2023/24 Semester 2)</a:t>
+            </a:r>
+            <a:endParaRPr lang="en-US" dirty="0"/>
+          </a:p>
+        </p:txBody>
+      </p:sp>
+    </p:spTree>
+    <p:extLst>
+      <p:ext uri="{BB962C8B-B14F-4D97-AF65-F5344CB8AC3E}">
+        <p14:creationId xmlns:p14="http://schemas.microsoft.com/office/powerpoint/2010/main" val="1452079182"/>
+      </p:ext>
+    </p:extLst>
+  </p:cSld>
+  <p:clrMapOvr>
+    <a:masterClrMapping/>
+  </p:clrMapOvr>
+  <p:transition>
+    <p:fade/>
+  </p:transition>
+  <p:timing>
+    <p:tnLst>
+      <p:par>
+        <p:cTn id="1" dur="indefinite" restart="never" nodeType="tmRoot">
+          <p:childTnLst>
+            <p:seq concurrent="1" nextAc="seek">
+              <p:cTn id="2" dur="indefinite" nodeType="mainSeq">
+                <p:childTnLst>
+                  <p:par>
+                    <p:cTn id="3" fill="hold">
+                      <p:stCondLst>
+                        <p:cond delay="indefinite"/>
+                        <p:cond evt="onBegin" delay="0">
+                          <p:tn val="2"/>
+                        </p:cond>
+                      </p:stCondLst>
+                      <p:childTnLst>
+                        <p:par>
+                          <p:cTn id="4" fill="hold">
+                            <p:stCondLst>
+                              <p:cond delay="0"/>
+                            </p:stCondLst>
+                            <p:childTnLst>
+                              <p:par>
+                                <p:cTn id="5" presetID="9" presetClass="entr" presetSubtype="0" fill="hold" grpId="0" nodeType="withEffect">
+                                  <p:stCondLst>
+                                    <p:cond delay="0"/>
+                                  </p:stCondLst>
+                                  <p:childTnLst>
+                                    <p:set>
+                                      <p:cBhvr>
+                                        <p:cTn id="6" dur="1" fill="hold">
+                                          <p:stCondLst>
+                                            <p:cond delay="0"/>
+                                          </p:stCondLst>
+                                        </p:cTn>
+                                        <p:tgtEl>
+                                          <p:spTgt spid="4"/>
+                                        </p:tgtEl>
+                                        <p:attrNameLst>
+                                          <p:attrName>style.visibility</p:attrName>
+                                        </p:attrNameLst>
+                                      </p:cBhvr>
+                                      <p:to>
+                                        <p:strVal val="visible"/>
+                                      </p:to>
+                                    </p:set>
+                                    <p:animEffect transition="in" filter="dissolve">
+                                      <p:cBhvr>
+                                        <p:cTn id="7" dur="500"/>
+                                        <p:tgtEl>
+                                          <p:spTgt spid="4"/>
+                                        </p:tgtEl>
+                                      </p:cBhvr>
+                                    </p:animEffect>
+                                  </p:childTnLst>
+                                </p:cTn>
+                              </p:par>
+                              <p:par>
+                                <p:cTn id="8" presetID="9" presetClass="entr" presetSubtype="0" fill="hold" grpId="0" nodeType="withEffect">
+                                  <p:stCondLst>
+                                    <p:cond delay="0"/>
+                                  </p:stCondLst>
+                                  <p:childTnLst>
+                                    <p:set>
+                                      <p:cBhvr>
+                                        <p:cTn id="9" dur="1" fill="hold">
+                                          <p:stCondLst>
+                                            <p:cond delay="0"/>
+                                          </p:stCondLst>
+                                        </p:cTn>
+                                        <p:tgtEl>
+                                          <p:spTgt spid="5"/>
+                                        </p:tgtEl>
+                                        <p:attrNameLst>
+                                          <p:attrName>style.visibility</p:attrName>
+                                        </p:attrNameLst>
+                                      </p:cBhvr>
+                                      <p:to>
+                                        <p:strVal val="visible"/>
+                                      </p:to>
+                                    </p:set>
+                                    <p:animEffect transition="in" filter="dissolve">
+                                      <p:cBhvr>
+                                        <p:cTn id="10" dur="500"/>
+                                        <p:tgtEl>
+                                          <p:spTgt spid="5"/>
+                                        </p:tgtEl>
+                                      </p:cBhvr>
+                                    </p:animEffect>
+                                  </p:childTnLst>
+                                </p:cTn>
+                              </p:par>
+                            </p:childTnLst>
+                          </p:cTn>
+                        </p:par>
+                      </p:childTnLst>
+                    </p:cTn>
+                  </p:par>
+                </p:childTnLst>
+              </p:cTn>
+              <p:prevCondLst>
+                <p:cond evt="onPrev" delay="0">
+                  <p:tgtEl>
+                    <p:sldTgt/>
+                  </p:tgtEl>
+                </p:cond>
+              </p:prevCondLst>
+              <p:nextCondLst>
+                <p:cond evt="onNext" delay="0">
+                  <p:tgtEl>
+                    <p:sldTgt/>
+                  </p:tgtEl>
+                </p:cond>
+              </p:nextCondLst>
+            </p:seq>
+          </p:childTnLst>
+        </p:cTn>
+      </p:par>
+    </p:tnLst>
+    <p:bldLst>
+      <p:bldP spid="4" grpId="0" animBg="1"/>
+      <p:bldP spid="5" grpId="0" animBg="1"/>
+    </p:bldLst>
+  </p:timing>
+</p:sld>
+</file>
+
+<file path=ppt/slides/slide11.xml><?xml version="1.0" encoding="utf-8"?>
+<p:sld xmlns:a="http://schemas.openxmlformats.org/drawingml/2006/main" xmlns:r="http://schemas.openxmlformats.org/officeDocument/2006/relationships" xmlns:p="http://schemas.openxmlformats.org/presentationml/2006/main">
+  <p:cSld>
+    <p:spTree>
+      <p:nvGrpSpPr>
+        <p:cNvPr id="1" name=""/>
+        <p:cNvGrpSpPr/>
+        <p:nvPr/>
+      </p:nvGrpSpPr>
+      <p:grpSpPr>
+        <a:xfrm>
+          <a:off x="0" y="0"/>
+          <a:ext cx="0" cy="0"/>
+          <a:chOff x="0" y="0"/>
+          <a:chExt cx="0" cy="0"/>
+        </a:xfrm>
+      </p:grpSpPr>
+      <p:sp>
+        <p:nvSpPr>
+          <p:cNvPr id="24578" name="Rectangle 2"/>
+          <p:cNvSpPr>
+            <a:spLocks noGrp="1" noChangeArrowheads="1"/>
+          </p:cNvSpPr>
+          <p:nvPr>
+            <p:ph type="title"/>
+          </p:nvPr>
+        </p:nvSpPr>
+        <p:spPr>
+          <a:xfrm>
+            <a:off x="533400" y="457200"/>
+            <a:ext cx="8153400" cy="685800"/>
+          </a:xfrm>
+        </p:spPr>
+        <p:txBody>
+          <a:bodyPr>
+            <a:normAutofit fontScale="90000"/>
+          </a:bodyPr>
+          <a:lstStyle/>
+          <a:p>
+            <a:r>
+              <a:rPr lang="en-GB" dirty="0">
+                <a:solidFill>
+                  <a:srgbClr val="0000FF"/>
+                </a:solidFill>
+              </a:rPr>
+              <a:t>Your First C Program (Redux)</a:t>
+            </a:r>
+          </a:p>
+        </p:txBody>
+      </p:sp>
+      <p:sp>
+        <p:nvSpPr>
+          <p:cNvPr id="43" name="Slide Number Placeholder 42"/>
+          <p:cNvSpPr>
+            <a:spLocks noGrp="1"/>
+          </p:cNvSpPr>
+          <p:nvPr>
+            <p:ph type="sldNum" sz="quarter" idx="12"/>
+          </p:nvPr>
+        </p:nvSpPr>
+        <p:spPr/>
+        <p:txBody>
+          <a:bodyPr>
+            <a:normAutofit/>
+          </a:bodyPr>
+          <a:lstStyle/>
+          <a:p>
+            <a:pPr>
+              <a:defRPr/>
+            </a:pPr>
+            <a:r>
+              <a:rPr lang="en-US" dirty="0"/>
+              <a:t>Unit5</a:t>
+            </a:r>
+            <a:r>
+              <a:rPr dirty="0"/>
+              <a:t> - </a:t>
+            </a:r>
+            <a:fld id="{628B8346-B709-406B-887E-3E0CC6DA1327}" type="slidenum">
+              <a:rPr smtClean="0"/>
+              <a:pPr>
+                <a:defRPr/>
+              </a:pPr>
+              <a:t>11</a:t>
+            </a:fld>
+            <a:endParaRPr dirty="0"/>
+          </a:p>
+        </p:txBody>
+      </p:sp>
+      <p:sp>
+        <p:nvSpPr>
+          <p:cNvPr id="10" name="HighlightTextShape201406241503265130"/>
+          <p:cNvSpPr>
+            <a:spLocks noChangeArrowheads="1"/>
+          </p:cNvSpPr>
+          <p:nvPr/>
+        </p:nvSpPr>
+        <p:spPr bwMode="auto">
+          <a:xfrm>
+            <a:off x="491319" y="1219200"/>
+            <a:ext cx="7890681" cy="2438400"/>
+          </a:xfrm>
+          <a:prstGeom prst="rect">
+            <a:avLst/>
+          </a:prstGeom>
+          <a:noFill/>
+          <a:ln w="9525">
+            <a:noFill/>
+            <a:miter lim="800000"/>
+            <a:headEnd/>
+            <a:tailEnd/>
+          </a:ln>
+        </p:spPr>
+        <p:txBody>
+          <a:bodyPr/>
+          <a:lstStyle/>
+          <a:p>
+            <a:pPr marL="347663" indent="-347663">
+              <a:spcBef>
+                <a:spcPts val="600"/>
+              </a:spcBef>
+              <a:buClr>
+                <a:schemeClr val="tx1">
+                  <a:lumMod val="90000"/>
+                  <a:lumOff val="10000"/>
+                </a:schemeClr>
+              </a:buClr>
+              <a:buSzPct val="100000"/>
+              <a:buFont typeface="Wingdings" panose="05000000000000000000" pitchFamily="2" charset="2"/>
+              <a:buChar char="§"/>
+              <a:defRPr/>
+            </a:pPr>
+            <a:r>
+              <a:rPr lang="en-US" sz="2800" dirty="0"/>
+              <a:t>Components of a </a:t>
+            </a:r>
+            <a:r>
+              <a:rPr lang="en-US" sz="2800" dirty="0">
+                <a:solidFill>
+                  <a:srgbClr val="0000FF"/>
+                </a:solidFill>
+              </a:rPr>
+              <a:t>function (declaration)</a:t>
+            </a:r>
+          </a:p>
+          <a:p>
+            <a:pPr marL="804863" lvl="1" indent="-347663">
+              <a:spcBef>
+                <a:spcPts val="600"/>
+              </a:spcBef>
+              <a:buClr>
+                <a:schemeClr val="tx1">
+                  <a:lumMod val="90000"/>
+                  <a:lumOff val="10000"/>
+                </a:schemeClr>
+              </a:buClr>
+              <a:buSzPct val="100000"/>
+              <a:buFont typeface="Wingdings" panose="05000000000000000000" pitchFamily="2" charset="2"/>
+              <a:buChar char="§"/>
+              <a:defRPr/>
+            </a:pPr>
+            <a:r>
+              <a:rPr lang="en-US" sz="2400" dirty="0"/>
+              <a:t>Function definition without the body; </a:t>
+            </a:r>
+            <a:br>
+              <a:rPr lang="en-US" sz="2400" dirty="0"/>
+            </a:br>
+            <a:endParaRPr lang="en-US" sz="2400" dirty="0"/>
+          </a:p>
+          <a:p>
+            <a:pPr marL="804863" lvl="1" indent="-347663">
+              <a:spcBef>
+                <a:spcPts val="600"/>
+              </a:spcBef>
+              <a:buClr>
+                <a:schemeClr val="tx1">
+                  <a:lumMod val="90000"/>
+                  <a:lumOff val="10000"/>
+                </a:schemeClr>
+              </a:buClr>
+              <a:buSzPct val="100000"/>
+              <a:buFont typeface="Wingdings" panose="05000000000000000000" pitchFamily="2" charset="2"/>
+              <a:buChar char="§"/>
+              <a:defRPr/>
+            </a:pPr>
+            <a:endParaRPr lang="en-US" sz="2400" dirty="0"/>
+          </a:p>
+          <a:p>
+            <a:pPr marL="804863" lvl="1" indent="-347663">
+              <a:spcBef>
+                <a:spcPts val="600"/>
+              </a:spcBef>
+              <a:buClr>
+                <a:schemeClr val="tx1">
+                  <a:lumMod val="90000"/>
+                  <a:lumOff val="10000"/>
+                </a:schemeClr>
+              </a:buClr>
+              <a:buSzPct val="100000"/>
+              <a:buFont typeface="Wingdings" panose="05000000000000000000" pitchFamily="2" charset="2"/>
+              <a:buChar char="§"/>
+              <a:defRPr/>
+            </a:pPr>
+            <a:endParaRPr lang="en-US" sz="2400" dirty="0"/>
+          </a:p>
+          <a:p>
+            <a:pPr marL="804863" lvl="1" indent="-347663">
+              <a:spcBef>
+                <a:spcPts val="600"/>
+              </a:spcBef>
+              <a:buClr>
+                <a:schemeClr val="tx1">
+                  <a:lumMod val="90000"/>
+                  <a:lumOff val="10000"/>
+                </a:schemeClr>
+              </a:buClr>
+              <a:buSzPct val="100000"/>
+              <a:buFont typeface="Wingdings" panose="05000000000000000000" pitchFamily="2" charset="2"/>
+              <a:buChar char="§"/>
+              <a:defRPr/>
+            </a:pPr>
+            <a:endParaRPr lang="en-US" sz="2400" dirty="0"/>
+          </a:p>
+          <a:p>
+            <a:pPr marL="804863" lvl="1" indent="-347663">
+              <a:spcBef>
+                <a:spcPts val="600"/>
+              </a:spcBef>
+              <a:buClr>
+                <a:schemeClr val="tx1">
+                  <a:lumMod val="90000"/>
+                  <a:lumOff val="10000"/>
+                </a:schemeClr>
+              </a:buClr>
+              <a:buSzPct val="100000"/>
+              <a:buFont typeface="Wingdings" panose="05000000000000000000" pitchFamily="2" charset="2"/>
+              <a:buChar char="§"/>
+              <a:defRPr/>
+            </a:pPr>
+            <a:endParaRPr lang="en-US" sz="2400" dirty="0"/>
+          </a:p>
+          <a:p>
+            <a:pPr marL="804863" lvl="1" indent="-347663">
+              <a:spcBef>
+                <a:spcPts val="600"/>
+              </a:spcBef>
+              <a:buClr>
+                <a:schemeClr val="tx1">
+                  <a:lumMod val="90000"/>
+                  <a:lumOff val="10000"/>
+                </a:schemeClr>
+              </a:buClr>
+              <a:buSzPct val="100000"/>
+              <a:buFont typeface="Wingdings" panose="05000000000000000000" pitchFamily="2" charset="2"/>
+              <a:buChar char="§"/>
+              <a:defRPr/>
+            </a:pPr>
+            <a:endParaRPr lang="en-US" sz="2400" dirty="0"/>
+          </a:p>
+          <a:p>
+            <a:pPr marL="804863" lvl="1" indent="-347663">
+              <a:spcBef>
+                <a:spcPts val="600"/>
+              </a:spcBef>
+              <a:buClr>
+                <a:schemeClr val="tx1">
+                  <a:lumMod val="90000"/>
+                  <a:lumOff val="10000"/>
+                </a:schemeClr>
+              </a:buClr>
+              <a:buSzPct val="100000"/>
+              <a:buFont typeface="Wingdings" panose="05000000000000000000" pitchFamily="2" charset="2"/>
+              <a:buChar char="§"/>
+              <a:defRPr/>
+            </a:pPr>
+            <a:endParaRPr lang="en-US" sz="2400" dirty="0"/>
+          </a:p>
+          <a:p>
+            <a:pPr marL="804863" lvl="1" indent="-347663">
+              <a:spcBef>
+                <a:spcPts val="600"/>
+              </a:spcBef>
+              <a:buClr>
+                <a:schemeClr val="tx1">
+                  <a:lumMod val="90000"/>
+                  <a:lumOff val="10000"/>
+                </a:schemeClr>
+              </a:buClr>
+              <a:buSzPct val="100000"/>
+              <a:buFont typeface="Wingdings" panose="05000000000000000000" pitchFamily="2" charset="2"/>
+              <a:buChar char="§"/>
+              <a:defRPr/>
+            </a:pPr>
+            <a:endParaRPr lang="en-US" sz="2000" dirty="0"/>
+          </a:p>
+          <a:p>
+            <a:pPr marL="804863" lvl="1" indent="-347663">
+              <a:spcBef>
+                <a:spcPts val="600"/>
+              </a:spcBef>
+              <a:buClr>
+                <a:schemeClr val="tx1">
+                  <a:lumMod val="90000"/>
+                  <a:lumOff val="10000"/>
+                </a:schemeClr>
+              </a:buClr>
+              <a:buSzPct val="100000"/>
+              <a:buFont typeface="Wingdings" panose="05000000000000000000" pitchFamily="2" charset="2"/>
+              <a:buChar char="§"/>
+              <a:defRPr/>
+            </a:pPr>
+            <a:r>
+              <a:rPr lang="en-US" sz="2400" dirty="0"/>
+              <a:t>Allows compilers to check the validity of function calls.</a:t>
+            </a:r>
+          </a:p>
+        </p:txBody>
+      </p:sp>
+      <p:sp>
+        <p:nvSpPr>
+          <p:cNvPr id="8" name="TextBox 7">
+            <a:extLst>
+              <a:ext uri="{FF2B5EF4-FFF2-40B4-BE49-F238E27FC236}">
+                <a16:creationId xmlns:a16="http://schemas.microsoft.com/office/drawing/2014/main" id="{28132129-8005-4001-8A22-A53D9CDE0963}"/>
+              </a:ext>
+            </a:extLst>
+          </p:cNvPr>
+          <p:cNvSpPr txBox="1"/>
+          <p:nvPr/>
+        </p:nvSpPr>
+        <p:spPr>
+          <a:xfrm>
+            <a:off x="211486" y="2258447"/>
+            <a:ext cx="3013989" cy="3139321"/>
+          </a:xfrm>
+          <a:prstGeom prst="rect">
+            <a:avLst/>
+          </a:prstGeom>
+          <a:solidFill>
+            <a:schemeClr val="bg1"/>
+          </a:solidFill>
+          <a:ln w="19050">
+            <a:solidFill>
+              <a:schemeClr val="tx1"/>
+            </a:solidFill>
+          </a:ln>
+        </p:spPr>
+        <p:style>
+          <a:lnRef idx="2">
+            <a:schemeClr val="accent6"/>
+          </a:lnRef>
+          <a:fillRef idx="1">
+            <a:schemeClr val="lt1"/>
+          </a:fillRef>
+          <a:effectRef idx="0">
+            <a:schemeClr val="accent6"/>
+          </a:effectRef>
+          <a:fontRef idx="minor">
+            <a:schemeClr val="dk1"/>
+          </a:fontRef>
+        </p:style>
+        <p:txBody>
+          <a:bodyPr wrap="square" lIns="91440" tIns="45720" rIns="91440" bIns="45720" rtlCol="0" anchor="t">
+            <a:spAutoFit/>
+          </a:bodyPr>
+          <a:lstStyle/>
+          <a:p>
+            <a:pPr>
+              <a:tabLst>
+                <a:tab pos="347663" algn="l"/>
+                <a:tab pos="682625" algn="l"/>
+                <a:tab pos="1087438" algn="l"/>
+                <a:tab pos="1377950" algn="l"/>
+                <a:tab pos="1712913" algn="l"/>
+              </a:tabLst>
+            </a:pPr>
+            <a:r>
+              <a:rPr lang="en-US" b="1" dirty="0">
+                <a:solidFill>
+                  <a:srgbClr val="0000FF"/>
+                </a:solidFill>
+                <a:highlight>
+                  <a:srgbClr val="FFFF00"/>
+                </a:highlight>
+                <a:latin typeface="Courier New" panose="02070309020205020404" pitchFamily="49" charset="0"/>
+                <a:cs typeface="Courier New" panose="02070309020205020404" pitchFamily="49" charset="0"/>
+              </a:rPr>
+              <a:t>long</a:t>
+            </a:r>
+            <a:r>
+              <a:rPr lang="en-US" b="1" i="0" dirty="0">
+                <a:solidFill>
+                  <a:srgbClr val="36464E"/>
+                </a:solidFill>
+                <a:effectLst/>
+                <a:highlight>
+                  <a:srgbClr val="FFFF00"/>
+                </a:highlight>
+                <a:latin typeface="Courier New" panose="02070309020205020404" pitchFamily="49" charset="0"/>
+                <a:cs typeface="Courier New" panose="02070309020205020404" pitchFamily="49" charset="0"/>
+              </a:rPr>
+              <a:t> </a:t>
+            </a:r>
+            <a:r>
+              <a:rPr lang="en-US" b="1" i="0" dirty="0">
+                <a:solidFill>
+                  <a:srgbClr val="7030A0"/>
+                </a:solidFill>
+                <a:effectLst/>
+                <a:highlight>
+                  <a:srgbClr val="FFFF00"/>
+                </a:highlight>
+                <a:latin typeface="Courier New" panose="02070309020205020404" pitchFamily="49" charset="0"/>
+                <a:cs typeface="Courier New" panose="02070309020205020404" pitchFamily="49" charset="0"/>
+              </a:rPr>
+              <a:t>square</a:t>
+            </a:r>
+            <a:r>
+              <a:rPr lang="en-US" b="1" i="0" dirty="0">
+                <a:effectLst/>
+                <a:highlight>
+                  <a:srgbClr val="FFFF00"/>
+                </a:highlight>
+                <a:latin typeface="Courier New" panose="02070309020205020404" pitchFamily="49" charset="0"/>
+                <a:cs typeface="Courier New" panose="02070309020205020404" pitchFamily="49" charset="0"/>
+              </a:rPr>
+              <a:t>(</a:t>
+            </a:r>
+            <a:r>
+              <a:rPr lang="en-US" b="1" i="0" dirty="0">
+                <a:solidFill>
+                  <a:srgbClr val="0000FF"/>
+                </a:solidFill>
+                <a:effectLst/>
+                <a:highlight>
+                  <a:srgbClr val="FFFF00"/>
+                </a:highlight>
+                <a:latin typeface="Courier New" panose="02070309020205020404" pitchFamily="49" charset="0"/>
+                <a:cs typeface="Courier New" panose="02070309020205020404" pitchFamily="49" charset="0"/>
+              </a:rPr>
+              <a:t>long</a:t>
+            </a:r>
+            <a:r>
+              <a:rPr lang="en-US" b="1" i="0" dirty="0">
+                <a:solidFill>
+                  <a:srgbClr val="36464E"/>
+                </a:solidFill>
+                <a:effectLst/>
+                <a:highlight>
+                  <a:srgbClr val="FFFF00"/>
+                </a:highlight>
+                <a:latin typeface="Courier New" panose="02070309020205020404" pitchFamily="49" charset="0"/>
+                <a:cs typeface="Courier New" panose="02070309020205020404" pitchFamily="49" charset="0"/>
+              </a:rPr>
+              <a:t> x</a:t>
+            </a:r>
+            <a:r>
+              <a:rPr lang="en-US" b="1" i="0" dirty="0">
+                <a:effectLst/>
+                <a:highlight>
+                  <a:srgbClr val="FFFF00"/>
+                </a:highlight>
+                <a:latin typeface="Courier New" panose="02070309020205020404" pitchFamily="49" charset="0"/>
+                <a:cs typeface="Courier New" panose="02070309020205020404" pitchFamily="49" charset="0"/>
+              </a:rPr>
+              <a:t>);</a:t>
+            </a:r>
+            <a:r>
+              <a:rPr lang="en-US" b="1" i="0" dirty="0">
+                <a:solidFill>
+                  <a:srgbClr val="36464E"/>
+                </a:solidFill>
+                <a:effectLst/>
+                <a:highlight>
+                  <a:srgbClr val="FFFF00"/>
+                </a:highlight>
+                <a:latin typeface="Courier New" panose="02070309020205020404" pitchFamily="49" charset="0"/>
+                <a:cs typeface="Courier New" panose="02070309020205020404" pitchFamily="49" charset="0"/>
+              </a:rPr>
+              <a:t> </a:t>
+            </a:r>
+            <a:endParaRPr lang="en-US" b="1" i="0" dirty="0">
+              <a:solidFill>
+                <a:srgbClr val="0000FF"/>
+              </a:solidFill>
+              <a:effectLst/>
+              <a:latin typeface="Courier New" panose="02070309020205020404" pitchFamily="49" charset="0"/>
+              <a:cs typeface="Courier New" panose="02070309020205020404" pitchFamily="49" charset="0"/>
+            </a:endParaRPr>
+          </a:p>
+          <a:p>
+            <a:pPr>
+              <a:tabLst>
+                <a:tab pos="347663" algn="l"/>
+                <a:tab pos="682625" algn="l"/>
+                <a:tab pos="1087438" algn="l"/>
+                <a:tab pos="1377950" algn="l"/>
+                <a:tab pos="1712913" algn="l"/>
+              </a:tabLst>
+            </a:pPr>
+            <a:endParaRPr lang="en-US" b="1" dirty="0">
+              <a:solidFill>
+                <a:srgbClr val="0000FF"/>
+              </a:solidFill>
+              <a:latin typeface="Courier New" panose="02070309020205020404" pitchFamily="49" charset="0"/>
+              <a:cs typeface="Courier New" panose="02070309020205020404" pitchFamily="49" charset="0"/>
+            </a:endParaRPr>
+          </a:p>
+          <a:p>
+            <a:pPr>
+              <a:tabLst>
+                <a:tab pos="347663" algn="l"/>
+                <a:tab pos="682625" algn="l"/>
+                <a:tab pos="1087438" algn="l"/>
+                <a:tab pos="1377950" algn="l"/>
+                <a:tab pos="1712913" algn="l"/>
+              </a:tabLst>
+            </a:pPr>
+            <a:r>
+              <a:rPr lang="en-US" b="1" i="0" dirty="0">
+                <a:solidFill>
+                  <a:srgbClr val="0000FF"/>
+                </a:solidFill>
+                <a:effectLst/>
+                <a:latin typeface="Courier New" panose="02070309020205020404" pitchFamily="49" charset="0"/>
+                <a:cs typeface="Courier New" panose="02070309020205020404" pitchFamily="49" charset="0"/>
+              </a:rPr>
+              <a:t>int</a:t>
+            </a:r>
+            <a:r>
+              <a:rPr lang="en-US" b="1" i="0" dirty="0">
+                <a:solidFill>
+                  <a:srgbClr val="36464E"/>
+                </a:solidFill>
+                <a:effectLst/>
+                <a:latin typeface="Courier New" panose="02070309020205020404" pitchFamily="49" charset="0"/>
+                <a:cs typeface="Courier New" panose="02070309020205020404" pitchFamily="49" charset="0"/>
+              </a:rPr>
+              <a:t> </a:t>
+            </a:r>
+            <a:r>
+              <a:rPr lang="en-US" b="1" i="0" dirty="0">
+                <a:solidFill>
+                  <a:srgbClr val="7030A0"/>
+                </a:solidFill>
+                <a:effectLst/>
+                <a:latin typeface="Courier New" panose="02070309020205020404" pitchFamily="49" charset="0"/>
+                <a:cs typeface="Courier New" panose="02070309020205020404" pitchFamily="49" charset="0"/>
+              </a:rPr>
+              <a:t>main</a:t>
+            </a:r>
+            <a:r>
+              <a:rPr lang="en-US" b="1" i="0" dirty="0">
+                <a:effectLst/>
+                <a:latin typeface="Courier New" panose="02070309020205020404" pitchFamily="49" charset="0"/>
+                <a:cs typeface="Courier New" panose="02070309020205020404" pitchFamily="49" charset="0"/>
+              </a:rPr>
+              <a:t>()</a:t>
+            </a:r>
+            <a:r>
+              <a:rPr lang="en-US" b="1" i="0" dirty="0">
+                <a:solidFill>
+                  <a:srgbClr val="36464E"/>
+                </a:solidFill>
+                <a:effectLst/>
+                <a:latin typeface="Courier New" panose="02070309020205020404" pitchFamily="49" charset="0"/>
+                <a:cs typeface="Courier New" panose="02070309020205020404" pitchFamily="49" charset="0"/>
+              </a:rPr>
+              <a:t> </a:t>
+            </a:r>
+          </a:p>
+          <a:p>
+            <a:pPr>
+              <a:tabLst>
+                <a:tab pos="347663" algn="l"/>
+                <a:tab pos="682625" algn="l"/>
+                <a:tab pos="1087438" algn="l"/>
+                <a:tab pos="1377950" algn="l"/>
+                <a:tab pos="1712913" algn="l"/>
+              </a:tabLst>
+            </a:pPr>
+            <a:r>
+              <a:rPr lang="en-US" b="1" i="0" dirty="0">
+                <a:effectLst/>
+                <a:latin typeface="Courier New" panose="02070309020205020404" pitchFamily="49" charset="0"/>
+                <a:cs typeface="Courier New" panose="02070309020205020404" pitchFamily="49" charset="0"/>
+              </a:rPr>
+              <a:t>{</a:t>
+            </a:r>
+            <a:r>
+              <a:rPr lang="en-US" b="1" i="0" dirty="0">
+                <a:solidFill>
+                  <a:srgbClr val="36464E"/>
+                </a:solidFill>
+                <a:effectLst/>
+                <a:latin typeface="Courier New" panose="02070309020205020404" pitchFamily="49" charset="0"/>
+                <a:cs typeface="Courier New" panose="02070309020205020404" pitchFamily="49" charset="0"/>
+              </a:rPr>
+              <a:t> </a:t>
+            </a:r>
+          </a:p>
+          <a:p>
+            <a:pPr>
+              <a:tabLst>
+                <a:tab pos="347663" algn="l"/>
+                <a:tab pos="682625" algn="l"/>
+                <a:tab pos="1087438" algn="l"/>
+                <a:tab pos="1377950" algn="l"/>
+                <a:tab pos="1712913" algn="l"/>
+              </a:tabLst>
+            </a:pPr>
+            <a:r>
+              <a:rPr lang="en-US" b="1" i="0" dirty="0">
+                <a:effectLst/>
+                <a:latin typeface="Courier New" panose="02070309020205020404" pitchFamily="49" charset="0"/>
+                <a:cs typeface="Courier New" panose="02070309020205020404" pitchFamily="49" charset="0"/>
+              </a:rPr>
+              <a:t>    </a:t>
+            </a:r>
+            <a:r>
+              <a:rPr lang="en-US" b="1" i="0" dirty="0">
+                <a:solidFill>
+                  <a:schemeClr val="tx1"/>
+                </a:solidFill>
+                <a:effectLst/>
+                <a:latin typeface="Courier New" panose="02070309020205020404" pitchFamily="49" charset="0"/>
+                <a:cs typeface="Courier New" panose="02070309020205020404" pitchFamily="49" charset="0"/>
+              </a:rPr>
+              <a:t>…</a:t>
+            </a:r>
+            <a:r>
+              <a:rPr lang="en-US" b="1" i="0" dirty="0">
+                <a:solidFill>
+                  <a:srgbClr val="0000FF"/>
+                </a:solidFill>
+                <a:effectLst/>
+                <a:latin typeface="Courier New" panose="02070309020205020404" pitchFamily="49" charset="0"/>
+                <a:cs typeface="Courier New" panose="02070309020205020404" pitchFamily="49" charset="0"/>
+              </a:rPr>
+              <a:t> </a:t>
+            </a:r>
+            <a:r>
+              <a:rPr lang="en-US" b="1" i="0" dirty="0">
+                <a:solidFill>
+                  <a:schemeClr val="tx1"/>
+                </a:solidFill>
+                <a:effectLst/>
+                <a:latin typeface="Courier New" panose="02070309020205020404" pitchFamily="49" charset="0"/>
+                <a:cs typeface="Courier New" panose="02070309020205020404" pitchFamily="49" charset="0"/>
+              </a:rPr>
+              <a:t>square(</a:t>
+            </a:r>
+            <a:r>
+              <a:rPr lang="en-US" b="1" i="0" dirty="0">
+                <a:solidFill>
+                  <a:srgbClr val="FF0000"/>
+                </a:solidFill>
+                <a:effectLst/>
+                <a:latin typeface="Courier New" panose="02070309020205020404" pitchFamily="49" charset="0"/>
+                <a:cs typeface="Courier New" panose="02070309020205020404" pitchFamily="49" charset="0"/>
+              </a:rPr>
+              <a:t>3</a:t>
+            </a:r>
+            <a:r>
+              <a:rPr lang="en-US" b="1" i="0" dirty="0">
+                <a:solidFill>
+                  <a:schemeClr val="tx1"/>
+                </a:solidFill>
+                <a:effectLst/>
+                <a:latin typeface="Courier New" panose="02070309020205020404" pitchFamily="49" charset="0"/>
+                <a:cs typeface="Courier New" panose="02070309020205020404" pitchFamily="49" charset="0"/>
+              </a:rPr>
+              <a:t>) …</a:t>
+            </a:r>
+          </a:p>
+          <a:p>
+            <a:pPr>
+              <a:tabLst>
+                <a:tab pos="347663" algn="l"/>
+                <a:tab pos="682625" algn="l"/>
+                <a:tab pos="1087438" algn="l"/>
+                <a:tab pos="1377950" algn="l"/>
+                <a:tab pos="1712913" algn="l"/>
+              </a:tabLst>
+            </a:pPr>
+            <a:r>
+              <a:rPr lang="en-US" b="1" i="0" dirty="0">
+                <a:effectLst/>
+                <a:latin typeface="Courier New" panose="02070309020205020404" pitchFamily="49" charset="0"/>
+                <a:cs typeface="Courier New" panose="02070309020205020404" pitchFamily="49" charset="0"/>
+              </a:rPr>
+              <a:t>}</a:t>
+            </a:r>
+          </a:p>
+          <a:p>
+            <a:pPr>
+              <a:tabLst>
+                <a:tab pos="347663" algn="l"/>
+                <a:tab pos="682625" algn="l"/>
+                <a:tab pos="1087438" algn="l"/>
+                <a:tab pos="1377950" algn="l"/>
+                <a:tab pos="1712913" algn="l"/>
+              </a:tabLst>
+            </a:pPr>
+            <a:endParaRPr lang="en-US" b="1" dirty="0">
+              <a:latin typeface="Courier New" panose="02070309020205020404" pitchFamily="49" charset="0"/>
+              <a:cs typeface="Courier New" panose="02070309020205020404" pitchFamily="49" charset="0"/>
+            </a:endParaRPr>
+          </a:p>
+          <a:p>
+            <a:pPr>
+              <a:tabLst>
+                <a:tab pos="347663" algn="l"/>
+                <a:tab pos="682625" algn="l"/>
+                <a:tab pos="1087438" algn="l"/>
+                <a:tab pos="1377950" algn="l"/>
+                <a:tab pos="1712913" algn="l"/>
+              </a:tabLst>
+            </a:pPr>
+            <a:r>
+              <a:rPr lang="en-US" b="1" i="0" dirty="0">
+                <a:solidFill>
+                  <a:srgbClr val="0000FF"/>
+                </a:solidFill>
+                <a:effectLst/>
+                <a:latin typeface="Courier New" panose="02070309020205020404" pitchFamily="49" charset="0"/>
+                <a:cs typeface="Courier New" panose="02070309020205020404" pitchFamily="49" charset="0"/>
+              </a:rPr>
+              <a:t>long</a:t>
+            </a:r>
+            <a:r>
+              <a:rPr lang="en-US" b="1" i="0" dirty="0">
+                <a:solidFill>
+                  <a:srgbClr val="36464E"/>
+                </a:solidFill>
+                <a:effectLst/>
+                <a:latin typeface="Courier New" panose="02070309020205020404" pitchFamily="49" charset="0"/>
+                <a:cs typeface="Courier New" panose="02070309020205020404" pitchFamily="49" charset="0"/>
+              </a:rPr>
+              <a:t> </a:t>
+            </a:r>
+            <a:r>
+              <a:rPr lang="en-US" b="1" i="0" dirty="0">
+                <a:solidFill>
+                  <a:srgbClr val="7030A0"/>
+                </a:solidFill>
+                <a:effectLst/>
+                <a:latin typeface="Courier New" panose="02070309020205020404" pitchFamily="49" charset="0"/>
+                <a:cs typeface="Courier New" panose="02070309020205020404" pitchFamily="49" charset="0"/>
+              </a:rPr>
+              <a:t>square</a:t>
+            </a:r>
+            <a:r>
+              <a:rPr lang="en-US" b="1" i="0" dirty="0">
+                <a:effectLst/>
+                <a:latin typeface="Courier New" panose="02070309020205020404" pitchFamily="49" charset="0"/>
+                <a:cs typeface="Courier New" panose="02070309020205020404" pitchFamily="49" charset="0"/>
+              </a:rPr>
+              <a:t>(</a:t>
+            </a:r>
+            <a:r>
+              <a:rPr lang="en-US" b="1" i="0" dirty="0">
+                <a:solidFill>
+                  <a:srgbClr val="0000FF"/>
+                </a:solidFill>
+                <a:effectLst/>
+                <a:latin typeface="Courier New" panose="02070309020205020404" pitchFamily="49" charset="0"/>
+                <a:cs typeface="Courier New" panose="02070309020205020404" pitchFamily="49" charset="0"/>
+              </a:rPr>
+              <a:t>long</a:t>
+            </a:r>
+            <a:r>
+              <a:rPr lang="en-US" b="1" i="0" dirty="0">
+                <a:solidFill>
+                  <a:srgbClr val="36464E"/>
+                </a:solidFill>
+                <a:effectLst/>
+                <a:latin typeface="Courier New" panose="02070309020205020404" pitchFamily="49" charset="0"/>
+                <a:cs typeface="Courier New" panose="02070309020205020404" pitchFamily="49" charset="0"/>
+              </a:rPr>
+              <a:t> x</a:t>
+            </a:r>
+            <a:r>
+              <a:rPr lang="en-US" b="1" i="0" dirty="0">
+                <a:effectLst/>
+                <a:latin typeface="Courier New" panose="02070309020205020404" pitchFamily="49" charset="0"/>
+                <a:cs typeface="Courier New" panose="02070309020205020404" pitchFamily="49" charset="0"/>
+              </a:rPr>
+              <a:t>)</a:t>
+            </a:r>
+            <a:r>
+              <a:rPr lang="en-US" b="1" i="0" dirty="0">
+                <a:solidFill>
+                  <a:srgbClr val="36464E"/>
+                </a:solidFill>
+                <a:effectLst/>
+                <a:latin typeface="Courier New" panose="02070309020205020404" pitchFamily="49" charset="0"/>
+                <a:cs typeface="Courier New" panose="02070309020205020404" pitchFamily="49" charset="0"/>
+              </a:rPr>
+              <a:t> </a:t>
+            </a:r>
+          </a:p>
+          <a:p>
+            <a:pPr>
+              <a:tabLst>
+                <a:tab pos="347663" algn="l"/>
+                <a:tab pos="682625" algn="l"/>
+                <a:tab pos="1087438" algn="l"/>
+                <a:tab pos="1377950" algn="l"/>
+                <a:tab pos="1712913" algn="l"/>
+              </a:tabLst>
+            </a:pPr>
+            <a:r>
+              <a:rPr lang="en-US" b="1" i="0" dirty="0">
+                <a:effectLst/>
+                <a:latin typeface="Courier New" panose="02070309020205020404" pitchFamily="49" charset="0"/>
+                <a:cs typeface="Courier New" panose="02070309020205020404" pitchFamily="49" charset="0"/>
+              </a:rPr>
+              <a:t>{</a:t>
+            </a:r>
+            <a:r>
+              <a:rPr lang="en-US" b="1" i="0" dirty="0">
+                <a:solidFill>
+                  <a:srgbClr val="36464E"/>
+                </a:solidFill>
+                <a:effectLst/>
+                <a:latin typeface="Courier New" panose="02070309020205020404" pitchFamily="49" charset="0"/>
+                <a:cs typeface="Courier New" panose="02070309020205020404" pitchFamily="49" charset="0"/>
+              </a:rPr>
+              <a:t> </a:t>
+            </a:r>
+          </a:p>
+          <a:p>
+            <a:pPr>
+              <a:tabLst>
+                <a:tab pos="347663" algn="l"/>
+                <a:tab pos="682625" algn="l"/>
+                <a:tab pos="1087438" algn="l"/>
+                <a:tab pos="1377950" algn="l"/>
+                <a:tab pos="1712913" algn="l"/>
+              </a:tabLst>
+            </a:pPr>
+            <a:r>
+              <a:rPr lang="en-US" b="1" dirty="0">
+                <a:solidFill>
+                  <a:srgbClr val="36464E"/>
+                </a:solidFill>
+                <a:latin typeface="Courier New" panose="02070309020205020404" pitchFamily="49" charset="0"/>
+                <a:cs typeface="Courier New" panose="02070309020205020404" pitchFamily="49" charset="0"/>
+              </a:rPr>
+              <a:t>    </a:t>
+            </a:r>
+            <a:r>
+              <a:rPr lang="en-US" b="1" i="0" dirty="0">
+                <a:solidFill>
+                  <a:srgbClr val="0000FF"/>
+                </a:solidFill>
+                <a:effectLst/>
+                <a:latin typeface="Courier New" panose="02070309020205020404" pitchFamily="49" charset="0"/>
+                <a:cs typeface="Courier New" panose="02070309020205020404" pitchFamily="49" charset="0"/>
+              </a:rPr>
+              <a:t>return</a:t>
+            </a:r>
+            <a:r>
+              <a:rPr lang="en-US" b="1" i="0" dirty="0">
+                <a:solidFill>
+                  <a:srgbClr val="36464E"/>
+                </a:solidFill>
+                <a:effectLst/>
+                <a:latin typeface="Courier New" panose="02070309020205020404" pitchFamily="49" charset="0"/>
+                <a:cs typeface="Courier New" panose="02070309020205020404" pitchFamily="49" charset="0"/>
+              </a:rPr>
+              <a:t> x </a:t>
+            </a:r>
+            <a:r>
+              <a:rPr lang="en-US" b="1" i="0" dirty="0">
+                <a:effectLst/>
+                <a:latin typeface="Courier New" panose="02070309020205020404" pitchFamily="49" charset="0"/>
+                <a:cs typeface="Courier New" panose="02070309020205020404" pitchFamily="49" charset="0"/>
+              </a:rPr>
+              <a:t>*</a:t>
+            </a:r>
+            <a:r>
+              <a:rPr lang="en-US" b="1" i="0" dirty="0">
+                <a:solidFill>
+                  <a:srgbClr val="36464E"/>
+                </a:solidFill>
+                <a:effectLst/>
+                <a:latin typeface="Courier New" panose="02070309020205020404" pitchFamily="49" charset="0"/>
+                <a:cs typeface="Courier New" panose="02070309020205020404" pitchFamily="49" charset="0"/>
+              </a:rPr>
+              <a:t> x</a:t>
+            </a:r>
+            <a:r>
+              <a:rPr lang="en-US" b="1" i="0" dirty="0">
+                <a:effectLst/>
+                <a:latin typeface="Courier New" panose="02070309020205020404" pitchFamily="49" charset="0"/>
+                <a:cs typeface="Courier New" panose="02070309020205020404" pitchFamily="49" charset="0"/>
+              </a:rPr>
+              <a:t>;</a:t>
+            </a:r>
+            <a:r>
+              <a:rPr lang="en-US" b="1" i="0" dirty="0">
+                <a:solidFill>
+                  <a:srgbClr val="36464E"/>
+                </a:solidFill>
+                <a:effectLst/>
+                <a:latin typeface="Courier New" panose="02070309020205020404" pitchFamily="49" charset="0"/>
+                <a:cs typeface="Courier New" panose="02070309020205020404" pitchFamily="49" charset="0"/>
+              </a:rPr>
+              <a:t> </a:t>
+            </a:r>
+          </a:p>
+          <a:p>
+            <a:pPr>
+              <a:tabLst>
+                <a:tab pos="347663" algn="l"/>
+                <a:tab pos="682625" algn="l"/>
+                <a:tab pos="1087438" algn="l"/>
+                <a:tab pos="1377950" algn="l"/>
+                <a:tab pos="1712913" algn="l"/>
+              </a:tabLst>
+            </a:pPr>
+            <a:r>
+              <a:rPr lang="en-US" b="1" i="0" dirty="0">
+                <a:effectLst/>
+                <a:latin typeface="Courier New" panose="02070309020205020404" pitchFamily="49" charset="0"/>
+                <a:cs typeface="Courier New" panose="02070309020205020404" pitchFamily="49" charset="0"/>
+              </a:rPr>
+              <a:t>}</a:t>
+            </a:r>
+            <a:r>
+              <a:rPr lang="en-US" b="1" i="0" dirty="0">
+                <a:solidFill>
+                  <a:srgbClr val="36464E"/>
+                </a:solidFill>
+                <a:effectLst/>
+                <a:latin typeface="Courier New" panose="02070309020205020404" pitchFamily="49" charset="0"/>
+                <a:cs typeface="Courier New" panose="02070309020205020404" pitchFamily="49" charset="0"/>
+              </a:rPr>
+              <a:t> </a:t>
+            </a:r>
+          </a:p>
+        </p:txBody>
+      </p:sp>
+      <p:sp>
+        <p:nvSpPr>
+          <p:cNvPr id="9" name="TextBox 8">
+            <a:extLst>
+              <a:ext uri="{FF2B5EF4-FFF2-40B4-BE49-F238E27FC236}">
+                <a16:creationId xmlns:a16="http://schemas.microsoft.com/office/drawing/2014/main" id="{44347658-86C5-44EA-871E-3A01CEAC57FD}"/>
+              </a:ext>
+            </a:extLst>
+          </p:cNvPr>
+          <p:cNvSpPr txBox="1"/>
+          <p:nvPr/>
+        </p:nvSpPr>
+        <p:spPr>
+          <a:xfrm>
+            <a:off x="6157840" y="2794665"/>
+            <a:ext cx="2840633" cy="2585323"/>
+          </a:xfrm>
+          <a:prstGeom prst="rect">
+            <a:avLst/>
+          </a:prstGeom>
+          <a:solidFill>
+            <a:schemeClr val="bg1"/>
+          </a:solidFill>
+          <a:ln w="19050">
+            <a:solidFill>
+              <a:schemeClr val="tx1"/>
+            </a:solidFill>
+          </a:ln>
+        </p:spPr>
+        <p:style>
+          <a:lnRef idx="2">
+            <a:schemeClr val="accent6"/>
+          </a:lnRef>
+          <a:fillRef idx="1">
+            <a:schemeClr val="lt1"/>
+          </a:fillRef>
+          <a:effectRef idx="0">
+            <a:schemeClr val="accent6"/>
+          </a:effectRef>
+          <a:fontRef idx="minor">
+            <a:schemeClr val="dk1"/>
+          </a:fontRef>
+        </p:style>
+        <p:txBody>
+          <a:bodyPr wrap="square" lIns="91440" tIns="45720" rIns="91440" bIns="45720" rtlCol="0" anchor="t">
+            <a:spAutoFit/>
+          </a:bodyPr>
+          <a:lstStyle/>
+          <a:p>
+            <a:pPr>
+              <a:tabLst>
+                <a:tab pos="347663" algn="l"/>
+                <a:tab pos="682625" algn="l"/>
+                <a:tab pos="1087438" algn="l"/>
+                <a:tab pos="1377950" algn="l"/>
+                <a:tab pos="1712913" algn="l"/>
+              </a:tabLst>
+            </a:pPr>
+            <a:r>
+              <a:rPr lang="en-US" b="1" i="0" dirty="0">
+                <a:solidFill>
+                  <a:srgbClr val="0000FF"/>
+                </a:solidFill>
+                <a:effectLst/>
+                <a:latin typeface="Courier New" panose="02070309020205020404" pitchFamily="49" charset="0"/>
+                <a:cs typeface="Courier New" panose="02070309020205020404" pitchFamily="49" charset="0"/>
+              </a:rPr>
+              <a:t>int</a:t>
+            </a:r>
+            <a:r>
+              <a:rPr lang="en-US" b="1" i="0" dirty="0">
+                <a:solidFill>
+                  <a:srgbClr val="36464E"/>
+                </a:solidFill>
+                <a:effectLst/>
+                <a:latin typeface="Courier New" panose="02070309020205020404" pitchFamily="49" charset="0"/>
+                <a:cs typeface="Courier New" panose="02070309020205020404" pitchFamily="49" charset="0"/>
+              </a:rPr>
+              <a:t> </a:t>
+            </a:r>
+            <a:r>
+              <a:rPr lang="en-US" b="1" i="0" dirty="0">
+                <a:solidFill>
+                  <a:srgbClr val="7030A0"/>
+                </a:solidFill>
+                <a:effectLst/>
+                <a:latin typeface="Courier New" panose="02070309020205020404" pitchFamily="49" charset="0"/>
+                <a:cs typeface="Courier New" panose="02070309020205020404" pitchFamily="49" charset="0"/>
+              </a:rPr>
+              <a:t>main</a:t>
+            </a:r>
+            <a:r>
+              <a:rPr lang="en-US" b="1" i="0" dirty="0">
+                <a:effectLst/>
+                <a:latin typeface="Courier New" panose="02070309020205020404" pitchFamily="49" charset="0"/>
+                <a:cs typeface="Courier New" panose="02070309020205020404" pitchFamily="49" charset="0"/>
+              </a:rPr>
+              <a:t>()</a:t>
+            </a:r>
+            <a:r>
+              <a:rPr lang="en-US" b="1" i="0" dirty="0">
+                <a:solidFill>
+                  <a:srgbClr val="36464E"/>
+                </a:solidFill>
+                <a:effectLst/>
+                <a:latin typeface="Courier New" panose="02070309020205020404" pitchFamily="49" charset="0"/>
+                <a:cs typeface="Courier New" panose="02070309020205020404" pitchFamily="49" charset="0"/>
+              </a:rPr>
+              <a:t> </a:t>
+            </a:r>
+          </a:p>
+          <a:p>
+            <a:pPr>
+              <a:tabLst>
+                <a:tab pos="347663" algn="l"/>
+                <a:tab pos="682625" algn="l"/>
+                <a:tab pos="1087438" algn="l"/>
+                <a:tab pos="1377950" algn="l"/>
+                <a:tab pos="1712913" algn="l"/>
+              </a:tabLst>
+            </a:pPr>
+            <a:r>
+              <a:rPr lang="en-US" b="1" i="0" dirty="0">
+                <a:effectLst/>
+                <a:latin typeface="Courier New" panose="02070309020205020404" pitchFamily="49" charset="0"/>
+                <a:cs typeface="Courier New" panose="02070309020205020404" pitchFamily="49" charset="0"/>
+              </a:rPr>
+              <a:t>{</a:t>
+            </a:r>
+            <a:r>
+              <a:rPr lang="en-US" b="1" i="0" dirty="0">
+                <a:solidFill>
+                  <a:srgbClr val="36464E"/>
+                </a:solidFill>
+                <a:effectLst/>
+                <a:latin typeface="Courier New" panose="02070309020205020404" pitchFamily="49" charset="0"/>
+                <a:cs typeface="Courier New" panose="02070309020205020404" pitchFamily="49" charset="0"/>
+              </a:rPr>
+              <a:t> </a:t>
+            </a:r>
+          </a:p>
+          <a:p>
+            <a:pPr>
+              <a:tabLst>
+                <a:tab pos="347663" algn="l"/>
+                <a:tab pos="682625" algn="l"/>
+                <a:tab pos="1087438" algn="l"/>
+                <a:tab pos="1377950" algn="l"/>
+                <a:tab pos="1712913" algn="l"/>
+              </a:tabLst>
+            </a:pPr>
+            <a:r>
+              <a:rPr lang="en-US" b="1" i="0" dirty="0">
+                <a:effectLst/>
+                <a:latin typeface="Courier New" panose="02070309020205020404" pitchFamily="49" charset="0"/>
+                <a:cs typeface="Courier New" panose="02070309020205020404" pitchFamily="49" charset="0"/>
+              </a:rPr>
+              <a:t>    </a:t>
+            </a:r>
+            <a:r>
+              <a:rPr lang="en-US" b="1" dirty="0">
+                <a:solidFill>
+                  <a:schemeClr val="tx1"/>
+                </a:solidFill>
+                <a:latin typeface="Courier New" panose="02070309020205020404" pitchFamily="49" charset="0"/>
+                <a:cs typeface="Courier New" panose="02070309020205020404" pitchFamily="49" charset="0"/>
+              </a:rPr>
+              <a:t>…</a:t>
+            </a:r>
+            <a:r>
+              <a:rPr lang="en-US" b="1" i="0" dirty="0">
+                <a:solidFill>
+                  <a:schemeClr val="tx1"/>
+                </a:solidFill>
+                <a:effectLst/>
+                <a:latin typeface="Courier New" panose="02070309020205020404" pitchFamily="49" charset="0"/>
+                <a:cs typeface="Courier New" panose="02070309020205020404" pitchFamily="49" charset="0"/>
+              </a:rPr>
+              <a:t>square(</a:t>
+            </a:r>
+            <a:r>
+              <a:rPr lang="en-US" b="1" i="0" dirty="0">
+                <a:solidFill>
+                  <a:srgbClr val="FF0000"/>
+                </a:solidFill>
+                <a:effectLst/>
+                <a:latin typeface="Courier New" panose="02070309020205020404" pitchFamily="49" charset="0"/>
+                <a:cs typeface="Courier New" panose="02070309020205020404" pitchFamily="49" charset="0"/>
+              </a:rPr>
+              <a:t>3</a:t>
+            </a:r>
+            <a:r>
+              <a:rPr lang="en-US" b="1" i="0" dirty="0">
+                <a:solidFill>
+                  <a:schemeClr val="tx1"/>
+                </a:solidFill>
+                <a:effectLst/>
+                <a:latin typeface="Courier New" panose="02070309020205020404" pitchFamily="49" charset="0"/>
+                <a:cs typeface="Courier New" panose="02070309020205020404" pitchFamily="49" charset="0"/>
+              </a:rPr>
+              <a:t>)…</a:t>
+            </a:r>
+          </a:p>
+          <a:p>
+            <a:pPr>
+              <a:tabLst>
+                <a:tab pos="347663" algn="l"/>
+                <a:tab pos="682625" algn="l"/>
+                <a:tab pos="1087438" algn="l"/>
+                <a:tab pos="1377950" algn="l"/>
+                <a:tab pos="1712913" algn="l"/>
+              </a:tabLst>
+            </a:pPr>
+            <a:r>
+              <a:rPr lang="en-US" b="1" i="0" dirty="0">
+                <a:effectLst/>
+                <a:latin typeface="Courier New" panose="02070309020205020404" pitchFamily="49" charset="0"/>
+                <a:cs typeface="Courier New" panose="02070309020205020404" pitchFamily="49" charset="0"/>
+              </a:rPr>
+              <a:t>}</a:t>
+            </a:r>
+          </a:p>
+          <a:p>
+            <a:pPr>
+              <a:tabLst>
+                <a:tab pos="347663" algn="l"/>
+                <a:tab pos="682625" algn="l"/>
+                <a:tab pos="1087438" algn="l"/>
+                <a:tab pos="1377950" algn="l"/>
+                <a:tab pos="1712913" algn="l"/>
+              </a:tabLst>
+            </a:pPr>
+            <a:endParaRPr lang="en-US" b="1" dirty="0">
+              <a:latin typeface="Courier New" panose="02070309020205020404" pitchFamily="49" charset="0"/>
+              <a:cs typeface="Courier New" panose="02070309020205020404" pitchFamily="49" charset="0"/>
+            </a:endParaRPr>
+          </a:p>
+          <a:p>
+            <a:pPr>
+              <a:tabLst>
+                <a:tab pos="347663" algn="l"/>
+                <a:tab pos="682625" algn="l"/>
+                <a:tab pos="1087438" algn="l"/>
+                <a:tab pos="1377950" algn="l"/>
+                <a:tab pos="1712913" algn="l"/>
+              </a:tabLst>
+            </a:pPr>
+            <a:r>
+              <a:rPr lang="en-US" b="1" i="0" dirty="0">
+                <a:solidFill>
+                  <a:srgbClr val="0000FF"/>
+                </a:solidFill>
+                <a:effectLst/>
+                <a:latin typeface="Courier New" panose="02070309020205020404" pitchFamily="49" charset="0"/>
+                <a:cs typeface="Courier New" panose="02070309020205020404" pitchFamily="49" charset="0"/>
+              </a:rPr>
+              <a:t>long</a:t>
+            </a:r>
+            <a:r>
+              <a:rPr lang="en-US" b="1" i="0" dirty="0">
+                <a:solidFill>
+                  <a:srgbClr val="36464E"/>
+                </a:solidFill>
+                <a:effectLst/>
+                <a:latin typeface="Courier New" panose="02070309020205020404" pitchFamily="49" charset="0"/>
+                <a:cs typeface="Courier New" panose="02070309020205020404" pitchFamily="49" charset="0"/>
+              </a:rPr>
+              <a:t> </a:t>
+            </a:r>
+            <a:r>
+              <a:rPr lang="en-US" b="1" i="0" dirty="0">
+                <a:solidFill>
+                  <a:srgbClr val="7030A0"/>
+                </a:solidFill>
+                <a:effectLst/>
+                <a:latin typeface="Courier New" panose="02070309020205020404" pitchFamily="49" charset="0"/>
+                <a:cs typeface="Courier New" panose="02070309020205020404" pitchFamily="49" charset="0"/>
+              </a:rPr>
+              <a:t>square</a:t>
+            </a:r>
+            <a:r>
+              <a:rPr lang="en-US" b="1" i="0" dirty="0">
+                <a:effectLst/>
+                <a:latin typeface="Courier New" panose="02070309020205020404" pitchFamily="49" charset="0"/>
+                <a:cs typeface="Courier New" panose="02070309020205020404" pitchFamily="49" charset="0"/>
+              </a:rPr>
+              <a:t>(</a:t>
+            </a:r>
+            <a:r>
+              <a:rPr lang="en-US" b="1" i="0" dirty="0">
+                <a:solidFill>
+                  <a:srgbClr val="0000FF"/>
+                </a:solidFill>
+                <a:effectLst/>
+                <a:latin typeface="Courier New" panose="02070309020205020404" pitchFamily="49" charset="0"/>
+                <a:cs typeface="Courier New" panose="02070309020205020404" pitchFamily="49" charset="0"/>
+              </a:rPr>
+              <a:t>long</a:t>
+            </a:r>
+            <a:r>
+              <a:rPr lang="en-US" b="1" i="0" dirty="0">
+                <a:solidFill>
+                  <a:srgbClr val="36464E"/>
+                </a:solidFill>
+                <a:effectLst/>
+                <a:latin typeface="Courier New" panose="02070309020205020404" pitchFamily="49" charset="0"/>
+                <a:cs typeface="Courier New" panose="02070309020205020404" pitchFamily="49" charset="0"/>
+              </a:rPr>
+              <a:t> x</a:t>
+            </a:r>
+            <a:r>
+              <a:rPr lang="en-US" b="1" i="0" dirty="0">
+                <a:effectLst/>
+                <a:latin typeface="Courier New" panose="02070309020205020404" pitchFamily="49" charset="0"/>
+                <a:cs typeface="Courier New" panose="02070309020205020404" pitchFamily="49" charset="0"/>
+              </a:rPr>
+              <a:t>)</a:t>
+            </a:r>
+            <a:r>
+              <a:rPr lang="en-US" b="1" i="0" dirty="0">
+                <a:solidFill>
+                  <a:srgbClr val="36464E"/>
+                </a:solidFill>
+                <a:effectLst/>
+                <a:latin typeface="Courier New" panose="02070309020205020404" pitchFamily="49" charset="0"/>
+                <a:cs typeface="Courier New" panose="02070309020205020404" pitchFamily="49" charset="0"/>
+              </a:rPr>
+              <a:t> </a:t>
+            </a:r>
+          </a:p>
+          <a:p>
+            <a:pPr>
+              <a:tabLst>
+                <a:tab pos="347663" algn="l"/>
+                <a:tab pos="682625" algn="l"/>
+                <a:tab pos="1087438" algn="l"/>
+                <a:tab pos="1377950" algn="l"/>
+                <a:tab pos="1712913" algn="l"/>
+              </a:tabLst>
+            </a:pPr>
+            <a:r>
+              <a:rPr lang="en-US" b="1" i="0" dirty="0">
+                <a:effectLst/>
+                <a:latin typeface="Courier New" panose="02070309020205020404" pitchFamily="49" charset="0"/>
+                <a:cs typeface="Courier New" panose="02070309020205020404" pitchFamily="49" charset="0"/>
+              </a:rPr>
+              <a:t>{</a:t>
+            </a:r>
+            <a:r>
+              <a:rPr lang="en-US" b="1" i="0" dirty="0">
+                <a:solidFill>
+                  <a:srgbClr val="36464E"/>
+                </a:solidFill>
+                <a:effectLst/>
+                <a:latin typeface="Courier New" panose="02070309020205020404" pitchFamily="49" charset="0"/>
+                <a:cs typeface="Courier New" panose="02070309020205020404" pitchFamily="49" charset="0"/>
+              </a:rPr>
+              <a:t> </a:t>
+            </a:r>
+          </a:p>
+          <a:p>
+            <a:pPr>
+              <a:tabLst>
+                <a:tab pos="347663" algn="l"/>
+                <a:tab pos="682625" algn="l"/>
+                <a:tab pos="1087438" algn="l"/>
+                <a:tab pos="1377950" algn="l"/>
+                <a:tab pos="1712913" algn="l"/>
+              </a:tabLst>
+            </a:pPr>
+            <a:r>
+              <a:rPr lang="en-US" b="1" dirty="0">
+                <a:solidFill>
+                  <a:srgbClr val="36464E"/>
+                </a:solidFill>
+                <a:latin typeface="Courier New" panose="02070309020205020404" pitchFamily="49" charset="0"/>
+                <a:cs typeface="Courier New" panose="02070309020205020404" pitchFamily="49" charset="0"/>
+              </a:rPr>
+              <a:t>    </a:t>
+            </a:r>
+            <a:r>
+              <a:rPr lang="en-US" b="1" i="0" dirty="0">
+                <a:solidFill>
+                  <a:srgbClr val="0000FF"/>
+                </a:solidFill>
+                <a:effectLst/>
+                <a:latin typeface="Courier New" panose="02070309020205020404" pitchFamily="49" charset="0"/>
+                <a:cs typeface="Courier New" panose="02070309020205020404" pitchFamily="49" charset="0"/>
+              </a:rPr>
+              <a:t>return</a:t>
+            </a:r>
+            <a:r>
+              <a:rPr lang="en-US" b="1" i="0" dirty="0">
+                <a:solidFill>
+                  <a:srgbClr val="36464E"/>
+                </a:solidFill>
+                <a:effectLst/>
+                <a:latin typeface="Courier New" panose="02070309020205020404" pitchFamily="49" charset="0"/>
+                <a:cs typeface="Courier New" panose="02070309020205020404" pitchFamily="49" charset="0"/>
+              </a:rPr>
+              <a:t> x </a:t>
+            </a:r>
+            <a:r>
+              <a:rPr lang="en-US" b="1" i="0" dirty="0">
+                <a:effectLst/>
+                <a:latin typeface="Courier New" panose="02070309020205020404" pitchFamily="49" charset="0"/>
+                <a:cs typeface="Courier New" panose="02070309020205020404" pitchFamily="49" charset="0"/>
+              </a:rPr>
+              <a:t>*</a:t>
+            </a:r>
+            <a:r>
+              <a:rPr lang="en-US" b="1" i="0" dirty="0">
+                <a:solidFill>
+                  <a:srgbClr val="36464E"/>
+                </a:solidFill>
+                <a:effectLst/>
+                <a:latin typeface="Courier New" panose="02070309020205020404" pitchFamily="49" charset="0"/>
+                <a:cs typeface="Courier New" panose="02070309020205020404" pitchFamily="49" charset="0"/>
+              </a:rPr>
+              <a:t> x</a:t>
+            </a:r>
+            <a:r>
+              <a:rPr lang="en-US" b="1" i="0" dirty="0">
+                <a:effectLst/>
+                <a:latin typeface="Courier New" panose="02070309020205020404" pitchFamily="49" charset="0"/>
+                <a:cs typeface="Courier New" panose="02070309020205020404" pitchFamily="49" charset="0"/>
+              </a:rPr>
+              <a:t>;</a:t>
+            </a:r>
+            <a:r>
+              <a:rPr lang="en-US" b="1" i="0" dirty="0">
+                <a:solidFill>
+                  <a:srgbClr val="36464E"/>
+                </a:solidFill>
+                <a:effectLst/>
+                <a:latin typeface="Courier New" panose="02070309020205020404" pitchFamily="49" charset="0"/>
+                <a:cs typeface="Courier New" panose="02070309020205020404" pitchFamily="49" charset="0"/>
+              </a:rPr>
+              <a:t> </a:t>
+            </a:r>
+          </a:p>
+          <a:p>
+            <a:pPr>
+              <a:tabLst>
+                <a:tab pos="347663" algn="l"/>
+                <a:tab pos="682625" algn="l"/>
+                <a:tab pos="1087438" algn="l"/>
+                <a:tab pos="1377950" algn="l"/>
+                <a:tab pos="1712913" algn="l"/>
+              </a:tabLst>
+            </a:pPr>
+            <a:r>
+              <a:rPr lang="en-US" b="1" i="0" dirty="0">
+                <a:effectLst/>
+                <a:latin typeface="Courier New" panose="02070309020205020404" pitchFamily="49" charset="0"/>
+                <a:cs typeface="Courier New" panose="02070309020205020404" pitchFamily="49" charset="0"/>
+              </a:rPr>
+              <a:t>}</a:t>
+            </a:r>
+            <a:r>
+              <a:rPr lang="en-US" b="1" i="0" dirty="0">
+                <a:solidFill>
+                  <a:srgbClr val="36464E"/>
+                </a:solidFill>
+                <a:effectLst/>
+                <a:latin typeface="Courier New" panose="02070309020205020404" pitchFamily="49" charset="0"/>
+                <a:cs typeface="Courier New" panose="02070309020205020404" pitchFamily="49" charset="0"/>
+              </a:rPr>
+              <a:t> </a:t>
+            </a:r>
+          </a:p>
+        </p:txBody>
+      </p:sp>
+      <p:pic>
+        <p:nvPicPr>
+          <p:cNvPr id="12" name="Picture 11">
+            <a:extLst>
+              <a:ext uri="{FF2B5EF4-FFF2-40B4-BE49-F238E27FC236}">
+                <a16:creationId xmlns:a16="http://schemas.microsoft.com/office/drawing/2014/main" id="{70C3C326-88E2-4EA0-95C1-AD96CD4E7B77}"/>
+              </a:ext>
+            </a:extLst>
+          </p:cNvPr>
+          <p:cNvPicPr>
+            <a:picLocks noChangeAspect="1"/>
+          </p:cNvPicPr>
+          <p:nvPr/>
+        </p:nvPicPr>
+        <p:blipFill>
+          <a:blip r:embed="rId3" cstate="print">
+            <a:extLst>
+              <a:ext uri="{28A0092B-C50C-407E-A947-70E740481C1C}">
+                <a14:useLocalDpi xmlns:a14="http://schemas.microsoft.com/office/drawing/2010/main" val="0"/>
+              </a:ext>
+            </a:extLst>
+          </a:blip>
+          <a:stretch>
+            <a:fillRect/>
+          </a:stretch>
+        </p:blipFill>
+        <p:spPr>
+          <a:xfrm>
+            <a:off x="8118730" y="3536037"/>
+            <a:ext cx="362361" cy="490032"/>
+          </a:xfrm>
+          <a:prstGeom prst="rect">
+            <a:avLst/>
+          </a:prstGeom>
+        </p:spPr>
+      </p:pic>
+      <p:sp>
+        <p:nvSpPr>
+          <p:cNvPr id="14" name="TextBox 13">
+            <a:extLst>
+              <a:ext uri="{FF2B5EF4-FFF2-40B4-BE49-F238E27FC236}">
+                <a16:creationId xmlns:a16="http://schemas.microsoft.com/office/drawing/2014/main" id="{85D4AA78-1A62-4644-8547-CB4E0AF1E1B4}"/>
+              </a:ext>
+            </a:extLst>
+          </p:cNvPr>
+          <p:cNvSpPr txBox="1"/>
+          <p:nvPr/>
+        </p:nvSpPr>
+        <p:spPr>
+          <a:xfrm>
+            <a:off x="3283462" y="2794666"/>
+            <a:ext cx="2816391" cy="2585323"/>
+          </a:xfrm>
+          <a:prstGeom prst="rect">
+            <a:avLst/>
+          </a:prstGeom>
+          <a:solidFill>
+            <a:schemeClr val="bg1"/>
+          </a:solidFill>
+          <a:ln w="19050">
+            <a:solidFill>
+              <a:schemeClr val="tx1"/>
+            </a:solidFill>
+          </a:ln>
+        </p:spPr>
+        <p:style>
+          <a:lnRef idx="2">
+            <a:schemeClr val="accent6"/>
+          </a:lnRef>
+          <a:fillRef idx="1">
+            <a:schemeClr val="lt1"/>
+          </a:fillRef>
+          <a:effectRef idx="0">
+            <a:schemeClr val="accent6"/>
+          </a:effectRef>
+          <a:fontRef idx="minor">
+            <a:schemeClr val="dk1"/>
+          </a:fontRef>
+        </p:style>
+        <p:txBody>
+          <a:bodyPr wrap="square" lIns="91440" tIns="45720" rIns="91440" bIns="45720" rtlCol="0" anchor="t">
+            <a:spAutoFit/>
+          </a:bodyPr>
+          <a:lstStyle/>
+          <a:p>
+            <a:pPr>
+              <a:tabLst>
+                <a:tab pos="347663" algn="l"/>
+                <a:tab pos="682625" algn="l"/>
+                <a:tab pos="1087438" algn="l"/>
+                <a:tab pos="1377950" algn="l"/>
+                <a:tab pos="1712913" algn="l"/>
+              </a:tabLst>
+            </a:pPr>
+            <a:r>
+              <a:rPr lang="en-US" b="1" i="0" dirty="0">
+                <a:solidFill>
+                  <a:srgbClr val="0000FF"/>
+                </a:solidFill>
+                <a:effectLst/>
+                <a:latin typeface="Courier New" panose="02070309020205020404" pitchFamily="49" charset="0"/>
+                <a:cs typeface="Courier New" panose="02070309020205020404" pitchFamily="49" charset="0"/>
+              </a:rPr>
+              <a:t>long</a:t>
+            </a:r>
+            <a:r>
+              <a:rPr lang="en-US" b="1" i="0" dirty="0">
+                <a:solidFill>
+                  <a:srgbClr val="36464E"/>
+                </a:solidFill>
+                <a:effectLst/>
+                <a:latin typeface="Courier New" panose="02070309020205020404" pitchFamily="49" charset="0"/>
+                <a:cs typeface="Courier New" panose="02070309020205020404" pitchFamily="49" charset="0"/>
+              </a:rPr>
+              <a:t> </a:t>
+            </a:r>
+            <a:r>
+              <a:rPr lang="en-US" b="1" i="0" dirty="0">
+                <a:solidFill>
+                  <a:srgbClr val="7030A0"/>
+                </a:solidFill>
+                <a:effectLst/>
+                <a:latin typeface="Courier New" panose="02070309020205020404" pitchFamily="49" charset="0"/>
+                <a:cs typeface="Courier New" panose="02070309020205020404" pitchFamily="49" charset="0"/>
+              </a:rPr>
+              <a:t>square</a:t>
+            </a:r>
+            <a:r>
+              <a:rPr lang="en-US" b="1" i="0" dirty="0">
+                <a:effectLst/>
+                <a:latin typeface="Courier New" panose="02070309020205020404" pitchFamily="49" charset="0"/>
+                <a:cs typeface="Courier New" panose="02070309020205020404" pitchFamily="49" charset="0"/>
+              </a:rPr>
+              <a:t>(</a:t>
+            </a:r>
+            <a:r>
+              <a:rPr lang="en-US" b="1" dirty="0">
+                <a:solidFill>
+                  <a:srgbClr val="0000FF"/>
+                </a:solidFill>
+                <a:latin typeface="Courier New" panose="02070309020205020404" pitchFamily="49" charset="0"/>
+                <a:cs typeface="Courier New" panose="02070309020205020404" pitchFamily="49" charset="0"/>
+              </a:rPr>
+              <a:t>long</a:t>
+            </a:r>
+            <a:r>
+              <a:rPr lang="en-US" b="1" i="0" dirty="0">
+                <a:solidFill>
+                  <a:srgbClr val="36464E"/>
+                </a:solidFill>
+                <a:effectLst/>
+                <a:latin typeface="Courier New" panose="02070309020205020404" pitchFamily="49" charset="0"/>
+                <a:cs typeface="Courier New" panose="02070309020205020404" pitchFamily="49" charset="0"/>
+              </a:rPr>
+              <a:t> x</a:t>
+            </a:r>
+            <a:r>
+              <a:rPr lang="en-US" b="1" i="0" dirty="0">
+                <a:effectLst/>
+                <a:latin typeface="Courier New" panose="02070309020205020404" pitchFamily="49" charset="0"/>
+                <a:cs typeface="Courier New" panose="02070309020205020404" pitchFamily="49" charset="0"/>
+              </a:rPr>
+              <a:t>)</a:t>
+            </a:r>
+            <a:r>
+              <a:rPr lang="en-US" b="1" i="0" dirty="0">
+                <a:solidFill>
+                  <a:srgbClr val="36464E"/>
+                </a:solidFill>
+                <a:effectLst/>
+                <a:latin typeface="Courier New" panose="02070309020205020404" pitchFamily="49" charset="0"/>
+                <a:cs typeface="Courier New" panose="02070309020205020404" pitchFamily="49" charset="0"/>
+              </a:rPr>
+              <a:t> </a:t>
+            </a:r>
+          </a:p>
+          <a:p>
+            <a:pPr>
+              <a:tabLst>
+                <a:tab pos="347663" algn="l"/>
+                <a:tab pos="682625" algn="l"/>
+                <a:tab pos="1087438" algn="l"/>
+                <a:tab pos="1377950" algn="l"/>
+                <a:tab pos="1712913" algn="l"/>
+              </a:tabLst>
+            </a:pPr>
+            <a:r>
+              <a:rPr lang="en-US" b="1" i="0" dirty="0">
+                <a:effectLst/>
+                <a:latin typeface="Courier New" panose="02070309020205020404" pitchFamily="49" charset="0"/>
+                <a:cs typeface="Courier New" panose="02070309020205020404" pitchFamily="49" charset="0"/>
+              </a:rPr>
+              <a:t>{</a:t>
+            </a:r>
+            <a:r>
+              <a:rPr lang="en-US" b="1" i="0" dirty="0">
+                <a:solidFill>
+                  <a:srgbClr val="36464E"/>
+                </a:solidFill>
+                <a:effectLst/>
+                <a:latin typeface="Courier New" panose="02070309020205020404" pitchFamily="49" charset="0"/>
+                <a:cs typeface="Courier New" panose="02070309020205020404" pitchFamily="49" charset="0"/>
+              </a:rPr>
+              <a:t> </a:t>
+            </a:r>
+          </a:p>
+          <a:p>
+            <a:pPr>
+              <a:tabLst>
+                <a:tab pos="347663" algn="l"/>
+                <a:tab pos="682625" algn="l"/>
+                <a:tab pos="1087438" algn="l"/>
+                <a:tab pos="1377950" algn="l"/>
+                <a:tab pos="1712913" algn="l"/>
+              </a:tabLst>
+            </a:pPr>
+            <a:r>
+              <a:rPr lang="en-US" b="1" dirty="0">
+                <a:solidFill>
+                  <a:srgbClr val="36464E"/>
+                </a:solidFill>
+                <a:latin typeface="Courier New" panose="02070309020205020404" pitchFamily="49" charset="0"/>
+                <a:cs typeface="Courier New" panose="02070309020205020404" pitchFamily="49" charset="0"/>
+              </a:rPr>
+              <a:t>    </a:t>
+            </a:r>
+            <a:r>
+              <a:rPr lang="en-US" b="1" i="0" dirty="0">
+                <a:solidFill>
+                  <a:srgbClr val="0000FF"/>
+                </a:solidFill>
+                <a:effectLst/>
+                <a:latin typeface="Courier New" panose="02070309020205020404" pitchFamily="49" charset="0"/>
+                <a:cs typeface="Courier New" panose="02070309020205020404" pitchFamily="49" charset="0"/>
+              </a:rPr>
+              <a:t>return</a:t>
+            </a:r>
+            <a:r>
+              <a:rPr lang="en-US" b="1" i="0" dirty="0">
+                <a:solidFill>
+                  <a:srgbClr val="36464E"/>
+                </a:solidFill>
+                <a:effectLst/>
+                <a:latin typeface="Courier New" panose="02070309020205020404" pitchFamily="49" charset="0"/>
+                <a:cs typeface="Courier New" panose="02070309020205020404" pitchFamily="49" charset="0"/>
+              </a:rPr>
+              <a:t> x </a:t>
+            </a:r>
+            <a:r>
+              <a:rPr lang="en-US" b="1" i="0" dirty="0">
+                <a:effectLst/>
+                <a:latin typeface="Courier New" panose="02070309020205020404" pitchFamily="49" charset="0"/>
+                <a:cs typeface="Courier New" panose="02070309020205020404" pitchFamily="49" charset="0"/>
+              </a:rPr>
+              <a:t>*</a:t>
+            </a:r>
+            <a:r>
+              <a:rPr lang="en-US" b="1" i="0" dirty="0">
+                <a:solidFill>
+                  <a:srgbClr val="36464E"/>
+                </a:solidFill>
+                <a:effectLst/>
+                <a:latin typeface="Courier New" panose="02070309020205020404" pitchFamily="49" charset="0"/>
+                <a:cs typeface="Courier New" panose="02070309020205020404" pitchFamily="49" charset="0"/>
+              </a:rPr>
+              <a:t> x</a:t>
+            </a:r>
+            <a:r>
+              <a:rPr lang="en-US" b="1" i="0" dirty="0">
+                <a:effectLst/>
+                <a:latin typeface="Courier New" panose="02070309020205020404" pitchFamily="49" charset="0"/>
+                <a:cs typeface="Courier New" panose="02070309020205020404" pitchFamily="49" charset="0"/>
+              </a:rPr>
+              <a:t>;</a:t>
+            </a:r>
+            <a:r>
+              <a:rPr lang="en-US" b="1" i="0" dirty="0">
+                <a:solidFill>
+                  <a:srgbClr val="36464E"/>
+                </a:solidFill>
+                <a:effectLst/>
+                <a:latin typeface="Courier New" panose="02070309020205020404" pitchFamily="49" charset="0"/>
+                <a:cs typeface="Courier New" panose="02070309020205020404" pitchFamily="49" charset="0"/>
+              </a:rPr>
+              <a:t> </a:t>
+            </a:r>
+          </a:p>
+          <a:p>
+            <a:pPr>
+              <a:tabLst>
+                <a:tab pos="347663" algn="l"/>
+                <a:tab pos="682625" algn="l"/>
+                <a:tab pos="1087438" algn="l"/>
+                <a:tab pos="1377950" algn="l"/>
+                <a:tab pos="1712913" algn="l"/>
+              </a:tabLst>
+            </a:pPr>
+            <a:r>
+              <a:rPr lang="en-US" b="1" i="0" dirty="0">
+                <a:effectLst/>
+                <a:latin typeface="Courier New" panose="02070309020205020404" pitchFamily="49" charset="0"/>
+                <a:cs typeface="Courier New" panose="02070309020205020404" pitchFamily="49" charset="0"/>
+              </a:rPr>
+              <a:t>}</a:t>
+            </a:r>
+            <a:r>
+              <a:rPr lang="en-US" b="1" i="0" dirty="0">
+                <a:solidFill>
+                  <a:srgbClr val="36464E"/>
+                </a:solidFill>
+                <a:effectLst/>
+                <a:latin typeface="Courier New" panose="02070309020205020404" pitchFamily="49" charset="0"/>
+                <a:cs typeface="Courier New" panose="02070309020205020404" pitchFamily="49" charset="0"/>
+              </a:rPr>
+              <a:t> </a:t>
+            </a:r>
+          </a:p>
+          <a:p>
+            <a:pPr>
+              <a:tabLst>
+                <a:tab pos="347663" algn="l"/>
+                <a:tab pos="682625" algn="l"/>
+                <a:tab pos="1087438" algn="l"/>
+                <a:tab pos="1377950" algn="l"/>
+                <a:tab pos="1712913" algn="l"/>
+              </a:tabLst>
+            </a:pPr>
+            <a:endParaRPr lang="en-US" b="1" dirty="0">
+              <a:solidFill>
+                <a:srgbClr val="36464E"/>
+              </a:solidFill>
+              <a:latin typeface="Courier New" panose="02070309020205020404" pitchFamily="49" charset="0"/>
+              <a:cs typeface="Courier New" panose="02070309020205020404" pitchFamily="49" charset="0"/>
+            </a:endParaRPr>
+          </a:p>
+          <a:p>
+            <a:pPr>
+              <a:tabLst>
+                <a:tab pos="347663" algn="l"/>
+                <a:tab pos="682625" algn="l"/>
+                <a:tab pos="1087438" algn="l"/>
+                <a:tab pos="1377950" algn="l"/>
+                <a:tab pos="1712913" algn="l"/>
+              </a:tabLst>
+            </a:pPr>
+            <a:r>
+              <a:rPr lang="en-US" b="1" i="0" dirty="0">
+                <a:solidFill>
+                  <a:srgbClr val="0000FF"/>
+                </a:solidFill>
+                <a:effectLst/>
+                <a:latin typeface="Courier New" panose="02070309020205020404" pitchFamily="49" charset="0"/>
+                <a:cs typeface="Courier New" panose="02070309020205020404" pitchFamily="49" charset="0"/>
+              </a:rPr>
+              <a:t>int</a:t>
+            </a:r>
+            <a:r>
+              <a:rPr lang="en-US" b="1" i="0" dirty="0">
+                <a:solidFill>
+                  <a:srgbClr val="36464E"/>
+                </a:solidFill>
+                <a:effectLst/>
+                <a:latin typeface="Courier New" panose="02070309020205020404" pitchFamily="49" charset="0"/>
+                <a:cs typeface="Courier New" panose="02070309020205020404" pitchFamily="49" charset="0"/>
+              </a:rPr>
+              <a:t> </a:t>
+            </a:r>
+            <a:r>
+              <a:rPr lang="en-US" b="1" i="0" dirty="0">
+                <a:solidFill>
+                  <a:srgbClr val="7030A0"/>
+                </a:solidFill>
+                <a:effectLst/>
+                <a:latin typeface="Courier New" panose="02070309020205020404" pitchFamily="49" charset="0"/>
+                <a:cs typeface="Courier New" panose="02070309020205020404" pitchFamily="49" charset="0"/>
+              </a:rPr>
+              <a:t>main</a:t>
+            </a:r>
+            <a:r>
+              <a:rPr lang="en-US" b="1" i="0" dirty="0">
+                <a:effectLst/>
+                <a:latin typeface="Courier New" panose="02070309020205020404" pitchFamily="49" charset="0"/>
+                <a:cs typeface="Courier New" panose="02070309020205020404" pitchFamily="49" charset="0"/>
+              </a:rPr>
+              <a:t>()</a:t>
+            </a:r>
+            <a:r>
+              <a:rPr lang="en-US" b="1" i="0" dirty="0">
+                <a:solidFill>
+                  <a:srgbClr val="36464E"/>
+                </a:solidFill>
+                <a:effectLst/>
+                <a:latin typeface="Courier New" panose="02070309020205020404" pitchFamily="49" charset="0"/>
+                <a:cs typeface="Courier New" panose="02070309020205020404" pitchFamily="49" charset="0"/>
+              </a:rPr>
+              <a:t> </a:t>
+            </a:r>
+          </a:p>
+          <a:p>
+            <a:pPr>
+              <a:tabLst>
+                <a:tab pos="347663" algn="l"/>
+                <a:tab pos="682625" algn="l"/>
+                <a:tab pos="1087438" algn="l"/>
+                <a:tab pos="1377950" algn="l"/>
+                <a:tab pos="1712913" algn="l"/>
+              </a:tabLst>
+            </a:pPr>
+            <a:r>
+              <a:rPr lang="en-US" b="1" i="0" dirty="0">
+                <a:effectLst/>
+                <a:latin typeface="Courier New" panose="02070309020205020404" pitchFamily="49" charset="0"/>
+                <a:cs typeface="Courier New" panose="02070309020205020404" pitchFamily="49" charset="0"/>
+              </a:rPr>
+              <a:t>{</a:t>
+            </a:r>
+            <a:r>
+              <a:rPr lang="en-US" b="1" i="0" dirty="0">
+                <a:solidFill>
+                  <a:srgbClr val="36464E"/>
+                </a:solidFill>
+                <a:effectLst/>
+                <a:latin typeface="Courier New" panose="02070309020205020404" pitchFamily="49" charset="0"/>
+                <a:cs typeface="Courier New" panose="02070309020205020404" pitchFamily="49" charset="0"/>
+              </a:rPr>
+              <a:t> </a:t>
+            </a:r>
+          </a:p>
+          <a:p>
+            <a:pPr>
+              <a:tabLst>
+                <a:tab pos="347663" algn="l"/>
+                <a:tab pos="682625" algn="l"/>
+                <a:tab pos="1087438" algn="l"/>
+                <a:tab pos="1377950" algn="l"/>
+                <a:tab pos="1712913" algn="l"/>
+              </a:tabLst>
+            </a:pPr>
+            <a:r>
+              <a:rPr lang="en-US" b="1" i="0" dirty="0">
+                <a:effectLst/>
+                <a:latin typeface="Courier New" panose="02070309020205020404" pitchFamily="49" charset="0"/>
+                <a:cs typeface="Courier New" panose="02070309020205020404" pitchFamily="49" charset="0"/>
+              </a:rPr>
+              <a:t>    </a:t>
+            </a:r>
+            <a:r>
+              <a:rPr lang="en-US" b="1" dirty="0">
+                <a:solidFill>
+                  <a:schemeClr val="tx1"/>
+                </a:solidFill>
+                <a:latin typeface="Courier New" panose="02070309020205020404" pitchFamily="49" charset="0"/>
+                <a:cs typeface="Courier New" panose="02070309020205020404" pitchFamily="49" charset="0"/>
+              </a:rPr>
+              <a:t>…</a:t>
+            </a:r>
+            <a:r>
+              <a:rPr lang="en-US" b="1" i="0" dirty="0">
+                <a:solidFill>
+                  <a:schemeClr val="tx1"/>
+                </a:solidFill>
+                <a:effectLst/>
+                <a:latin typeface="Courier New" panose="02070309020205020404" pitchFamily="49" charset="0"/>
+                <a:cs typeface="Courier New" panose="02070309020205020404" pitchFamily="49" charset="0"/>
+              </a:rPr>
+              <a:t>square(</a:t>
+            </a:r>
+            <a:r>
+              <a:rPr lang="en-US" b="1" i="0" dirty="0">
+                <a:solidFill>
+                  <a:srgbClr val="FF0000"/>
+                </a:solidFill>
+                <a:effectLst/>
+                <a:latin typeface="Courier New" panose="02070309020205020404" pitchFamily="49" charset="0"/>
+                <a:cs typeface="Courier New" panose="02070309020205020404" pitchFamily="49" charset="0"/>
+              </a:rPr>
+              <a:t>3</a:t>
+            </a:r>
+            <a:r>
+              <a:rPr lang="en-US" b="1" i="0" dirty="0">
+                <a:solidFill>
+                  <a:schemeClr val="tx1"/>
+                </a:solidFill>
+                <a:effectLst/>
+                <a:latin typeface="Courier New" panose="02070309020205020404" pitchFamily="49" charset="0"/>
+                <a:cs typeface="Courier New" panose="02070309020205020404" pitchFamily="49" charset="0"/>
+              </a:rPr>
+              <a:t>)…</a:t>
+            </a:r>
+          </a:p>
+          <a:p>
+            <a:pPr>
+              <a:tabLst>
+                <a:tab pos="347663" algn="l"/>
+                <a:tab pos="682625" algn="l"/>
+                <a:tab pos="1087438" algn="l"/>
+                <a:tab pos="1377950" algn="l"/>
+                <a:tab pos="1712913" algn="l"/>
+              </a:tabLst>
+            </a:pPr>
+            <a:r>
+              <a:rPr lang="en-US" b="1" i="0" dirty="0">
+                <a:effectLst/>
+                <a:latin typeface="Courier New" panose="02070309020205020404" pitchFamily="49" charset="0"/>
+                <a:cs typeface="Courier New" panose="02070309020205020404" pitchFamily="49" charset="0"/>
+              </a:rPr>
+              <a:t>}</a:t>
+            </a:r>
+          </a:p>
+        </p:txBody>
+      </p:sp>
+      <p:pic>
+        <p:nvPicPr>
+          <p:cNvPr id="16" name="Picture 15">
+            <a:extLst>
+              <a:ext uri="{FF2B5EF4-FFF2-40B4-BE49-F238E27FC236}">
+                <a16:creationId xmlns:a16="http://schemas.microsoft.com/office/drawing/2014/main" id="{278809FA-B406-4981-9740-F8FEA3DB0FB7}"/>
+              </a:ext>
+            </a:extLst>
+          </p:cNvPr>
+          <p:cNvPicPr>
+            <a:picLocks noChangeAspect="1"/>
+          </p:cNvPicPr>
+          <p:nvPr/>
+        </p:nvPicPr>
+        <p:blipFill>
+          <a:blip r:embed="rId4" cstate="print">
+            <a:extLst>
+              <a:ext uri="{28A0092B-C50C-407E-A947-70E740481C1C}">
+                <a14:useLocalDpi xmlns:a14="http://schemas.microsoft.com/office/drawing/2010/main" val="0"/>
+              </a:ext>
+            </a:extLst>
+          </a:blip>
+          <a:stretch>
+            <a:fillRect/>
+          </a:stretch>
+        </p:blipFill>
+        <p:spPr>
+          <a:xfrm>
+            <a:off x="5492014" y="3587907"/>
+            <a:ext cx="415645" cy="523714"/>
+          </a:xfrm>
+          <a:prstGeom prst="rect">
+            <a:avLst/>
+          </a:prstGeom>
+        </p:spPr>
+      </p:pic>
+      <p:pic>
+        <p:nvPicPr>
+          <p:cNvPr id="17" name="Picture 16">
+            <a:extLst>
+              <a:ext uri="{FF2B5EF4-FFF2-40B4-BE49-F238E27FC236}">
+                <a16:creationId xmlns:a16="http://schemas.microsoft.com/office/drawing/2014/main" id="{38311CE1-DDEB-4EA2-89E6-0F3AD4D81411}"/>
+              </a:ext>
+            </a:extLst>
+          </p:cNvPr>
+          <p:cNvPicPr>
+            <a:picLocks noChangeAspect="1"/>
+          </p:cNvPicPr>
+          <p:nvPr/>
+        </p:nvPicPr>
+        <p:blipFill>
+          <a:blip r:embed="rId4" cstate="print">
+            <a:extLst>
+              <a:ext uri="{28A0092B-C50C-407E-A947-70E740481C1C}">
+                <a14:useLocalDpi xmlns:a14="http://schemas.microsoft.com/office/drawing/2010/main" val="0"/>
+              </a:ext>
+            </a:extLst>
+          </a:blip>
+          <a:stretch>
+            <a:fillRect/>
+          </a:stretch>
+        </p:blipFill>
+        <p:spPr>
+          <a:xfrm>
+            <a:off x="2671741" y="3608455"/>
+            <a:ext cx="415645" cy="523714"/>
+          </a:xfrm>
+          <a:prstGeom prst="rect">
+            <a:avLst/>
+          </a:prstGeom>
+        </p:spPr>
+      </p:pic>
+      <p:sp>
+        <p:nvSpPr>
+          <p:cNvPr id="2" name="Footer Placeholder 1">
+            <a:extLst>
+              <a:ext uri="{FF2B5EF4-FFF2-40B4-BE49-F238E27FC236}">
+                <a16:creationId xmlns:a16="http://schemas.microsoft.com/office/drawing/2014/main" id="{A68D2BC2-4BCE-978D-13F0-90879AD03D8F}"/>
+              </a:ext>
+            </a:extLst>
+          </p:cNvPr>
+          <p:cNvSpPr>
+            <a:spLocks noGrp="1"/>
+          </p:cNvSpPr>
+          <p:nvPr>
+            <p:ph type="ftr" sz="quarter" idx="11"/>
+          </p:nvPr>
+        </p:nvSpPr>
+        <p:spPr/>
+        <p:txBody>
+          <a:bodyPr/>
+          <a:lstStyle/>
+          <a:p>
+            <a:pPr algn="l">
+              <a:defRPr/>
+            </a:pPr>
+            <a:r>
+              <a:rPr lang="en-US"/>
+              <a:t>CS1010 (AY2023/24 Semester 2)</a:t>
+            </a:r>
+            <a:endParaRPr lang="en-US" dirty="0"/>
+          </a:p>
+        </p:txBody>
+      </p:sp>
+    </p:spTree>
+    <p:extLst>
+      <p:ext uri="{BB962C8B-B14F-4D97-AF65-F5344CB8AC3E}">
+        <p14:creationId xmlns:p14="http://schemas.microsoft.com/office/powerpoint/2010/main" val="681224785"/>
+      </p:ext>
+    </p:extLst>
+  </p:cSld>
+  <p:clrMapOvr>
+    <a:masterClrMapping/>
+  </p:clrMapOvr>
+  <p:transition>
+    <p:fade/>
+  </p:transition>
+  <p:timing>
+    <p:tnLst>
+      <p:par>
+        <p:cTn id="1" dur="indefinite" restart="never" nodeType="tmRoot">
+          <p:childTnLst>
+            <p:seq concurrent="1" nextAc="seek">
+              <p:cTn id="2" dur="indefinite" nodeType="mainSeq">
+                <p:childTnLst>
+                  <p:par>
+                    <p:cTn id="3" fill="hold">
+                      <p:stCondLst>
+                        <p:cond delay="indefinite"/>
+                        <p:cond evt="onBegin" delay="0">
+                          <p:tn val="2"/>
+                        </p:cond>
+                      </p:stCondLst>
+                      <p:childTnLst>
+                        <p:par>
+                          <p:cTn id="4" fill="hold">
+                            <p:stCondLst>
+                              <p:cond delay="0"/>
+                            </p:stCondLst>
+                            <p:childTnLst>
+                              <p:par>
+                                <p:cTn id="5" presetID="9" presetClass="entr" presetSubtype="0" fill="hold" nodeType="afterEffect">
+                                  <p:stCondLst>
+                                    <p:cond delay="0"/>
+                                  </p:stCondLst>
+                                  <p:childTnLst>
+                                    <p:set>
+                                      <p:cBhvr>
+                                        <p:cTn id="6" dur="1" fill="hold">
+                                          <p:stCondLst>
+                                            <p:cond delay="0"/>
+                                          </p:stCondLst>
+                                        </p:cTn>
+                                        <p:tgtEl>
+                                          <p:spTgt spid="12"/>
+                                        </p:tgtEl>
+                                        <p:attrNameLst>
+                                          <p:attrName>style.visibility</p:attrName>
+                                        </p:attrNameLst>
+                                      </p:cBhvr>
+                                      <p:to>
+                                        <p:strVal val="visible"/>
+                                      </p:to>
+                                    </p:set>
+                                    <p:animEffect transition="in" filter="dissolve">
+                                      <p:cBhvr>
+                                        <p:cTn id="7" dur="500"/>
+                                        <p:tgtEl>
+                                          <p:spTgt spid="12"/>
+                                        </p:tgtEl>
+                                      </p:cBhvr>
+                                    </p:animEffect>
+                                  </p:childTnLst>
+                                </p:cTn>
+                              </p:par>
+                            </p:childTnLst>
+                          </p:cTn>
+                        </p:par>
+                        <p:par>
+                          <p:cTn id="8" fill="hold">
+                            <p:stCondLst>
+                              <p:cond delay="500"/>
+                            </p:stCondLst>
+                            <p:childTnLst>
+                              <p:par>
+                                <p:cTn id="9" presetID="9" presetClass="entr" presetSubtype="0" fill="hold" nodeType="afterEffect">
+                                  <p:stCondLst>
+                                    <p:cond delay="0"/>
+                                  </p:stCondLst>
+                                  <p:childTnLst>
+                                    <p:set>
+                                      <p:cBhvr>
+                                        <p:cTn id="10" dur="1" fill="hold">
+                                          <p:stCondLst>
+                                            <p:cond delay="0"/>
+                                          </p:stCondLst>
+                                        </p:cTn>
+                                        <p:tgtEl>
+                                          <p:spTgt spid="16"/>
+                                        </p:tgtEl>
+                                        <p:attrNameLst>
+                                          <p:attrName>style.visibility</p:attrName>
+                                        </p:attrNameLst>
+                                      </p:cBhvr>
+                                      <p:to>
+                                        <p:strVal val="visible"/>
+                                      </p:to>
+                                    </p:set>
+                                    <p:animEffect transition="in" filter="dissolve">
+                                      <p:cBhvr>
+                                        <p:cTn id="11" dur="500"/>
+                                        <p:tgtEl>
+                                          <p:spTgt spid="16"/>
+                                        </p:tgtEl>
+                                      </p:cBhvr>
+                                    </p:animEffect>
+                                  </p:childTnLst>
+                                </p:cTn>
+                              </p:par>
+                            </p:childTnLst>
+                          </p:cTn>
+                        </p:par>
+                        <p:par>
+                          <p:cTn id="12" fill="hold">
+                            <p:stCondLst>
+                              <p:cond delay="1000"/>
+                            </p:stCondLst>
+                            <p:childTnLst>
+                              <p:par>
+                                <p:cTn id="13" presetID="9" presetClass="entr" presetSubtype="0" fill="hold" nodeType="afterEffect">
+                                  <p:stCondLst>
+                                    <p:cond delay="0"/>
+                                  </p:stCondLst>
+                                  <p:childTnLst>
+                                    <p:set>
+                                      <p:cBhvr>
+                                        <p:cTn id="14" dur="1" fill="hold">
+                                          <p:stCondLst>
+                                            <p:cond delay="0"/>
+                                          </p:stCondLst>
+                                        </p:cTn>
+                                        <p:tgtEl>
+                                          <p:spTgt spid="17"/>
+                                        </p:tgtEl>
+                                        <p:attrNameLst>
+                                          <p:attrName>style.visibility</p:attrName>
+                                        </p:attrNameLst>
+                                      </p:cBhvr>
+                                      <p:to>
+                                        <p:strVal val="visible"/>
+                                      </p:to>
+                                    </p:set>
+                                    <p:animEffect transition="in" filter="dissolve">
+                                      <p:cBhvr>
+                                        <p:cTn id="15" dur="500"/>
+                                        <p:tgtEl>
+                                          <p:spTgt spid="17"/>
+                                        </p:tgtEl>
+                                      </p:cBhvr>
+                                    </p:animEffect>
+                                  </p:childTnLst>
+                                </p:cTn>
+                              </p:par>
+                            </p:childTnLst>
+                          </p:cTn>
+                        </p:par>
+                      </p:childTnLst>
+                    </p:cTn>
+                  </p:par>
+                </p:childTnLst>
+              </p:cTn>
+              <p:prevCondLst>
+                <p:cond evt="onPrev" delay="0">
+                  <p:tgtEl>
+                    <p:sldTgt/>
+                  </p:tgtEl>
+                </p:cond>
+              </p:prevCondLst>
+              <p:nextCondLst>
+                <p:cond evt="onNext" delay="0">
+                  <p:tgtEl>
+                    <p:sldTgt/>
+                  </p:tgtEl>
+                </p:cond>
+              </p:nextCondLst>
+            </p:seq>
+          </p:childTnLst>
+        </p:cTn>
+      </p:par>
+    </p:tnLst>
+  </p:timing>
+</p:sld>
+</file>
+
 <file path=ppt/slides/slide2.xml><?xml version="1.0" encoding="utf-8"?>
 <p:sld xmlns:a="http://schemas.openxmlformats.org/drawingml/2006/main" xmlns:r="http://schemas.openxmlformats.org/officeDocument/2006/relationships" xmlns:p="http://schemas.openxmlformats.org/presentationml/2006/main">
   <p:cSld name="PPTLabsHighlightBulletsSlide201407080929400618">
@@ -7541,6 +11241,19 @@
               <a:t>Functions from the Math Library</a:t>
             </a:r>
           </a:p>
+          <a:p>
+            <a:pPr marL="514350" indent="-514350" eaLnBrk="1" hangingPunct="1">
+              <a:buClrTx/>
+              <a:buSzPct val="100000"/>
+              <a:buFont typeface="+mj-lt"/>
+              <a:buAutoNum type="arabicPeriod"/>
+            </a:pPr>
+            <a:r>
+              <a:rPr lang="en-US" sz="2800"/>
+              <a:t>Your First C Program (Redux)</a:t>
+            </a:r>
+            <a:endParaRPr lang="en-GB" sz="2800" dirty="0"/>
+          </a:p>
         </p:txBody>
       </p:sp>
       <p:sp>
@@ -7578,6 +11291,38 @@
               </a:pPr>
               <a:t>2</a:t>
             </a:fld>
+            <a:endParaRPr lang="en-US" dirty="0"/>
+          </a:p>
+        </p:txBody>
+      </p:sp>
+      <p:sp>
+        <p:nvSpPr>
+          <p:cNvPr id="2" name="Footer Placeholder 1">
+            <a:extLst>
+              <a:ext uri="{FF2B5EF4-FFF2-40B4-BE49-F238E27FC236}">
+                <a16:creationId xmlns:a16="http://schemas.microsoft.com/office/drawing/2014/main" id="{73DEC176-1665-60AA-B83A-F9FEA1DC560E}"/>
+              </a:ext>
+            </a:extLst>
+          </p:cNvPr>
+          <p:cNvSpPr>
+            <a:spLocks noGrp="1"/>
+          </p:cNvSpPr>
+          <p:nvPr>
+            <p:ph type="ftr" sz="quarter" idx="11"/>
+          </p:nvPr>
+        </p:nvSpPr>
+        <p:spPr/>
+        <p:txBody>
+          <a:bodyPr/>
+          <a:lstStyle/>
+          <a:p>
+            <a:pPr algn="l">
+              <a:defRPr/>
+            </a:pPr>
+            <a:r>
+              <a:rPr lang="en-US"/>
+              <a:t>CS1010 (AY2023/24 Semester 2)</a:t>
+            </a:r>
             <a:endParaRPr lang="en-US" dirty="0"/>
           </a:p>
         </p:txBody>
@@ -8617,6 +12362,38 @@
               </a:pPr>
               <a:t>3</a:t>
             </a:fld>
+            <a:endParaRPr lang="en-US" dirty="0"/>
+          </a:p>
+        </p:txBody>
+      </p:sp>
+      <p:sp>
+        <p:nvSpPr>
+          <p:cNvPr id="2" name="Footer Placeholder 1">
+            <a:extLst>
+              <a:ext uri="{FF2B5EF4-FFF2-40B4-BE49-F238E27FC236}">
+                <a16:creationId xmlns:a16="http://schemas.microsoft.com/office/drawing/2014/main" id="{194CBD09-D02A-2379-989F-C5C49F2EEA81}"/>
+              </a:ext>
+            </a:extLst>
+          </p:cNvPr>
+          <p:cNvSpPr>
+            <a:spLocks noGrp="1"/>
+          </p:cNvSpPr>
+          <p:nvPr>
+            <p:ph type="ftr" sz="quarter" idx="11"/>
+          </p:nvPr>
+        </p:nvSpPr>
+        <p:spPr/>
+        <p:txBody>
+          <a:bodyPr/>
+          <a:lstStyle/>
+          <a:p>
+            <a:pPr algn="l">
+              <a:defRPr/>
+            </a:pPr>
+            <a:r>
+              <a:rPr lang="en-US"/>
+              <a:t>CS1010 (AY2023/24 Semester 2)</a:t>
+            </a:r>
             <a:endParaRPr lang="en-US" dirty="0"/>
           </a:p>
         </p:txBody>
@@ -9653,6 +13430,38 @@
           </a:p>
         </p:txBody>
       </p:sp>
+      <p:sp>
+        <p:nvSpPr>
+          <p:cNvPr id="2" name="Footer Placeholder 1">
+            <a:extLst>
+              <a:ext uri="{FF2B5EF4-FFF2-40B4-BE49-F238E27FC236}">
+                <a16:creationId xmlns:a16="http://schemas.microsoft.com/office/drawing/2014/main" id="{56B4DCF8-CD17-8C70-3049-5A9040ED0378}"/>
+              </a:ext>
+            </a:extLst>
+          </p:cNvPr>
+          <p:cNvSpPr>
+            <a:spLocks noGrp="1"/>
+          </p:cNvSpPr>
+          <p:nvPr>
+            <p:ph type="ftr" sz="quarter" idx="11"/>
+          </p:nvPr>
+        </p:nvSpPr>
+        <p:spPr/>
+        <p:txBody>
+          <a:bodyPr/>
+          <a:lstStyle/>
+          <a:p>
+            <a:pPr algn="l">
+              <a:defRPr/>
+            </a:pPr>
+            <a:r>
+              <a:rPr lang="en-US"/>
+              <a:t>CS1010 (AY2023/24 Semester 2)</a:t>
+            </a:r>
+            <a:endParaRPr lang="en-US" dirty="0"/>
+          </a:p>
+        </p:txBody>
+      </p:sp>
     </p:spTree>
     <p:extLst>
       <p:ext uri="{BB962C8B-B14F-4D97-AF65-F5344CB8AC3E}">
@@ -10664,6 +14473,38 @@
           </a:p>
         </p:txBody>
       </p:sp>
+      <p:sp>
+        <p:nvSpPr>
+          <p:cNvPr id="4" name="Footer Placeholder 3">
+            <a:extLst>
+              <a:ext uri="{FF2B5EF4-FFF2-40B4-BE49-F238E27FC236}">
+                <a16:creationId xmlns:a16="http://schemas.microsoft.com/office/drawing/2014/main" id="{845D5430-FE9A-6902-BD6A-122F28D3AB79}"/>
+              </a:ext>
+            </a:extLst>
+          </p:cNvPr>
+          <p:cNvSpPr>
+            <a:spLocks noGrp="1"/>
+          </p:cNvSpPr>
+          <p:nvPr>
+            <p:ph type="ftr" sz="quarter" idx="11"/>
+          </p:nvPr>
+        </p:nvSpPr>
+        <p:spPr/>
+        <p:txBody>
+          <a:bodyPr/>
+          <a:lstStyle/>
+          <a:p>
+            <a:pPr algn="l">
+              <a:defRPr/>
+            </a:pPr>
+            <a:r>
+              <a:rPr lang="en-US"/>
+              <a:t>CS1010 (AY2023/24 Semester 2)</a:t>
+            </a:r>
+            <a:endParaRPr lang="en-US" dirty="0"/>
+          </a:p>
+        </p:txBody>
+      </p:sp>
     </p:spTree>
     <p:extLst>
       <p:ext uri="{BB962C8B-B14F-4D97-AF65-F5344CB8AC3E}">
@@ -11694,6 +15535,38 @@
               </a:pPr>
               <a:t>6</a:t>
             </a:fld>
+            <a:endParaRPr lang="en-US" dirty="0"/>
+          </a:p>
+        </p:txBody>
+      </p:sp>
+      <p:sp>
+        <p:nvSpPr>
+          <p:cNvPr id="2" name="Footer Placeholder 1">
+            <a:extLst>
+              <a:ext uri="{FF2B5EF4-FFF2-40B4-BE49-F238E27FC236}">
+                <a16:creationId xmlns:a16="http://schemas.microsoft.com/office/drawing/2014/main" id="{B2D4DBAB-4630-6FF2-29FF-65E424B0E65C}"/>
+              </a:ext>
+            </a:extLst>
+          </p:cNvPr>
+          <p:cNvSpPr>
+            <a:spLocks noGrp="1"/>
+          </p:cNvSpPr>
+          <p:nvPr>
+            <p:ph type="ftr" sz="quarter" idx="11"/>
+          </p:nvPr>
+        </p:nvSpPr>
+        <p:spPr/>
+        <p:txBody>
+          <a:bodyPr/>
+          <a:lstStyle/>
+          <a:p>
+            <a:pPr algn="l">
+              <a:defRPr/>
+            </a:pPr>
+            <a:r>
+              <a:rPr lang="en-US"/>
+              <a:t>CS1010 (AY2023/24 Semester 2)</a:t>
+            </a:r>
             <a:endParaRPr lang="en-US" dirty="0"/>
           </a:p>
         </p:txBody>
@@ -11759,1212 +15632,6 @@
                   <a:srgbClr val="0000FF"/>
                 </a:solidFill>
               </a:rPr>
-              <a:t>Functions from the Math Library</a:t>
-            </a:r>
-          </a:p>
-        </p:txBody>
-      </p:sp>
-      <p:sp>
-        <p:nvSpPr>
-          <p:cNvPr id="10" name="HighlightTextShape201406241503265130"/>
-          <p:cNvSpPr>
-            <a:spLocks noChangeArrowheads="1"/>
-          </p:cNvSpPr>
-          <p:nvPr/>
-        </p:nvSpPr>
-        <p:spPr bwMode="auto">
-          <a:xfrm>
-            <a:off x="491319" y="1219200"/>
-            <a:ext cx="7890681" cy="2438400"/>
-          </a:xfrm>
-          <a:prstGeom prst="rect">
-            <a:avLst/>
-          </a:prstGeom>
-          <a:noFill/>
-          <a:ln w="9525">
-            <a:noFill/>
-            <a:miter lim="800000"/>
-            <a:headEnd/>
-            <a:tailEnd/>
-          </a:ln>
-        </p:spPr>
-        <p:txBody>
-          <a:bodyPr/>
-          <a:lstStyle/>
-          <a:p>
-            <a:pPr marL="347663" indent="-347663">
-              <a:spcBef>
-                <a:spcPts val="600"/>
-              </a:spcBef>
-              <a:buClr>
-                <a:schemeClr val="tx1">
-                  <a:lumMod val="90000"/>
-                  <a:lumOff val="10000"/>
-                </a:schemeClr>
-              </a:buClr>
-              <a:buSzPct val="100000"/>
-              <a:buFont typeface="Wingdings" panose="05000000000000000000" pitchFamily="2" charset="2"/>
-              <a:buChar char="§"/>
-              <a:defRPr/>
-            </a:pPr>
-            <a:r>
-              <a:rPr lang="en-US" sz="2400" dirty="0">
-                <a:solidFill>
-                  <a:srgbClr val="0000FF"/>
-                </a:solidFill>
-                <a:highlight>
-                  <a:srgbClr val="FFFF00"/>
-                </a:highlight>
-              </a:rPr>
-              <a:t>double</a:t>
-            </a:r>
-            <a:r>
-              <a:rPr lang="en-US" sz="2400" dirty="0">
-                <a:highlight>
-                  <a:srgbClr val="FFFF00"/>
-                </a:highlight>
-              </a:rPr>
-              <a:t> sqrt(</a:t>
-            </a:r>
-            <a:r>
-              <a:rPr lang="en-US" sz="2400" dirty="0">
-                <a:solidFill>
-                  <a:srgbClr val="0000FF"/>
-                </a:solidFill>
-                <a:highlight>
-                  <a:srgbClr val="FFFF00"/>
-                </a:highlight>
-              </a:rPr>
-              <a:t>double</a:t>
-            </a:r>
-            <a:r>
-              <a:rPr lang="en-US" sz="2400" dirty="0">
-                <a:highlight>
-                  <a:srgbClr val="FFFF00"/>
-                </a:highlight>
-              </a:rPr>
-              <a:t> x)</a:t>
-            </a:r>
-            <a:r>
-              <a:rPr lang="en-US" sz="2400" dirty="0"/>
-              <a:t> – computes the square root of a number; requires </a:t>
-            </a:r>
-            <a:r>
-              <a:rPr lang="en-US" sz="2400" dirty="0" err="1"/>
-              <a:t>math.h</a:t>
-            </a:r>
-            <a:r>
-              <a:rPr lang="en-US" sz="2400" dirty="0"/>
-              <a:t> and -</a:t>
-            </a:r>
-            <a:r>
-              <a:rPr lang="en-US" sz="2400" dirty="0" err="1"/>
-              <a:t>lm</a:t>
-            </a:r>
-            <a:r>
-              <a:rPr lang="en-US" sz="2400" dirty="0"/>
-              <a:t> </a:t>
-            </a:r>
-            <a:r>
-              <a:rPr lang="en-US" sz="2400"/>
-              <a:t>for compilation </a:t>
-            </a:r>
-            <a:endParaRPr lang="en-US" sz="2000" dirty="0"/>
-          </a:p>
-          <a:p>
-            <a:pPr marL="804863" lvl="1" indent="-347663">
-              <a:spcBef>
-                <a:spcPts val="600"/>
-              </a:spcBef>
-              <a:buClr>
-                <a:schemeClr val="tx1">
-                  <a:lumMod val="90000"/>
-                  <a:lumOff val="10000"/>
-                </a:schemeClr>
-              </a:buClr>
-              <a:buSzPct val="100000"/>
-              <a:buFont typeface="Wingdings" panose="05000000000000000000" pitchFamily="2" charset="2"/>
-              <a:buChar char="§"/>
-              <a:defRPr/>
-            </a:pPr>
-            <a:endParaRPr lang="en-US" sz="2400" dirty="0"/>
-          </a:p>
-          <a:p>
-            <a:pPr marL="804863" lvl="1" indent="-347663">
-              <a:spcBef>
-                <a:spcPts val="600"/>
-              </a:spcBef>
-              <a:buClr>
-                <a:schemeClr val="tx1">
-                  <a:lumMod val="90000"/>
-                  <a:lumOff val="10000"/>
-                </a:schemeClr>
-              </a:buClr>
-              <a:buSzPct val="100000"/>
-              <a:buFont typeface="Wingdings" panose="05000000000000000000" pitchFamily="2" charset="2"/>
-              <a:buChar char="§"/>
-              <a:defRPr/>
-            </a:pPr>
-            <a:endParaRPr lang="en-US" sz="2400" dirty="0"/>
-          </a:p>
-          <a:p>
-            <a:pPr marL="804863" lvl="1" indent="-347663">
-              <a:spcBef>
-                <a:spcPts val="600"/>
-              </a:spcBef>
-              <a:buClr>
-                <a:schemeClr val="tx1">
-                  <a:lumMod val="90000"/>
-                  <a:lumOff val="10000"/>
-                </a:schemeClr>
-              </a:buClr>
-              <a:buSzPct val="100000"/>
-              <a:buFont typeface="Wingdings" panose="05000000000000000000" pitchFamily="2" charset="2"/>
-              <a:buChar char="§"/>
-              <a:defRPr/>
-            </a:pPr>
-            <a:endParaRPr lang="en-US" sz="2400" dirty="0"/>
-          </a:p>
-          <a:p>
-            <a:pPr marL="804863" lvl="1" indent="-347663">
-              <a:spcBef>
-                <a:spcPts val="600"/>
-              </a:spcBef>
-              <a:buClr>
-                <a:schemeClr val="tx1">
-                  <a:lumMod val="90000"/>
-                  <a:lumOff val="10000"/>
-                </a:schemeClr>
-              </a:buClr>
-              <a:buSzPct val="100000"/>
-              <a:buFont typeface="Wingdings" panose="05000000000000000000" pitchFamily="2" charset="2"/>
-              <a:buChar char="§"/>
-              <a:defRPr/>
-            </a:pPr>
-            <a:endParaRPr lang="en-US" sz="2400" dirty="0"/>
-          </a:p>
-          <a:p>
-            <a:pPr marL="804863" lvl="1" indent="-347663">
-              <a:spcBef>
-                <a:spcPts val="600"/>
-              </a:spcBef>
-              <a:buClr>
-                <a:schemeClr val="tx1">
-                  <a:lumMod val="90000"/>
-                  <a:lumOff val="10000"/>
-                </a:schemeClr>
-              </a:buClr>
-              <a:buSzPct val="100000"/>
-              <a:buFont typeface="Wingdings" panose="05000000000000000000" pitchFamily="2" charset="2"/>
-              <a:buChar char="§"/>
-              <a:defRPr/>
-            </a:pPr>
-            <a:endParaRPr lang="en-US" sz="2400" dirty="0"/>
-          </a:p>
-        </p:txBody>
-      </p:sp>
-      <p:sp>
-        <p:nvSpPr>
-          <p:cNvPr id="13" name="TextBox 12">
-            <a:extLst>
-              <a:ext uri="{FF2B5EF4-FFF2-40B4-BE49-F238E27FC236}">
-                <a16:creationId xmlns:a16="http://schemas.microsoft.com/office/drawing/2014/main" id="{76AACBDB-EFE5-4782-AA9B-3760F5E7D3D7}"/>
-              </a:ext>
-            </a:extLst>
-          </p:cNvPr>
-          <p:cNvSpPr txBox="1"/>
-          <p:nvPr/>
-        </p:nvSpPr>
-        <p:spPr>
-          <a:xfrm>
-            <a:off x="908958" y="2101813"/>
-            <a:ext cx="6515177" cy="4616648"/>
-          </a:xfrm>
-          <a:prstGeom prst="rect">
-            <a:avLst/>
-          </a:prstGeom>
-          <a:solidFill>
-            <a:schemeClr val="bg1"/>
-          </a:solidFill>
-          <a:ln w="19050">
-            <a:solidFill>
-              <a:schemeClr val="tx1"/>
-            </a:solidFill>
-          </a:ln>
-        </p:spPr>
-        <p:style>
-          <a:lnRef idx="2">
-            <a:schemeClr val="accent6"/>
-          </a:lnRef>
-          <a:fillRef idx="1">
-            <a:schemeClr val="lt1"/>
-          </a:fillRef>
-          <a:effectRef idx="0">
-            <a:schemeClr val="accent6"/>
-          </a:effectRef>
-          <a:fontRef idx="minor">
-            <a:schemeClr val="dk1"/>
-          </a:fontRef>
-        </p:style>
-        <p:txBody>
-          <a:bodyPr wrap="square" lIns="91440" tIns="45720" rIns="91440" bIns="45720" rtlCol="0" anchor="t">
-            <a:spAutoFit/>
-          </a:bodyPr>
-          <a:lstStyle/>
-          <a:p>
-            <a:pPr>
-              <a:tabLst>
-                <a:tab pos="347663" algn="l"/>
-                <a:tab pos="682625" algn="l"/>
-                <a:tab pos="1087438" algn="l"/>
-                <a:tab pos="1377950" algn="l"/>
-                <a:tab pos="1712913" algn="l"/>
-              </a:tabLst>
-            </a:pPr>
-            <a:r>
-              <a:rPr lang="en-US" b="1" i="0" dirty="0">
-                <a:solidFill>
-                  <a:srgbClr val="006600"/>
-                </a:solidFill>
-                <a:effectLst/>
-                <a:highlight>
-                  <a:srgbClr val="FFFF00"/>
-                </a:highlight>
-                <a:latin typeface="Courier New" panose="02070309020205020404" pitchFamily="49" charset="0"/>
-                <a:cs typeface="Courier New" panose="02070309020205020404" pitchFamily="49" charset="0"/>
-              </a:rPr>
-              <a:t>#include &lt;</a:t>
-            </a:r>
-            <a:r>
-              <a:rPr lang="en-US" b="1" i="0" dirty="0" err="1">
-                <a:solidFill>
-                  <a:srgbClr val="006600"/>
-                </a:solidFill>
-                <a:effectLst/>
-                <a:highlight>
-                  <a:srgbClr val="FFFF00"/>
-                </a:highlight>
-                <a:latin typeface="Courier New" panose="02070309020205020404" pitchFamily="49" charset="0"/>
-                <a:cs typeface="Courier New" panose="02070309020205020404" pitchFamily="49" charset="0"/>
-              </a:rPr>
-              <a:t>math.h</a:t>
-            </a:r>
-            <a:r>
-              <a:rPr lang="en-US" b="1" i="0" dirty="0">
-                <a:solidFill>
-                  <a:srgbClr val="006600"/>
-                </a:solidFill>
-                <a:effectLst/>
-                <a:highlight>
-                  <a:srgbClr val="FFFF00"/>
-                </a:highlight>
-                <a:latin typeface="Courier New" panose="02070309020205020404" pitchFamily="49" charset="0"/>
-                <a:cs typeface="Courier New" panose="02070309020205020404" pitchFamily="49" charset="0"/>
-              </a:rPr>
-              <a:t>&gt;</a:t>
-            </a:r>
-          </a:p>
-          <a:p>
-            <a:pPr>
-              <a:tabLst>
-                <a:tab pos="347663" algn="l"/>
-                <a:tab pos="682625" algn="l"/>
-                <a:tab pos="1087438" algn="l"/>
-                <a:tab pos="1377950" algn="l"/>
-                <a:tab pos="1712913" algn="l"/>
-              </a:tabLst>
-            </a:pPr>
-            <a:endParaRPr lang="en-US" b="1" i="0" dirty="0">
-              <a:solidFill>
-                <a:srgbClr val="0000FF"/>
-              </a:solidFill>
-              <a:effectLst/>
-              <a:latin typeface="Courier New" panose="02070309020205020404" pitchFamily="49" charset="0"/>
-              <a:cs typeface="Courier New" panose="02070309020205020404" pitchFamily="49" charset="0"/>
-            </a:endParaRPr>
-          </a:p>
-          <a:p>
-            <a:pPr>
-              <a:tabLst>
-                <a:tab pos="347663" algn="l"/>
-                <a:tab pos="682625" algn="l"/>
-                <a:tab pos="1087438" algn="l"/>
-                <a:tab pos="1377950" algn="l"/>
-                <a:tab pos="1712913" algn="l"/>
-              </a:tabLst>
-            </a:pPr>
-            <a:r>
-              <a:rPr lang="en-US" b="1" i="0" dirty="0">
-                <a:solidFill>
-                  <a:srgbClr val="0000FF"/>
-                </a:solidFill>
-                <a:effectLst/>
-                <a:latin typeface="Courier New" panose="02070309020205020404" pitchFamily="49" charset="0"/>
-                <a:cs typeface="Courier New" panose="02070309020205020404" pitchFamily="49" charset="0"/>
-              </a:rPr>
-              <a:t>long</a:t>
-            </a:r>
-            <a:r>
-              <a:rPr lang="en-US" b="1" i="0" dirty="0">
-                <a:solidFill>
-                  <a:schemeClr val="tx1"/>
-                </a:solidFill>
-                <a:effectLst/>
-                <a:latin typeface="Courier New" panose="02070309020205020404" pitchFamily="49" charset="0"/>
-                <a:cs typeface="Courier New" panose="02070309020205020404" pitchFamily="49" charset="0"/>
-              </a:rPr>
-              <a:t> square(</a:t>
-            </a:r>
-            <a:r>
-              <a:rPr lang="en-US" b="1" i="0" dirty="0">
-                <a:solidFill>
-                  <a:srgbClr val="0000FF"/>
-                </a:solidFill>
-                <a:effectLst/>
-                <a:latin typeface="Courier New" panose="02070309020205020404" pitchFamily="49" charset="0"/>
-                <a:cs typeface="Courier New" panose="02070309020205020404" pitchFamily="49" charset="0"/>
-              </a:rPr>
-              <a:t>long</a:t>
-            </a:r>
-            <a:r>
-              <a:rPr lang="en-US" b="1" i="0" dirty="0">
-                <a:solidFill>
-                  <a:schemeClr val="tx1"/>
-                </a:solidFill>
-                <a:effectLst/>
-                <a:latin typeface="Courier New" panose="02070309020205020404" pitchFamily="49" charset="0"/>
-                <a:cs typeface="Courier New" panose="02070309020205020404" pitchFamily="49" charset="0"/>
-              </a:rPr>
-              <a:t> x)</a:t>
-            </a:r>
-          </a:p>
-          <a:p>
-            <a:pPr>
-              <a:tabLst>
-                <a:tab pos="347663" algn="l"/>
-                <a:tab pos="682625" algn="l"/>
-                <a:tab pos="1087438" algn="l"/>
-                <a:tab pos="1377950" algn="l"/>
-                <a:tab pos="1712913" algn="l"/>
-              </a:tabLst>
-            </a:pPr>
-            <a:r>
-              <a:rPr lang="en-US" b="1" i="0" dirty="0">
-                <a:solidFill>
-                  <a:schemeClr val="tx1"/>
-                </a:solidFill>
-                <a:effectLst/>
-                <a:latin typeface="Courier New" panose="02070309020205020404" pitchFamily="49" charset="0"/>
-                <a:cs typeface="Courier New" panose="02070309020205020404" pitchFamily="49" charset="0"/>
-              </a:rPr>
-              <a:t>{</a:t>
-            </a:r>
-          </a:p>
-          <a:p>
-            <a:pPr>
-              <a:tabLst>
-                <a:tab pos="347663" algn="l"/>
-                <a:tab pos="682625" algn="l"/>
-                <a:tab pos="1087438" algn="l"/>
-                <a:tab pos="1377950" algn="l"/>
-                <a:tab pos="1712913" algn="l"/>
-              </a:tabLst>
-            </a:pPr>
-            <a:r>
-              <a:rPr lang="en-US" b="1" i="0" dirty="0">
-                <a:solidFill>
-                  <a:schemeClr val="tx1"/>
-                </a:solidFill>
-                <a:effectLst/>
-                <a:latin typeface="Courier New" panose="02070309020205020404" pitchFamily="49" charset="0"/>
-                <a:cs typeface="Courier New" panose="02070309020205020404" pitchFamily="49" charset="0"/>
-              </a:rPr>
-              <a:t>  </a:t>
-            </a:r>
-            <a:r>
-              <a:rPr lang="en-US" b="1" i="0" dirty="0">
-                <a:solidFill>
-                  <a:srgbClr val="0000FF"/>
-                </a:solidFill>
-                <a:effectLst/>
-                <a:latin typeface="Courier New" panose="02070309020205020404" pitchFamily="49" charset="0"/>
-                <a:cs typeface="Courier New" panose="02070309020205020404" pitchFamily="49" charset="0"/>
-              </a:rPr>
-              <a:t>return</a:t>
-            </a:r>
-            <a:r>
-              <a:rPr lang="en-US" b="1" i="0" dirty="0">
-                <a:solidFill>
-                  <a:schemeClr val="tx1"/>
-                </a:solidFill>
-                <a:effectLst/>
-                <a:latin typeface="Courier New" panose="02070309020205020404" pitchFamily="49" charset="0"/>
-                <a:cs typeface="Courier New" panose="02070309020205020404" pitchFamily="49" charset="0"/>
-              </a:rPr>
-              <a:t> x * x;</a:t>
-            </a:r>
-          </a:p>
-          <a:p>
-            <a:pPr>
-              <a:tabLst>
-                <a:tab pos="347663" algn="l"/>
-                <a:tab pos="682625" algn="l"/>
-                <a:tab pos="1087438" algn="l"/>
-                <a:tab pos="1377950" algn="l"/>
-                <a:tab pos="1712913" algn="l"/>
-              </a:tabLst>
-            </a:pPr>
-            <a:r>
-              <a:rPr lang="en-US" b="1" i="0" dirty="0">
-                <a:solidFill>
-                  <a:schemeClr val="tx1"/>
-                </a:solidFill>
-                <a:effectLst/>
-                <a:latin typeface="Courier New" panose="02070309020205020404" pitchFamily="49" charset="0"/>
-                <a:cs typeface="Courier New" panose="02070309020205020404" pitchFamily="49" charset="0"/>
-              </a:rPr>
-              <a:t>}</a:t>
-            </a:r>
-          </a:p>
-          <a:p>
-            <a:pPr>
-              <a:tabLst>
-                <a:tab pos="347663" algn="l"/>
-                <a:tab pos="682625" algn="l"/>
-                <a:tab pos="1087438" algn="l"/>
-                <a:tab pos="1377950" algn="l"/>
-                <a:tab pos="1712913" algn="l"/>
-              </a:tabLst>
-            </a:pPr>
-            <a:endParaRPr lang="en-US" sz="1000" b="1" i="0" dirty="0">
-              <a:solidFill>
-                <a:schemeClr val="tx1"/>
-              </a:solidFill>
-              <a:effectLst/>
-              <a:latin typeface="Courier New" panose="02070309020205020404" pitchFamily="49" charset="0"/>
-              <a:cs typeface="Courier New" panose="02070309020205020404" pitchFamily="49" charset="0"/>
-            </a:endParaRPr>
-          </a:p>
-          <a:p>
-            <a:pPr>
-              <a:tabLst>
-                <a:tab pos="347663" algn="l"/>
-                <a:tab pos="682625" algn="l"/>
-                <a:tab pos="1087438" algn="l"/>
-                <a:tab pos="1377950" algn="l"/>
-                <a:tab pos="1712913" algn="l"/>
-              </a:tabLst>
-            </a:pPr>
-            <a:r>
-              <a:rPr lang="en-US" b="1" i="0" dirty="0">
-                <a:solidFill>
-                  <a:srgbClr val="0000FF"/>
-                </a:solidFill>
-                <a:effectLst/>
-                <a:latin typeface="Courier New" panose="02070309020205020404" pitchFamily="49" charset="0"/>
-                <a:cs typeface="Courier New" panose="02070309020205020404" pitchFamily="49" charset="0"/>
-              </a:rPr>
-              <a:t>double</a:t>
-            </a:r>
-            <a:r>
-              <a:rPr lang="en-US" b="1" i="0" dirty="0">
-                <a:solidFill>
-                  <a:schemeClr val="tx1"/>
-                </a:solidFill>
-                <a:effectLst/>
-                <a:latin typeface="Courier New" panose="02070309020205020404" pitchFamily="49" charset="0"/>
-                <a:cs typeface="Courier New" panose="02070309020205020404" pitchFamily="49" charset="0"/>
-              </a:rPr>
-              <a:t> </a:t>
-            </a:r>
-            <a:r>
-              <a:rPr lang="en-US" b="1" i="0" dirty="0" err="1">
-                <a:solidFill>
-                  <a:schemeClr val="tx1"/>
-                </a:solidFill>
-                <a:effectLst/>
-                <a:latin typeface="Courier New" panose="02070309020205020404" pitchFamily="49" charset="0"/>
-                <a:cs typeface="Courier New" panose="02070309020205020404" pitchFamily="49" charset="0"/>
-              </a:rPr>
-              <a:t>hypotenuse_of</a:t>
-            </a:r>
-            <a:r>
-              <a:rPr lang="en-US" b="1" i="0" dirty="0">
-                <a:solidFill>
-                  <a:schemeClr val="tx1"/>
-                </a:solidFill>
-                <a:effectLst/>
-                <a:latin typeface="Courier New" panose="02070309020205020404" pitchFamily="49" charset="0"/>
-                <a:cs typeface="Courier New" panose="02070309020205020404" pitchFamily="49" charset="0"/>
-              </a:rPr>
-              <a:t>(</a:t>
-            </a:r>
-            <a:r>
-              <a:rPr lang="en-US" b="1" i="0" dirty="0">
-                <a:solidFill>
-                  <a:srgbClr val="0000FF"/>
-                </a:solidFill>
-                <a:effectLst/>
-                <a:latin typeface="Courier New" panose="02070309020205020404" pitchFamily="49" charset="0"/>
-                <a:cs typeface="Courier New" panose="02070309020205020404" pitchFamily="49" charset="0"/>
-              </a:rPr>
-              <a:t>long</a:t>
-            </a:r>
-            <a:r>
-              <a:rPr lang="en-US" b="1" i="0" dirty="0">
-                <a:solidFill>
-                  <a:schemeClr val="tx1"/>
-                </a:solidFill>
-                <a:effectLst/>
-                <a:latin typeface="Courier New" panose="02070309020205020404" pitchFamily="49" charset="0"/>
-                <a:cs typeface="Courier New" panose="02070309020205020404" pitchFamily="49" charset="0"/>
-              </a:rPr>
-              <a:t> base, </a:t>
-            </a:r>
-            <a:r>
-              <a:rPr lang="en-US" b="1" i="0" dirty="0">
-                <a:solidFill>
-                  <a:srgbClr val="0000FF"/>
-                </a:solidFill>
-                <a:effectLst/>
-                <a:latin typeface="Courier New" panose="02070309020205020404" pitchFamily="49" charset="0"/>
-                <a:cs typeface="Courier New" panose="02070309020205020404" pitchFamily="49" charset="0"/>
-              </a:rPr>
-              <a:t>long</a:t>
-            </a:r>
-            <a:r>
-              <a:rPr lang="en-US" b="1" i="0" dirty="0">
-                <a:solidFill>
-                  <a:schemeClr val="tx1"/>
-                </a:solidFill>
-                <a:effectLst/>
-                <a:latin typeface="Courier New" panose="02070309020205020404" pitchFamily="49" charset="0"/>
-                <a:cs typeface="Courier New" panose="02070309020205020404" pitchFamily="49" charset="0"/>
-              </a:rPr>
-              <a:t> height)</a:t>
-            </a:r>
-          </a:p>
-          <a:p>
-            <a:pPr>
-              <a:tabLst>
-                <a:tab pos="347663" algn="l"/>
-                <a:tab pos="682625" algn="l"/>
-                <a:tab pos="1087438" algn="l"/>
-                <a:tab pos="1377950" algn="l"/>
-                <a:tab pos="1712913" algn="l"/>
-              </a:tabLst>
-            </a:pPr>
-            <a:r>
-              <a:rPr lang="en-US" b="1" i="0" dirty="0">
-                <a:solidFill>
-                  <a:schemeClr val="tx1"/>
-                </a:solidFill>
-                <a:effectLst/>
-                <a:latin typeface="Courier New" panose="02070309020205020404" pitchFamily="49" charset="0"/>
-                <a:cs typeface="Courier New" panose="02070309020205020404" pitchFamily="49" charset="0"/>
-              </a:rPr>
-              <a:t>{</a:t>
-            </a:r>
-          </a:p>
-          <a:p>
-            <a:pPr>
-              <a:tabLst>
-                <a:tab pos="347663" algn="l"/>
-                <a:tab pos="682625" algn="l"/>
-                <a:tab pos="1087438" algn="l"/>
-                <a:tab pos="1377950" algn="l"/>
-                <a:tab pos="1712913" algn="l"/>
-              </a:tabLst>
-            </a:pPr>
-            <a:r>
-              <a:rPr lang="en-US" b="1" i="0" dirty="0">
-                <a:solidFill>
-                  <a:schemeClr val="tx1"/>
-                </a:solidFill>
-                <a:effectLst/>
-                <a:latin typeface="Courier New" panose="02070309020205020404" pitchFamily="49" charset="0"/>
-                <a:cs typeface="Courier New" panose="02070309020205020404" pitchFamily="49" charset="0"/>
-              </a:rPr>
-              <a:t>  </a:t>
-            </a:r>
-            <a:r>
-              <a:rPr lang="en-US" b="1" i="0" dirty="0">
-                <a:solidFill>
-                  <a:srgbClr val="0000FF"/>
-                </a:solidFill>
-                <a:effectLst/>
-                <a:latin typeface="Courier New" panose="02070309020205020404" pitchFamily="49" charset="0"/>
-                <a:cs typeface="Courier New" panose="02070309020205020404" pitchFamily="49" charset="0"/>
-              </a:rPr>
-              <a:t>return</a:t>
-            </a:r>
-            <a:r>
-              <a:rPr lang="en-US" b="1" i="0" dirty="0">
-                <a:solidFill>
-                  <a:schemeClr val="tx1"/>
-                </a:solidFill>
-                <a:effectLst/>
-                <a:latin typeface="Courier New" panose="02070309020205020404" pitchFamily="49" charset="0"/>
-                <a:cs typeface="Courier New" panose="02070309020205020404" pitchFamily="49" charset="0"/>
-              </a:rPr>
-              <a:t> sqrt(square(base) + square(height));</a:t>
-            </a:r>
-          </a:p>
-          <a:p>
-            <a:pPr>
-              <a:tabLst>
-                <a:tab pos="347663" algn="l"/>
-                <a:tab pos="682625" algn="l"/>
-                <a:tab pos="1087438" algn="l"/>
-                <a:tab pos="1377950" algn="l"/>
-                <a:tab pos="1712913" algn="l"/>
-              </a:tabLst>
-            </a:pPr>
-            <a:r>
-              <a:rPr lang="en-US" b="1" i="0" dirty="0">
-                <a:solidFill>
-                  <a:schemeClr val="tx1"/>
-                </a:solidFill>
-                <a:effectLst/>
-                <a:latin typeface="Courier New" panose="02070309020205020404" pitchFamily="49" charset="0"/>
-                <a:cs typeface="Courier New" panose="02070309020205020404" pitchFamily="49" charset="0"/>
-              </a:rPr>
-              <a:t>}</a:t>
-            </a:r>
-          </a:p>
-          <a:p>
-            <a:pPr>
-              <a:tabLst>
-                <a:tab pos="347663" algn="l"/>
-                <a:tab pos="682625" algn="l"/>
-                <a:tab pos="1087438" algn="l"/>
-                <a:tab pos="1377950" algn="l"/>
-                <a:tab pos="1712913" algn="l"/>
-              </a:tabLst>
-            </a:pPr>
-            <a:endParaRPr lang="en-US" sz="1000" b="1" i="0" dirty="0">
-              <a:solidFill>
-                <a:schemeClr val="tx1"/>
-              </a:solidFill>
-              <a:effectLst/>
-              <a:latin typeface="Courier New" panose="02070309020205020404" pitchFamily="49" charset="0"/>
-              <a:cs typeface="Courier New" panose="02070309020205020404" pitchFamily="49" charset="0"/>
-            </a:endParaRPr>
-          </a:p>
-          <a:p>
-            <a:pPr>
-              <a:tabLst>
-                <a:tab pos="347663" algn="l"/>
-                <a:tab pos="682625" algn="l"/>
-                <a:tab pos="1087438" algn="l"/>
-                <a:tab pos="1377950" algn="l"/>
-                <a:tab pos="1712913" algn="l"/>
-              </a:tabLst>
-            </a:pPr>
-            <a:r>
-              <a:rPr lang="en-US" b="1" i="0" dirty="0">
-                <a:solidFill>
-                  <a:srgbClr val="0000FF"/>
-                </a:solidFill>
-                <a:effectLst/>
-                <a:latin typeface="Courier New" panose="02070309020205020404" pitchFamily="49" charset="0"/>
-                <a:cs typeface="Courier New" panose="02070309020205020404" pitchFamily="49" charset="0"/>
-              </a:rPr>
-              <a:t>int</a:t>
-            </a:r>
-            <a:r>
-              <a:rPr lang="en-US" b="1" i="0" dirty="0">
-                <a:solidFill>
-                  <a:schemeClr val="tx1"/>
-                </a:solidFill>
-                <a:effectLst/>
-                <a:latin typeface="Courier New" panose="02070309020205020404" pitchFamily="49" charset="0"/>
-                <a:cs typeface="Courier New" panose="02070309020205020404" pitchFamily="49" charset="0"/>
-              </a:rPr>
-              <a:t> main()</a:t>
-            </a:r>
-          </a:p>
-          <a:p>
-            <a:pPr>
-              <a:tabLst>
-                <a:tab pos="347663" algn="l"/>
-                <a:tab pos="682625" algn="l"/>
-                <a:tab pos="1087438" algn="l"/>
-                <a:tab pos="1377950" algn="l"/>
-                <a:tab pos="1712913" algn="l"/>
-              </a:tabLst>
-            </a:pPr>
-            <a:r>
-              <a:rPr lang="en-US" b="1" i="0" dirty="0">
-                <a:solidFill>
-                  <a:schemeClr val="tx1"/>
-                </a:solidFill>
-                <a:effectLst/>
-                <a:latin typeface="Courier New" panose="02070309020205020404" pitchFamily="49" charset="0"/>
-                <a:cs typeface="Courier New" panose="02070309020205020404" pitchFamily="49" charset="0"/>
-              </a:rPr>
-              <a:t>{</a:t>
-            </a:r>
-          </a:p>
-          <a:p>
-            <a:pPr>
-              <a:tabLst>
-                <a:tab pos="347663" algn="l"/>
-                <a:tab pos="682625" algn="l"/>
-                <a:tab pos="1087438" algn="l"/>
-                <a:tab pos="1377950" algn="l"/>
-                <a:tab pos="1712913" algn="l"/>
-              </a:tabLst>
-            </a:pPr>
-            <a:r>
-              <a:rPr lang="en-US" b="1" i="0" dirty="0">
-                <a:solidFill>
-                  <a:schemeClr val="tx1"/>
-                </a:solidFill>
-                <a:effectLst/>
-                <a:latin typeface="Courier New" panose="02070309020205020404" pitchFamily="49" charset="0"/>
-                <a:cs typeface="Courier New" panose="02070309020205020404" pitchFamily="49" charset="0"/>
-              </a:rPr>
-              <a:t>  </a:t>
-            </a:r>
-            <a:r>
-              <a:rPr lang="en-US" b="1" i="0" dirty="0" err="1">
-                <a:solidFill>
-                  <a:schemeClr val="tx1"/>
-                </a:solidFill>
-                <a:effectLst/>
-                <a:latin typeface="Courier New" panose="02070309020205020404" pitchFamily="49" charset="0"/>
-                <a:cs typeface="Courier New" panose="02070309020205020404" pitchFamily="49" charset="0"/>
-              </a:rPr>
-              <a:t>hypotenuse_of</a:t>
-            </a:r>
-            <a:r>
-              <a:rPr lang="en-US" b="1" i="0" dirty="0">
-                <a:solidFill>
-                  <a:schemeClr val="tx1"/>
-                </a:solidFill>
-                <a:effectLst/>
-                <a:latin typeface="Courier New" panose="02070309020205020404" pitchFamily="49" charset="0"/>
-                <a:cs typeface="Courier New" panose="02070309020205020404" pitchFamily="49" charset="0"/>
-              </a:rPr>
-              <a:t>(</a:t>
-            </a:r>
-            <a:r>
-              <a:rPr lang="en-US" b="1" i="0" dirty="0">
-                <a:solidFill>
-                  <a:srgbClr val="C00000"/>
-                </a:solidFill>
-                <a:effectLst/>
-                <a:latin typeface="Courier New" panose="02070309020205020404" pitchFamily="49" charset="0"/>
-                <a:cs typeface="Courier New" panose="02070309020205020404" pitchFamily="49" charset="0"/>
-              </a:rPr>
-              <a:t>3</a:t>
-            </a:r>
-            <a:r>
-              <a:rPr lang="en-US" b="1" i="0" dirty="0">
-                <a:solidFill>
-                  <a:schemeClr val="tx1"/>
-                </a:solidFill>
-                <a:effectLst/>
-                <a:latin typeface="Courier New" panose="02070309020205020404" pitchFamily="49" charset="0"/>
-                <a:cs typeface="Courier New" panose="02070309020205020404" pitchFamily="49" charset="0"/>
-              </a:rPr>
-              <a:t>, </a:t>
-            </a:r>
-            <a:r>
-              <a:rPr lang="en-US" b="1" i="0" dirty="0">
-                <a:solidFill>
-                  <a:srgbClr val="C00000"/>
-                </a:solidFill>
-                <a:effectLst/>
-                <a:latin typeface="Courier New" panose="02070309020205020404" pitchFamily="49" charset="0"/>
-                <a:cs typeface="Courier New" panose="02070309020205020404" pitchFamily="49" charset="0"/>
-              </a:rPr>
-              <a:t>4</a:t>
-            </a:r>
-            <a:r>
-              <a:rPr lang="en-US" b="1" i="0" dirty="0">
-                <a:solidFill>
-                  <a:schemeClr val="tx1"/>
-                </a:solidFill>
-                <a:effectLst/>
-                <a:latin typeface="Courier New" panose="02070309020205020404" pitchFamily="49" charset="0"/>
-                <a:cs typeface="Courier New" panose="02070309020205020404" pitchFamily="49" charset="0"/>
-              </a:rPr>
-              <a:t>);</a:t>
-            </a:r>
-          </a:p>
-          <a:p>
-            <a:pPr>
-              <a:tabLst>
-                <a:tab pos="347663" algn="l"/>
-                <a:tab pos="682625" algn="l"/>
-                <a:tab pos="1087438" algn="l"/>
-                <a:tab pos="1377950" algn="l"/>
-                <a:tab pos="1712913" algn="l"/>
-              </a:tabLst>
-            </a:pPr>
-            <a:r>
-              <a:rPr lang="en-US" b="1" dirty="0">
-                <a:solidFill>
-                  <a:schemeClr val="tx1"/>
-                </a:solidFill>
-                <a:latin typeface="Courier New" panose="02070309020205020404" pitchFamily="49" charset="0"/>
-                <a:cs typeface="Courier New" panose="02070309020205020404" pitchFamily="49" charset="0"/>
-              </a:rPr>
-              <a:t>  </a:t>
-            </a:r>
-            <a:r>
-              <a:rPr lang="en-US" b="1" dirty="0">
-                <a:solidFill>
-                  <a:srgbClr val="0000FF"/>
-                </a:solidFill>
-                <a:latin typeface="Courier New" panose="02070309020205020404" pitchFamily="49" charset="0"/>
-                <a:cs typeface="Courier New" panose="02070309020205020404" pitchFamily="49" charset="0"/>
-              </a:rPr>
-              <a:t>return</a:t>
-            </a:r>
-            <a:r>
-              <a:rPr lang="en-US" b="1" dirty="0">
-                <a:solidFill>
-                  <a:schemeClr val="tx1"/>
-                </a:solidFill>
-                <a:latin typeface="Courier New" panose="02070309020205020404" pitchFamily="49" charset="0"/>
-                <a:cs typeface="Courier New" panose="02070309020205020404" pitchFamily="49" charset="0"/>
-              </a:rPr>
-              <a:t> </a:t>
-            </a:r>
-            <a:r>
-              <a:rPr lang="en-US" b="1" dirty="0">
-                <a:solidFill>
-                  <a:srgbClr val="C00000"/>
-                </a:solidFill>
-                <a:latin typeface="Courier New" panose="02070309020205020404" pitchFamily="49" charset="0"/>
-                <a:cs typeface="Courier New" panose="02070309020205020404" pitchFamily="49" charset="0"/>
-              </a:rPr>
-              <a:t>0</a:t>
-            </a:r>
-            <a:r>
-              <a:rPr lang="en-US" b="1" dirty="0">
-                <a:solidFill>
-                  <a:schemeClr val="tx1"/>
-                </a:solidFill>
-                <a:latin typeface="Courier New" panose="02070309020205020404" pitchFamily="49" charset="0"/>
-                <a:cs typeface="Courier New" panose="02070309020205020404" pitchFamily="49" charset="0"/>
-              </a:rPr>
-              <a:t>;</a:t>
-            </a:r>
-            <a:endParaRPr lang="en-US" b="1" i="0" dirty="0">
-              <a:solidFill>
-                <a:schemeClr val="tx1"/>
-              </a:solidFill>
-              <a:effectLst/>
-              <a:latin typeface="Courier New" panose="02070309020205020404" pitchFamily="49" charset="0"/>
-              <a:cs typeface="Courier New" panose="02070309020205020404" pitchFamily="49" charset="0"/>
-            </a:endParaRPr>
-          </a:p>
-          <a:p>
-            <a:pPr>
-              <a:tabLst>
-                <a:tab pos="347663" algn="l"/>
-                <a:tab pos="682625" algn="l"/>
-                <a:tab pos="1087438" algn="l"/>
-                <a:tab pos="1377950" algn="l"/>
-                <a:tab pos="1712913" algn="l"/>
-              </a:tabLst>
-            </a:pPr>
-            <a:r>
-              <a:rPr lang="en-US" b="1" i="0" dirty="0">
-                <a:solidFill>
-                  <a:schemeClr val="tx1"/>
-                </a:solidFill>
-                <a:effectLst/>
-                <a:latin typeface="Courier New" panose="02070309020205020404" pitchFamily="49" charset="0"/>
-                <a:cs typeface="Courier New" panose="02070309020205020404" pitchFamily="49" charset="0"/>
-              </a:rPr>
-              <a:t>}</a:t>
-            </a:r>
-            <a:endParaRPr lang="en-US" b="1" dirty="0">
-              <a:solidFill>
-                <a:schemeClr val="tx1"/>
-              </a:solidFill>
-              <a:highlight>
-                <a:srgbClr val="FFFF00"/>
-              </a:highlight>
-              <a:latin typeface="Courier New" panose="02070309020205020404" pitchFamily="49" charset="0"/>
-              <a:cs typeface="Courier New" panose="02070309020205020404" pitchFamily="49" charset="0"/>
-            </a:endParaRPr>
-          </a:p>
-        </p:txBody>
-      </p:sp>
-      <p:sp>
-        <p:nvSpPr>
-          <p:cNvPr id="8" name="TextBox 7">
-            <a:extLst>
-              <a:ext uri="{FF2B5EF4-FFF2-40B4-BE49-F238E27FC236}">
-                <a16:creationId xmlns:a16="http://schemas.microsoft.com/office/drawing/2014/main" id="{9BA3CD25-E0A6-43C6-ACBF-2582BD134206}"/>
-              </a:ext>
-            </a:extLst>
-          </p:cNvPr>
-          <p:cNvSpPr txBox="1"/>
-          <p:nvPr/>
-        </p:nvSpPr>
-        <p:spPr>
-          <a:xfrm>
-            <a:off x="5006341" y="5608320"/>
-            <a:ext cx="3769880" cy="923330"/>
-          </a:xfrm>
-          <a:prstGeom prst="rect">
-            <a:avLst/>
-          </a:prstGeom>
-          <a:solidFill>
-            <a:srgbClr val="FFFF99"/>
-          </a:solidFill>
-          <a:ln w="12700"/>
-        </p:spPr>
-        <p:style>
-          <a:lnRef idx="2">
-            <a:schemeClr val="accent4"/>
-          </a:lnRef>
-          <a:fillRef idx="1">
-            <a:schemeClr val="lt1"/>
-          </a:fillRef>
-          <a:effectRef idx="0">
-            <a:schemeClr val="accent4"/>
-          </a:effectRef>
-          <a:fontRef idx="minor">
-            <a:schemeClr val="dk1"/>
-          </a:fontRef>
-        </p:style>
-        <p:txBody>
-          <a:bodyPr wrap="square" rtlCol="0">
-            <a:spAutoFit/>
-          </a:bodyPr>
-          <a:lstStyle/>
-          <a:p>
-            <a:r>
-              <a:rPr lang="en-US" dirty="0"/>
-              <a:t>Read the compilation guide at "Software/Tools" </a:t>
-            </a:r>
-            <a:r>
-              <a:rPr lang="en-US" dirty="0">
-                <a:sym typeface="Wingdings" panose="05000000000000000000" pitchFamily="2" charset="2"/>
-              </a:rPr>
-              <a:t> "</a:t>
-            </a:r>
-            <a:r>
-              <a:rPr lang="en-US" dirty="0" err="1">
-                <a:sym typeface="Wingdings" panose="05000000000000000000" pitchFamily="2" charset="2"/>
-              </a:rPr>
-              <a:t>CLang</a:t>
-            </a:r>
-            <a:r>
-              <a:rPr lang="en-US" dirty="0">
-                <a:sym typeface="Wingdings" panose="05000000000000000000" pitchFamily="2" charset="2"/>
-              </a:rPr>
-              <a:t>" </a:t>
-            </a:r>
-            <a:r>
-              <a:rPr lang="en-US" dirty="0"/>
-              <a:t>to know </a:t>
-            </a:r>
-            <a:r>
-              <a:rPr lang="en-US"/>
-              <a:t>more about this.</a:t>
-            </a:r>
-            <a:endParaRPr lang="en-US" dirty="0"/>
-          </a:p>
-        </p:txBody>
-      </p:sp>
-      <p:sp>
-        <p:nvSpPr>
-          <p:cNvPr id="3" name="Slide Number Placeholder 2">
-            <a:extLst>
-              <a:ext uri="{FF2B5EF4-FFF2-40B4-BE49-F238E27FC236}">
-                <a16:creationId xmlns:a16="http://schemas.microsoft.com/office/drawing/2014/main" id="{857F0D71-A943-F14A-4B0E-5DADE46C8D29}"/>
-              </a:ext>
-            </a:extLst>
-          </p:cNvPr>
-          <p:cNvSpPr>
-            <a:spLocks noGrp="1"/>
-          </p:cNvSpPr>
-          <p:nvPr>
-            <p:ph type="sldNum" sz="quarter" idx="12"/>
-          </p:nvPr>
-        </p:nvSpPr>
-        <p:spPr/>
-        <p:txBody>
-          <a:bodyPr/>
-          <a:lstStyle/>
-          <a:p>
-            <a:pPr>
-              <a:defRPr/>
-            </a:pPr>
-            <a:r>
-              <a:rPr lang="en-US"/>
-              <a:t>Unit5 - </a:t>
-            </a:r>
-            <a:fld id="{2E4790E1-2590-4AEE-892D-AB46A7688113}" type="slidenum">
-              <a:rPr lang="en-US" smtClean="0"/>
-              <a:pPr>
-                <a:defRPr/>
-              </a:pPr>
-              <a:t>7</a:t>
-            </a:fld>
-            <a:endParaRPr lang="en-US" dirty="0"/>
-          </a:p>
-        </p:txBody>
-      </p:sp>
-    </p:spTree>
-    <p:extLst>
-      <p:ext uri="{BB962C8B-B14F-4D97-AF65-F5344CB8AC3E}">
-        <p14:creationId xmlns:p14="http://schemas.microsoft.com/office/powerpoint/2010/main" val="784668950"/>
-      </p:ext>
-    </p:extLst>
-  </p:cSld>
-  <p:clrMapOvr>
-    <a:masterClrMapping/>
-  </p:clrMapOvr>
-  <p:transition>
-    <p:fade/>
-  </p:transition>
-  <p:timing>
-    <p:tnLst>
-      <p:par>
-        <p:cTn id="1" dur="indefinite" restart="never" nodeType="tmRoot">
-          <p:childTnLst>
-            <p:seq concurrent="1" nextAc="seek">
-              <p:cTn id="2" dur="indefinite" nodeType="mainSeq">
-                <p:childTnLst>
-                  <p:par>
-                    <p:cTn id="3" fill="hold">
-                      <p:stCondLst>
-                        <p:cond delay="indefinite"/>
-                        <p:cond evt="onBegin" delay="0">
-                          <p:tn val="2"/>
-                        </p:cond>
-                      </p:stCondLst>
-                      <p:childTnLst>
-                        <p:par>
-                          <p:cTn id="4" fill="hold">
-                            <p:stCondLst>
-                              <p:cond delay="0"/>
-                            </p:stCondLst>
-                            <p:childTnLst>
-                              <p:par>
-                                <p:cTn id="5" presetID="9" presetClass="entr" presetSubtype="0" fill="hold" grpId="0" nodeType="afterEffect">
-                                  <p:stCondLst>
-                                    <p:cond delay="0"/>
-                                  </p:stCondLst>
-                                  <p:childTnLst>
-                                    <p:set>
-                                      <p:cBhvr>
-                                        <p:cTn id="6" dur="1" fill="hold">
-                                          <p:stCondLst>
-                                            <p:cond delay="0"/>
-                                          </p:stCondLst>
-                                        </p:cTn>
-                                        <p:tgtEl>
-                                          <p:spTgt spid="8"/>
-                                        </p:tgtEl>
-                                        <p:attrNameLst>
-                                          <p:attrName>style.visibility</p:attrName>
-                                        </p:attrNameLst>
-                                      </p:cBhvr>
-                                      <p:to>
-                                        <p:strVal val="visible"/>
-                                      </p:to>
-                                    </p:set>
-                                    <p:animEffect transition="in" filter="dissolve">
-                                      <p:cBhvr>
-                                        <p:cTn id="7" dur="500"/>
-                                        <p:tgtEl>
-                                          <p:spTgt spid="8"/>
-                                        </p:tgtEl>
-                                      </p:cBhvr>
-                                    </p:animEffect>
-                                  </p:childTnLst>
-                                </p:cTn>
-                              </p:par>
-                            </p:childTnLst>
-                          </p:cTn>
-                        </p:par>
-                      </p:childTnLst>
-                    </p:cTn>
-                  </p:par>
-                </p:childTnLst>
-              </p:cTn>
-              <p:prevCondLst>
-                <p:cond evt="onPrev" delay="0">
-                  <p:tgtEl>
-                    <p:sldTgt/>
-                  </p:tgtEl>
-                </p:cond>
-              </p:prevCondLst>
-              <p:nextCondLst>
-                <p:cond evt="onNext" delay="0">
-                  <p:tgtEl>
-                    <p:sldTgt/>
-                  </p:tgtEl>
-                </p:cond>
-              </p:nextCondLst>
-            </p:seq>
-          </p:childTnLst>
-        </p:cTn>
-      </p:par>
-    </p:tnLst>
-    <p:bldLst>
-      <p:bldP spid="8" grpId="0" animBg="1"/>
-    </p:bldLst>
-  </p:timing>
-</p:sld>
-</file>
-
-<file path=ppt/slides/slide8.xml><?xml version="1.0" encoding="utf-8"?>
-<p:sld xmlns:a="http://schemas.openxmlformats.org/drawingml/2006/main" xmlns:r="http://schemas.openxmlformats.org/officeDocument/2006/relationships" xmlns:p="http://schemas.openxmlformats.org/presentationml/2006/main">
-  <p:cSld>
-    <p:spTree>
-      <p:nvGrpSpPr>
-        <p:cNvPr id="1" name=""/>
-        <p:cNvGrpSpPr/>
-        <p:nvPr/>
-      </p:nvGrpSpPr>
-      <p:grpSpPr>
-        <a:xfrm>
-          <a:off x="0" y="0"/>
-          <a:ext cx="0" cy="0"/>
-          <a:chOff x="0" y="0"/>
-          <a:chExt cx="0" cy="0"/>
-        </a:xfrm>
-      </p:grpSpPr>
-      <p:sp>
-        <p:nvSpPr>
-          <p:cNvPr id="24578" name="Rectangle 2"/>
-          <p:cNvSpPr>
-            <a:spLocks noGrp="1" noChangeArrowheads="1"/>
-          </p:cNvSpPr>
-          <p:nvPr>
-            <p:ph type="title"/>
-          </p:nvPr>
-        </p:nvSpPr>
-        <p:spPr>
-          <a:xfrm>
-            <a:off x="533400" y="457200"/>
-            <a:ext cx="8153400" cy="685800"/>
-          </a:xfrm>
-        </p:spPr>
-        <p:txBody>
-          <a:bodyPr>
-            <a:normAutofit fontScale="90000"/>
-          </a:bodyPr>
-          <a:lstStyle/>
-          <a:p>
-            <a:r>
-              <a:rPr lang="en-GB" dirty="0">
-                <a:solidFill>
-                  <a:srgbClr val="0000FF"/>
-                </a:solidFill>
-              </a:rPr>
               <a:t>Common Mistakes (1/2)</a:t>
             </a:r>
           </a:p>
@@ -13269,17 +15936,7 @@
                 <a:latin typeface="Courier New" panose="02070309020205020404" pitchFamily="49" charset="0"/>
                 <a:cs typeface="Courier New" panose="02070309020205020404" pitchFamily="49" charset="0"/>
               </a:rPr>
-              <a:t> = …; </a:t>
-            </a:r>
-            <a:r>
-              <a:rPr lang="en-US" b="1" dirty="0">
-                <a:solidFill>
-                  <a:srgbClr val="006600"/>
-                </a:solidFill>
-                <a:latin typeface="Courier New" panose="02070309020205020404" pitchFamily="49" charset="0"/>
-                <a:cs typeface="Courier New" panose="02070309020205020404" pitchFamily="49" charset="0"/>
-              </a:rPr>
-              <a:t>// no declaration</a:t>
+              <a:t> = …;</a:t>
             </a:r>
             <a:endParaRPr lang="en-US" b="1" i="0" dirty="0">
               <a:solidFill>
@@ -13613,19 +16270,16 @@
                 <a:latin typeface="Courier New" panose="02070309020205020404" pitchFamily="49" charset="0"/>
                 <a:cs typeface="Courier New" panose="02070309020205020404" pitchFamily="49" charset="0"/>
               </a:rPr>
-              <a:t>; </a:t>
-            </a:r>
-            <a:r>
-              <a:rPr lang="en-US" b="1" i="0" dirty="0">
-                <a:solidFill>
-                  <a:srgbClr val="006600"/>
-                </a:solidFill>
-                <a:effectLst/>
-                <a:latin typeface="Courier New" panose="02070309020205020404" pitchFamily="49" charset="0"/>
-                <a:cs typeface="Courier New" panose="02070309020205020404" pitchFamily="49" charset="0"/>
-              </a:rPr>
-              <a:t>// re-declaration</a:t>
-            </a:r>
+              <a:t>;</a:t>
+            </a:r>
+            <a:endParaRPr lang="en-US" b="1" i="0" dirty="0">
+              <a:solidFill>
+                <a:srgbClr val="006600"/>
+              </a:solidFill>
+              <a:effectLst/>
+              <a:latin typeface="Courier New" panose="02070309020205020404" pitchFamily="49" charset="0"/>
+              <a:cs typeface="Courier New" panose="02070309020205020404" pitchFamily="49" charset="0"/>
+            </a:endParaRPr>
           </a:p>
           <a:p>
             <a:pPr>
@@ -13899,8 +16553,40 @@
               <a:pPr>
                 <a:defRPr/>
               </a:pPr>
-              <a:t>8</a:t>
+              <a:t>7</a:t>
             </a:fld>
+            <a:endParaRPr lang="en-US" dirty="0"/>
+          </a:p>
+        </p:txBody>
+      </p:sp>
+      <p:sp>
+        <p:nvSpPr>
+          <p:cNvPr id="3" name="Footer Placeholder 2">
+            <a:extLst>
+              <a:ext uri="{FF2B5EF4-FFF2-40B4-BE49-F238E27FC236}">
+                <a16:creationId xmlns:a16="http://schemas.microsoft.com/office/drawing/2014/main" id="{CD519A18-FA95-99FB-FB4B-F7466183D2EE}"/>
+              </a:ext>
+            </a:extLst>
+          </p:cNvPr>
+          <p:cNvSpPr>
+            <a:spLocks noGrp="1"/>
+          </p:cNvSpPr>
+          <p:nvPr>
+            <p:ph type="ftr" sz="quarter" idx="11"/>
+          </p:nvPr>
+        </p:nvSpPr>
+        <p:spPr/>
+        <p:txBody>
+          <a:bodyPr/>
+          <a:lstStyle/>
+          <a:p>
+            <a:pPr algn="l">
+              <a:defRPr/>
+            </a:pPr>
+            <a:r>
+              <a:rPr lang="en-US"/>
+              <a:t>CS1010 (AY2023/24 Semester 2)</a:t>
+            </a:r>
             <a:endParaRPr lang="en-US" dirty="0"/>
           </a:p>
         </p:txBody>
@@ -14231,7 +16917,7 @@
 </p:sld>
 </file>
 
-<file path=ppt/slides/slide9.xml><?xml version="1.0" encoding="utf-8"?>
+<file path=ppt/slides/slide8.xml><?xml version="1.0" encoding="utf-8"?>
 <p:sld xmlns:a="http://schemas.openxmlformats.org/drawingml/2006/main" xmlns:r="http://schemas.openxmlformats.org/officeDocument/2006/relationships" xmlns:p="http://schemas.openxmlformats.org/presentationml/2006/main">
   <p:cSld>
     <p:spTree>
@@ -14593,7 +17279,7 @@
               <a:t>a = b + </a:t>
             </a:r>
             <a:r>
-              <a:rPr lang="en-US" b="1" dirty="0">
+              <a:rPr lang="en-US" b="1">
                 <a:solidFill>
                   <a:srgbClr val="C00000"/>
                 </a:solidFill>
@@ -14603,22 +17289,19 @@
               <a:t>3</a:t>
             </a:r>
             <a:r>
-              <a:rPr lang="en-US" b="1" dirty="0">
+              <a:rPr lang="en-US" b="1">
                 <a:latin typeface="Courier New" pitchFamily="49" charset="0"/>
                 <a:cs typeface="Courier New" pitchFamily="49" charset="0"/>
               </a:rPr>
-              <a:t>; </a:t>
-            </a:r>
-            <a:r>
-              <a:rPr lang="en-US" b="1" dirty="0">
-                <a:solidFill>
-                  <a:srgbClr val="800000"/>
-                </a:solidFill>
-                <a:latin typeface="Courier New" pitchFamily="49" charset="0"/>
-                <a:cs typeface="Courier New" pitchFamily="49" charset="0"/>
-              </a:rPr>
-              <a:t>// but what is the value of b?</a:t>
-            </a:r>
+              <a:t>;</a:t>
+            </a:r>
+            <a:endParaRPr lang="en-US" b="1" dirty="0">
+              <a:solidFill>
+                <a:srgbClr val="800000"/>
+              </a:solidFill>
+              <a:latin typeface="Courier New" pitchFamily="49" charset="0"/>
+              <a:cs typeface="Courier New" pitchFamily="49" charset="0"/>
+            </a:endParaRPr>
           </a:p>
         </p:txBody>
       </p:sp>
@@ -15068,8 +17751,40 @@
               <a:pPr>
                 <a:defRPr/>
               </a:pPr>
-              <a:t>9</a:t>
+              <a:t>8</a:t>
             </a:fld>
+            <a:endParaRPr lang="en-US" dirty="0"/>
+          </a:p>
+        </p:txBody>
+      </p:sp>
+      <p:sp>
+        <p:nvSpPr>
+          <p:cNvPr id="2" name="Footer Placeholder 1">
+            <a:extLst>
+              <a:ext uri="{FF2B5EF4-FFF2-40B4-BE49-F238E27FC236}">
+                <a16:creationId xmlns:a16="http://schemas.microsoft.com/office/drawing/2014/main" id="{961A2C04-7490-3C64-5A0B-1306F749F14B}"/>
+              </a:ext>
+            </a:extLst>
+          </p:cNvPr>
+          <p:cNvSpPr>
+            <a:spLocks noGrp="1"/>
+          </p:cNvSpPr>
+          <p:nvPr>
+            <p:ph type="ftr" sz="quarter" idx="11"/>
+          </p:nvPr>
+        </p:nvSpPr>
+        <p:spPr/>
+        <p:txBody>
+          <a:bodyPr/>
+          <a:lstStyle/>
+          <a:p>
+            <a:pPr algn="l">
+              <a:defRPr/>
+            </a:pPr>
+            <a:r>
+              <a:rPr lang="en-US"/>
+              <a:t>CS1010 (AY2023/24 Semester 2)</a:t>
+            </a:r>
             <a:endParaRPr lang="en-US" dirty="0"/>
           </a:p>
         </p:txBody>
@@ -15578,6 +18293,1244 @@
       <p:bldP spid="12" grpId="0" animBg="1"/>
       <p:bldP spid="13" grpId="0" animBg="1"/>
       <p:bldP spid="15" grpId="0" animBg="1"/>
+    </p:bldLst>
+  </p:timing>
+</p:sld>
+</file>
+
+<file path=ppt/slides/slide9.xml><?xml version="1.0" encoding="utf-8"?>
+<p:sld xmlns:a="http://schemas.openxmlformats.org/drawingml/2006/main" xmlns:r="http://schemas.openxmlformats.org/officeDocument/2006/relationships" xmlns:p="http://schemas.openxmlformats.org/presentationml/2006/main">
+  <p:cSld>
+    <p:spTree>
+      <p:nvGrpSpPr>
+        <p:cNvPr id="1" name=""/>
+        <p:cNvGrpSpPr/>
+        <p:nvPr/>
+      </p:nvGrpSpPr>
+      <p:grpSpPr>
+        <a:xfrm>
+          <a:off x="0" y="0"/>
+          <a:ext cx="0" cy="0"/>
+          <a:chOff x="0" y="0"/>
+          <a:chExt cx="0" cy="0"/>
+        </a:xfrm>
+      </p:grpSpPr>
+      <p:sp>
+        <p:nvSpPr>
+          <p:cNvPr id="24578" name="Rectangle 2"/>
+          <p:cNvSpPr>
+            <a:spLocks noGrp="1" noChangeArrowheads="1"/>
+          </p:cNvSpPr>
+          <p:nvPr>
+            <p:ph type="title"/>
+          </p:nvPr>
+        </p:nvSpPr>
+        <p:spPr>
+          <a:xfrm>
+            <a:off x="533400" y="457200"/>
+            <a:ext cx="8153400" cy="685800"/>
+          </a:xfrm>
+        </p:spPr>
+        <p:txBody>
+          <a:bodyPr>
+            <a:normAutofit fontScale="90000"/>
+          </a:bodyPr>
+          <a:lstStyle/>
+          <a:p>
+            <a:r>
+              <a:rPr lang="en-GB" dirty="0">
+                <a:solidFill>
+                  <a:srgbClr val="0000FF"/>
+                </a:solidFill>
+              </a:rPr>
+              <a:t>Functions from the Math Library</a:t>
+            </a:r>
+          </a:p>
+        </p:txBody>
+      </p:sp>
+      <p:sp>
+        <p:nvSpPr>
+          <p:cNvPr id="10" name="HighlightTextShape201406241503265130"/>
+          <p:cNvSpPr>
+            <a:spLocks noChangeArrowheads="1"/>
+          </p:cNvSpPr>
+          <p:nvPr/>
+        </p:nvSpPr>
+        <p:spPr bwMode="auto">
+          <a:xfrm>
+            <a:off x="491319" y="1219200"/>
+            <a:ext cx="7890681" cy="2438400"/>
+          </a:xfrm>
+          <a:prstGeom prst="rect">
+            <a:avLst/>
+          </a:prstGeom>
+          <a:noFill/>
+          <a:ln w="9525">
+            <a:noFill/>
+            <a:miter lim="800000"/>
+            <a:headEnd/>
+            <a:tailEnd/>
+          </a:ln>
+        </p:spPr>
+        <p:txBody>
+          <a:bodyPr/>
+          <a:lstStyle/>
+          <a:p>
+            <a:pPr marL="347663" indent="-347663">
+              <a:spcBef>
+                <a:spcPts val="600"/>
+              </a:spcBef>
+              <a:buClr>
+                <a:schemeClr val="tx1">
+                  <a:lumMod val="90000"/>
+                  <a:lumOff val="10000"/>
+                </a:schemeClr>
+              </a:buClr>
+              <a:buSzPct val="100000"/>
+              <a:buFont typeface="Wingdings" panose="05000000000000000000" pitchFamily="2" charset="2"/>
+              <a:buChar char="§"/>
+              <a:defRPr/>
+            </a:pPr>
+            <a:r>
+              <a:rPr lang="en-US" sz="2400" dirty="0">
+                <a:solidFill>
+                  <a:srgbClr val="0000FF"/>
+                </a:solidFill>
+                <a:highlight>
+                  <a:srgbClr val="FFFF00"/>
+                </a:highlight>
+              </a:rPr>
+              <a:t>double</a:t>
+            </a:r>
+            <a:r>
+              <a:rPr lang="en-US" sz="2400" dirty="0">
+                <a:highlight>
+                  <a:srgbClr val="FFFF00"/>
+                </a:highlight>
+              </a:rPr>
+              <a:t> sqrt(</a:t>
+            </a:r>
+            <a:r>
+              <a:rPr lang="en-US" sz="2400" dirty="0">
+                <a:solidFill>
+                  <a:srgbClr val="0000FF"/>
+                </a:solidFill>
+                <a:highlight>
+                  <a:srgbClr val="FFFF00"/>
+                </a:highlight>
+              </a:rPr>
+              <a:t>double</a:t>
+            </a:r>
+            <a:r>
+              <a:rPr lang="en-US" sz="2400" dirty="0">
+                <a:highlight>
+                  <a:srgbClr val="FFFF00"/>
+                </a:highlight>
+              </a:rPr>
+              <a:t> x)</a:t>
+            </a:r>
+            <a:r>
+              <a:rPr lang="en-US" sz="2400" dirty="0"/>
+              <a:t> – computes the square root of a number; requires </a:t>
+            </a:r>
+            <a:r>
+              <a:rPr lang="en-US" sz="2400" dirty="0" err="1"/>
+              <a:t>math.h</a:t>
+            </a:r>
+            <a:r>
+              <a:rPr lang="en-US" sz="2400" dirty="0"/>
+              <a:t> and -</a:t>
+            </a:r>
+            <a:r>
+              <a:rPr lang="en-US" sz="2400" dirty="0" err="1"/>
+              <a:t>lm</a:t>
+            </a:r>
+            <a:r>
+              <a:rPr lang="en-US" sz="2400" dirty="0"/>
+              <a:t> </a:t>
+            </a:r>
+            <a:r>
+              <a:rPr lang="en-US" sz="2400"/>
+              <a:t>for compilation </a:t>
+            </a:r>
+            <a:endParaRPr lang="en-US" sz="2000" dirty="0"/>
+          </a:p>
+          <a:p>
+            <a:pPr marL="804863" lvl="1" indent="-347663">
+              <a:spcBef>
+                <a:spcPts val="600"/>
+              </a:spcBef>
+              <a:buClr>
+                <a:schemeClr val="tx1">
+                  <a:lumMod val="90000"/>
+                  <a:lumOff val="10000"/>
+                </a:schemeClr>
+              </a:buClr>
+              <a:buSzPct val="100000"/>
+              <a:buFont typeface="Wingdings" panose="05000000000000000000" pitchFamily="2" charset="2"/>
+              <a:buChar char="§"/>
+              <a:defRPr/>
+            </a:pPr>
+            <a:endParaRPr lang="en-US" sz="2400" dirty="0"/>
+          </a:p>
+          <a:p>
+            <a:pPr marL="804863" lvl="1" indent="-347663">
+              <a:spcBef>
+                <a:spcPts val="600"/>
+              </a:spcBef>
+              <a:buClr>
+                <a:schemeClr val="tx1">
+                  <a:lumMod val="90000"/>
+                  <a:lumOff val="10000"/>
+                </a:schemeClr>
+              </a:buClr>
+              <a:buSzPct val="100000"/>
+              <a:buFont typeface="Wingdings" panose="05000000000000000000" pitchFamily="2" charset="2"/>
+              <a:buChar char="§"/>
+              <a:defRPr/>
+            </a:pPr>
+            <a:endParaRPr lang="en-US" sz="2400" dirty="0"/>
+          </a:p>
+          <a:p>
+            <a:pPr marL="804863" lvl="1" indent="-347663">
+              <a:spcBef>
+                <a:spcPts val="600"/>
+              </a:spcBef>
+              <a:buClr>
+                <a:schemeClr val="tx1">
+                  <a:lumMod val="90000"/>
+                  <a:lumOff val="10000"/>
+                </a:schemeClr>
+              </a:buClr>
+              <a:buSzPct val="100000"/>
+              <a:buFont typeface="Wingdings" panose="05000000000000000000" pitchFamily="2" charset="2"/>
+              <a:buChar char="§"/>
+              <a:defRPr/>
+            </a:pPr>
+            <a:endParaRPr lang="en-US" sz="2400" dirty="0"/>
+          </a:p>
+          <a:p>
+            <a:pPr marL="804863" lvl="1" indent="-347663">
+              <a:spcBef>
+                <a:spcPts val="600"/>
+              </a:spcBef>
+              <a:buClr>
+                <a:schemeClr val="tx1">
+                  <a:lumMod val="90000"/>
+                  <a:lumOff val="10000"/>
+                </a:schemeClr>
+              </a:buClr>
+              <a:buSzPct val="100000"/>
+              <a:buFont typeface="Wingdings" panose="05000000000000000000" pitchFamily="2" charset="2"/>
+              <a:buChar char="§"/>
+              <a:defRPr/>
+            </a:pPr>
+            <a:endParaRPr lang="en-US" sz="2400" dirty="0"/>
+          </a:p>
+          <a:p>
+            <a:pPr marL="804863" lvl="1" indent="-347663">
+              <a:spcBef>
+                <a:spcPts val="600"/>
+              </a:spcBef>
+              <a:buClr>
+                <a:schemeClr val="tx1">
+                  <a:lumMod val="90000"/>
+                  <a:lumOff val="10000"/>
+                </a:schemeClr>
+              </a:buClr>
+              <a:buSzPct val="100000"/>
+              <a:buFont typeface="Wingdings" panose="05000000000000000000" pitchFamily="2" charset="2"/>
+              <a:buChar char="§"/>
+              <a:defRPr/>
+            </a:pPr>
+            <a:endParaRPr lang="en-US" sz="2400" dirty="0"/>
+          </a:p>
+        </p:txBody>
+      </p:sp>
+      <p:sp>
+        <p:nvSpPr>
+          <p:cNvPr id="13" name="TextBox 12">
+            <a:extLst>
+              <a:ext uri="{FF2B5EF4-FFF2-40B4-BE49-F238E27FC236}">
+                <a16:creationId xmlns:a16="http://schemas.microsoft.com/office/drawing/2014/main" id="{76AACBDB-EFE5-4782-AA9B-3760F5E7D3D7}"/>
+              </a:ext>
+            </a:extLst>
+          </p:cNvPr>
+          <p:cNvSpPr txBox="1"/>
+          <p:nvPr/>
+        </p:nvSpPr>
+        <p:spPr>
+          <a:xfrm>
+            <a:off x="908958" y="2101813"/>
+            <a:ext cx="6515177" cy="4616648"/>
+          </a:xfrm>
+          <a:prstGeom prst="rect">
+            <a:avLst/>
+          </a:prstGeom>
+          <a:solidFill>
+            <a:schemeClr val="bg1"/>
+          </a:solidFill>
+          <a:ln w="19050">
+            <a:solidFill>
+              <a:schemeClr val="tx1"/>
+            </a:solidFill>
+          </a:ln>
+        </p:spPr>
+        <p:style>
+          <a:lnRef idx="2">
+            <a:schemeClr val="accent6"/>
+          </a:lnRef>
+          <a:fillRef idx="1">
+            <a:schemeClr val="lt1"/>
+          </a:fillRef>
+          <a:effectRef idx="0">
+            <a:schemeClr val="accent6"/>
+          </a:effectRef>
+          <a:fontRef idx="minor">
+            <a:schemeClr val="dk1"/>
+          </a:fontRef>
+        </p:style>
+        <p:txBody>
+          <a:bodyPr wrap="square" lIns="91440" tIns="45720" rIns="91440" bIns="45720" rtlCol="0" anchor="t">
+            <a:spAutoFit/>
+          </a:bodyPr>
+          <a:lstStyle/>
+          <a:p>
+            <a:pPr>
+              <a:tabLst>
+                <a:tab pos="347663" algn="l"/>
+                <a:tab pos="682625" algn="l"/>
+                <a:tab pos="1087438" algn="l"/>
+                <a:tab pos="1377950" algn="l"/>
+                <a:tab pos="1712913" algn="l"/>
+              </a:tabLst>
+            </a:pPr>
+            <a:r>
+              <a:rPr lang="en-US" b="1" i="0" dirty="0">
+                <a:solidFill>
+                  <a:srgbClr val="006600"/>
+                </a:solidFill>
+                <a:effectLst/>
+                <a:highlight>
+                  <a:srgbClr val="FFFF00"/>
+                </a:highlight>
+                <a:latin typeface="Courier New" panose="02070309020205020404" pitchFamily="49" charset="0"/>
+                <a:cs typeface="Courier New" panose="02070309020205020404" pitchFamily="49" charset="0"/>
+              </a:rPr>
+              <a:t>#include &lt;</a:t>
+            </a:r>
+            <a:r>
+              <a:rPr lang="en-US" b="1" i="0" dirty="0" err="1">
+                <a:solidFill>
+                  <a:srgbClr val="006600"/>
+                </a:solidFill>
+                <a:effectLst/>
+                <a:highlight>
+                  <a:srgbClr val="FFFF00"/>
+                </a:highlight>
+                <a:latin typeface="Courier New" panose="02070309020205020404" pitchFamily="49" charset="0"/>
+                <a:cs typeface="Courier New" panose="02070309020205020404" pitchFamily="49" charset="0"/>
+              </a:rPr>
+              <a:t>math.h</a:t>
+            </a:r>
+            <a:r>
+              <a:rPr lang="en-US" b="1" i="0" dirty="0">
+                <a:solidFill>
+                  <a:srgbClr val="006600"/>
+                </a:solidFill>
+                <a:effectLst/>
+                <a:highlight>
+                  <a:srgbClr val="FFFF00"/>
+                </a:highlight>
+                <a:latin typeface="Courier New" panose="02070309020205020404" pitchFamily="49" charset="0"/>
+                <a:cs typeface="Courier New" panose="02070309020205020404" pitchFamily="49" charset="0"/>
+              </a:rPr>
+              <a:t>&gt;</a:t>
+            </a:r>
+          </a:p>
+          <a:p>
+            <a:pPr>
+              <a:tabLst>
+                <a:tab pos="347663" algn="l"/>
+                <a:tab pos="682625" algn="l"/>
+                <a:tab pos="1087438" algn="l"/>
+                <a:tab pos="1377950" algn="l"/>
+                <a:tab pos="1712913" algn="l"/>
+              </a:tabLst>
+            </a:pPr>
+            <a:endParaRPr lang="en-US" b="1" i="0" dirty="0">
+              <a:solidFill>
+                <a:srgbClr val="0000FF"/>
+              </a:solidFill>
+              <a:effectLst/>
+              <a:latin typeface="Courier New" panose="02070309020205020404" pitchFamily="49" charset="0"/>
+              <a:cs typeface="Courier New" panose="02070309020205020404" pitchFamily="49" charset="0"/>
+            </a:endParaRPr>
+          </a:p>
+          <a:p>
+            <a:pPr>
+              <a:tabLst>
+                <a:tab pos="347663" algn="l"/>
+                <a:tab pos="682625" algn="l"/>
+                <a:tab pos="1087438" algn="l"/>
+                <a:tab pos="1377950" algn="l"/>
+                <a:tab pos="1712913" algn="l"/>
+              </a:tabLst>
+            </a:pPr>
+            <a:r>
+              <a:rPr lang="en-US" b="1" i="0" dirty="0">
+                <a:solidFill>
+                  <a:srgbClr val="0000FF"/>
+                </a:solidFill>
+                <a:effectLst/>
+                <a:latin typeface="Courier New" panose="02070309020205020404" pitchFamily="49" charset="0"/>
+                <a:cs typeface="Courier New" panose="02070309020205020404" pitchFamily="49" charset="0"/>
+              </a:rPr>
+              <a:t>long</a:t>
+            </a:r>
+            <a:r>
+              <a:rPr lang="en-US" b="1" i="0" dirty="0">
+                <a:solidFill>
+                  <a:schemeClr val="tx1"/>
+                </a:solidFill>
+                <a:effectLst/>
+                <a:latin typeface="Courier New" panose="02070309020205020404" pitchFamily="49" charset="0"/>
+                <a:cs typeface="Courier New" panose="02070309020205020404" pitchFamily="49" charset="0"/>
+              </a:rPr>
+              <a:t> square(</a:t>
+            </a:r>
+            <a:r>
+              <a:rPr lang="en-US" b="1" i="0" dirty="0">
+                <a:solidFill>
+                  <a:srgbClr val="0000FF"/>
+                </a:solidFill>
+                <a:effectLst/>
+                <a:latin typeface="Courier New" panose="02070309020205020404" pitchFamily="49" charset="0"/>
+                <a:cs typeface="Courier New" panose="02070309020205020404" pitchFamily="49" charset="0"/>
+              </a:rPr>
+              <a:t>long</a:t>
+            </a:r>
+            <a:r>
+              <a:rPr lang="en-US" b="1" i="0" dirty="0">
+                <a:solidFill>
+                  <a:schemeClr val="tx1"/>
+                </a:solidFill>
+                <a:effectLst/>
+                <a:latin typeface="Courier New" panose="02070309020205020404" pitchFamily="49" charset="0"/>
+                <a:cs typeface="Courier New" panose="02070309020205020404" pitchFamily="49" charset="0"/>
+              </a:rPr>
+              <a:t> x)</a:t>
+            </a:r>
+          </a:p>
+          <a:p>
+            <a:pPr>
+              <a:tabLst>
+                <a:tab pos="347663" algn="l"/>
+                <a:tab pos="682625" algn="l"/>
+                <a:tab pos="1087438" algn="l"/>
+                <a:tab pos="1377950" algn="l"/>
+                <a:tab pos="1712913" algn="l"/>
+              </a:tabLst>
+            </a:pPr>
+            <a:r>
+              <a:rPr lang="en-US" b="1" i="0" dirty="0">
+                <a:solidFill>
+                  <a:schemeClr val="tx1"/>
+                </a:solidFill>
+                <a:effectLst/>
+                <a:latin typeface="Courier New" panose="02070309020205020404" pitchFamily="49" charset="0"/>
+                <a:cs typeface="Courier New" panose="02070309020205020404" pitchFamily="49" charset="0"/>
+              </a:rPr>
+              <a:t>{</a:t>
+            </a:r>
+          </a:p>
+          <a:p>
+            <a:pPr>
+              <a:tabLst>
+                <a:tab pos="347663" algn="l"/>
+                <a:tab pos="682625" algn="l"/>
+                <a:tab pos="1087438" algn="l"/>
+                <a:tab pos="1377950" algn="l"/>
+                <a:tab pos="1712913" algn="l"/>
+              </a:tabLst>
+            </a:pPr>
+            <a:r>
+              <a:rPr lang="en-US" b="1" i="0" dirty="0">
+                <a:solidFill>
+                  <a:schemeClr val="tx1"/>
+                </a:solidFill>
+                <a:effectLst/>
+                <a:latin typeface="Courier New" panose="02070309020205020404" pitchFamily="49" charset="0"/>
+                <a:cs typeface="Courier New" panose="02070309020205020404" pitchFamily="49" charset="0"/>
+              </a:rPr>
+              <a:t>  </a:t>
+            </a:r>
+            <a:r>
+              <a:rPr lang="en-US" b="1" i="0" dirty="0">
+                <a:solidFill>
+                  <a:srgbClr val="0000FF"/>
+                </a:solidFill>
+                <a:effectLst/>
+                <a:latin typeface="Courier New" panose="02070309020205020404" pitchFamily="49" charset="0"/>
+                <a:cs typeface="Courier New" panose="02070309020205020404" pitchFamily="49" charset="0"/>
+              </a:rPr>
+              <a:t>return</a:t>
+            </a:r>
+            <a:r>
+              <a:rPr lang="en-US" b="1" i="0" dirty="0">
+                <a:solidFill>
+                  <a:schemeClr val="tx1"/>
+                </a:solidFill>
+                <a:effectLst/>
+                <a:latin typeface="Courier New" panose="02070309020205020404" pitchFamily="49" charset="0"/>
+                <a:cs typeface="Courier New" panose="02070309020205020404" pitchFamily="49" charset="0"/>
+              </a:rPr>
+              <a:t> x * x;</a:t>
+            </a:r>
+          </a:p>
+          <a:p>
+            <a:pPr>
+              <a:tabLst>
+                <a:tab pos="347663" algn="l"/>
+                <a:tab pos="682625" algn="l"/>
+                <a:tab pos="1087438" algn="l"/>
+                <a:tab pos="1377950" algn="l"/>
+                <a:tab pos="1712913" algn="l"/>
+              </a:tabLst>
+            </a:pPr>
+            <a:r>
+              <a:rPr lang="en-US" b="1" i="0" dirty="0">
+                <a:solidFill>
+                  <a:schemeClr val="tx1"/>
+                </a:solidFill>
+                <a:effectLst/>
+                <a:latin typeface="Courier New" panose="02070309020205020404" pitchFamily="49" charset="0"/>
+                <a:cs typeface="Courier New" panose="02070309020205020404" pitchFamily="49" charset="0"/>
+              </a:rPr>
+              <a:t>}</a:t>
+            </a:r>
+          </a:p>
+          <a:p>
+            <a:pPr>
+              <a:tabLst>
+                <a:tab pos="347663" algn="l"/>
+                <a:tab pos="682625" algn="l"/>
+                <a:tab pos="1087438" algn="l"/>
+                <a:tab pos="1377950" algn="l"/>
+                <a:tab pos="1712913" algn="l"/>
+              </a:tabLst>
+            </a:pPr>
+            <a:endParaRPr lang="en-US" sz="1000" b="1" i="0" dirty="0">
+              <a:solidFill>
+                <a:schemeClr val="tx1"/>
+              </a:solidFill>
+              <a:effectLst/>
+              <a:latin typeface="Courier New" panose="02070309020205020404" pitchFamily="49" charset="0"/>
+              <a:cs typeface="Courier New" panose="02070309020205020404" pitchFamily="49" charset="0"/>
+            </a:endParaRPr>
+          </a:p>
+          <a:p>
+            <a:pPr>
+              <a:tabLst>
+                <a:tab pos="347663" algn="l"/>
+                <a:tab pos="682625" algn="l"/>
+                <a:tab pos="1087438" algn="l"/>
+                <a:tab pos="1377950" algn="l"/>
+                <a:tab pos="1712913" algn="l"/>
+              </a:tabLst>
+            </a:pPr>
+            <a:r>
+              <a:rPr lang="en-US" b="1" i="0" dirty="0">
+                <a:solidFill>
+                  <a:srgbClr val="0000FF"/>
+                </a:solidFill>
+                <a:effectLst/>
+                <a:latin typeface="Courier New" panose="02070309020205020404" pitchFamily="49" charset="0"/>
+                <a:cs typeface="Courier New" panose="02070309020205020404" pitchFamily="49" charset="0"/>
+              </a:rPr>
+              <a:t>double</a:t>
+            </a:r>
+            <a:r>
+              <a:rPr lang="en-US" b="1" i="0" dirty="0">
+                <a:solidFill>
+                  <a:schemeClr val="tx1"/>
+                </a:solidFill>
+                <a:effectLst/>
+                <a:latin typeface="Courier New" panose="02070309020205020404" pitchFamily="49" charset="0"/>
+                <a:cs typeface="Courier New" panose="02070309020205020404" pitchFamily="49" charset="0"/>
+              </a:rPr>
+              <a:t> </a:t>
+            </a:r>
+            <a:r>
+              <a:rPr lang="en-US" b="1" i="0" dirty="0" err="1">
+                <a:solidFill>
+                  <a:schemeClr val="tx1"/>
+                </a:solidFill>
+                <a:effectLst/>
+                <a:latin typeface="Courier New" panose="02070309020205020404" pitchFamily="49" charset="0"/>
+                <a:cs typeface="Courier New" panose="02070309020205020404" pitchFamily="49" charset="0"/>
+              </a:rPr>
+              <a:t>hypotenuse_of</a:t>
+            </a:r>
+            <a:r>
+              <a:rPr lang="en-US" b="1" i="0" dirty="0">
+                <a:solidFill>
+                  <a:schemeClr val="tx1"/>
+                </a:solidFill>
+                <a:effectLst/>
+                <a:latin typeface="Courier New" panose="02070309020205020404" pitchFamily="49" charset="0"/>
+                <a:cs typeface="Courier New" panose="02070309020205020404" pitchFamily="49" charset="0"/>
+              </a:rPr>
+              <a:t>(</a:t>
+            </a:r>
+            <a:r>
+              <a:rPr lang="en-US" b="1" i="0" dirty="0">
+                <a:solidFill>
+                  <a:srgbClr val="0000FF"/>
+                </a:solidFill>
+                <a:effectLst/>
+                <a:latin typeface="Courier New" panose="02070309020205020404" pitchFamily="49" charset="0"/>
+                <a:cs typeface="Courier New" panose="02070309020205020404" pitchFamily="49" charset="0"/>
+              </a:rPr>
+              <a:t>long</a:t>
+            </a:r>
+            <a:r>
+              <a:rPr lang="en-US" b="1" i="0" dirty="0">
+                <a:solidFill>
+                  <a:schemeClr val="tx1"/>
+                </a:solidFill>
+                <a:effectLst/>
+                <a:latin typeface="Courier New" panose="02070309020205020404" pitchFamily="49" charset="0"/>
+                <a:cs typeface="Courier New" panose="02070309020205020404" pitchFamily="49" charset="0"/>
+              </a:rPr>
+              <a:t> base, </a:t>
+            </a:r>
+            <a:r>
+              <a:rPr lang="en-US" b="1" i="0" dirty="0">
+                <a:solidFill>
+                  <a:srgbClr val="0000FF"/>
+                </a:solidFill>
+                <a:effectLst/>
+                <a:latin typeface="Courier New" panose="02070309020205020404" pitchFamily="49" charset="0"/>
+                <a:cs typeface="Courier New" panose="02070309020205020404" pitchFamily="49" charset="0"/>
+              </a:rPr>
+              <a:t>long</a:t>
+            </a:r>
+            <a:r>
+              <a:rPr lang="en-US" b="1" i="0" dirty="0">
+                <a:solidFill>
+                  <a:schemeClr val="tx1"/>
+                </a:solidFill>
+                <a:effectLst/>
+                <a:latin typeface="Courier New" panose="02070309020205020404" pitchFamily="49" charset="0"/>
+                <a:cs typeface="Courier New" panose="02070309020205020404" pitchFamily="49" charset="0"/>
+              </a:rPr>
+              <a:t> height)</a:t>
+            </a:r>
+          </a:p>
+          <a:p>
+            <a:pPr>
+              <a:tabLst>
+                <a:tab pos="347663" algn="l"/>
+                <a:tab pos="682625" algn="l"/>
+                <a:tab pos="1087438" algn="l"/>
+                <a:tab pos="1377950" algn="l"/>
+                <a:tab pos="1712913" algn="l"/>
+              </a:tabLst>
+            </a:pPr>
+            <a:r>
+              <a:rPr lang="en-US" b="1" i="0" dirty="0">
+                <a:solidFill>
+                  <a:schemeClr val="tx1"/>
+                </a:solidFill>
+                <a:effectLst/>
+                <a:latin typeface="Courier New" panose="02070309020205020404" pitchFamily="49" charset="0"/>
+                <a:cs typeface="Courier New" panose="02070309020205020404" pitchFamily="49" charset="0"/>
+              </a:rPr>
+              <a:t>{</a:t>
+            </a:r>
+          </a:p>
+          <a:p>
+            <a:pPr>
+              <a:tabLst>
+                <a:tab pos="347663" algn="l"/>
+                <a:tab pos="682625" algn="l"/>
+                <a:tab pos="1087438" algn="l"/>
+                <a:tab pos="1377950" algn="l"/>
+                <a:tab pos="1712913" algn="l"/>
+              </a:tabLst>
+            </a:pPr>
+            <a:r>
+              <a:rPr lang="en-US" b="1" i="0" dirty="0">
+                <a:solidFill>
+                  <a:schemeClr val="tx1"/>
+                </a:solidFill>
+                <a:effectLst/>
+                <a:latin typeface="Courier New" panose="02070309020205020404" pitchFamily="49" charset="0"/>
+                <a:cs typeface="Courier New" panose="02070309020205020404" pitchFamily="49" charset="0"/>
+              </a:rPr>
+              <a:t>  </a:t>
+            </a:r>
+            <a:r>
+              <a:rPr lang="en-US" b="1" i="0" dirty="0">
+                <a:solidFill>
+                  <a:srgbClr val="0000FF"/>
+                </a:solidFill>
+                <a:effectLst/>
+                <a:latin typeface="Courier New" panose="02070309020205020404" pitchFamily="49" charset="0"/>
+                <a:cs typeface="Courier New" panose="02070309020205020404" pitchFamily="49" charset="0"/>
+              </a:rPr>
+              <a:t>return</a:t>
+            </a:r>
+            <a:r>
+              <a:rPr lang="en-US" b="1" i="0" dirty="0">
+                <a:solidFill>
+                  <a:schemeClr val="tx1"/>
+                </a:solidFill>
+                <a:effectLst/>
+                <a:latin typeface="Courier New" panose="02070309020205020404" pitchFamily="49" charset="0"/>
+                <a:cs typeface="Courier New" panose="02070309020205020404" pitchFamily="49" charset="0"/>
+              </a:rPr>
+              <a:t> sqrt(square(base) + square(height));</a:t>
+            </a:r>
+          </a:p>
+          <a:p>
+            <a:pPr>
+              <a:tabLst>
+                <a:tab pos="347663" algn="l"/>
+                <a:tab pos="682625" algn="l"/>
+                <a:tab pos="1087438" algn="l"/>
+                <a:tab pos="1377950" algn="l"/>
+                <a:tab pos="1712913" algn="l"/>
+              </a:tabLst>
+            </a:pPr>
+            <a:r>
+              <a:rPr lang="en-US" b="1" i="0" dirty="0">
+                <a:solidFill>
+                  <a:schemeClr val="tx1"/>
+                </a:solidFill>
+                <a:effectLst/>
+                <a:latin typeface="Courier New" panose="02070309020205020404" pitchFamily="49" charset="0"/>
+                <a:cs typeface="Courier New" panose="02070309020205020404" pitchFamily="49" charset="0"/>
+              </a:rPr>
+              <a:t>}</a:t>
+            </a:r>
+          </a:p>
+          <a:p>
+            <a:pPr>
+              <a:tabLst>
+                <a:tab pos="347663" algn="l"/>
+                <a:tab pos="682625" algn="l"/>
+                <a:tab pos="1087438" algn="l"/>
+                <a:tab pos="1377950" algn="l"/>
+                <a:tab pos="1712913" algn="l"/>
+              </a:tabLst>
+            </a:pPr>
+            <a:endParaRPr lang="en-US" sz="1000" b="1" i="0" dirty="0">
+              <a:solidFill>
+                <a:schemeClr val="tx1"/>
+              </a:solidFill>
+              <a:effectLst/>
+              <a:latin typeface="Courier New" panose="02070309020205020404" pitchFamily="49" charset="0"/>
+              <a:cs typeface="Courier New" panose="02070309020205020404" pitchFamily="49" charset="0"/>
+            </a:endParaRPr>
+          </a:p>
+          <a:p>
+            <a:pPr>
+              <a:tabLst>
+                <a:tab pos="347663" algn="l"/>
+                <a:tab pos="682625" algn="l"/>
+                <a:tab pos="1087438" algn="l"/>
+                <a:tab pos="1377950" algn="l"/>
+                <a:tab pos="1712913" algn="l"/>
+              </a:tabLst>
+            </a:pPr>
+            <a:r>
+              <a:rPr lang="en-US" b="1" i="0" dirty="0">
+                <a:solidFill>
+                  <a:srgbClr val="0000FF"/>
+                </a:solidFill>
+                <a:effectLst/>
+                <a:latin typeface="Courier New" panose="02070309020205020404" pitchFamily="49" charset="0"/>
+                <a:cs typeface="Courier New" panose="02070309020205020404" pitchFamily="49" charset="0"/>
+              </a:rPr>
+              <a:t>int</a:t>
+            </a:r>
+            <a:r>
+              <a:rPr lang="en-US" b="1" i="0" dirty="0">
+                <a:solidFill>
+                  <a:schemeClr val="tx1"/>
+                </a:solidFill>
+                <a:effectLst/>
+                <a:latin typeface="Courier New" panose="02070309020205020404" pitchFamily="49" charset="0"/>
+                <a:cs typeface="Courier New" panose="02070309020205020404" pitchFamily="49" charset="0"/>
+              </a:rPr>
+              <a:t> main()</a:t>
+            </a:r>
+          </a:p>
+          <a:p>
+            <a:pPr>
+              <a:tabLst>
+                <a:tab pos="347663" algn="l"/>
+                <a:tab pos="682625" algn="l"/>
+                <a:tab pos="1087438" algn="l"/>
+                <a:tab pos="1377950" algn="l"/>
+                <a:tab pos="1712913" algn="l"/>
+              </a:tabLst>
+            </a:pPr>
+            <a:r>
+              <a:rPr lang="en-US" b="1" i="0" dirty="0">
+                <a:solidFill>
+                  <a:schemeClr val="tx1"/>
+                </a:solidFill>
+                <a:effectLst/>
+                <a:latin typeface="Courier New" panose="02070309020205020404" pitchFamily="49" charset="0"/>
+                <a:cs typeface="Courier New" panose="02070309020205020404" pitchFamily="49" charset="0"/>
+              </a:rPr>
+              <a:t>{</a:t>
+            </a:r>
+          </a:p>
+          <a:p>
+            <a:pPr>
+              <a:tabLst>
+                <a:tab pos="347663" algn="l"/>
+                <a:tab pos="682625" algn="l"/>
+                <a:tab pos="1087438" algn="l"/>
+                <a:tab pos="1377950" algn="l"/>
+                <a:tab pos="1712913" algn="l"/>
+              </a:tabLst>
+            </a:pPr>
+            <a:r>
+              <a:rPr lang="en-US" b="1" i="0" dirty="0">
+                <a:solidFill>
+                  <a:schemeClr val="tx1"/>
+                </a:solidFill>
+                <a:effectLst/>
+                <a:latin typeface="Courier New" panose="02070309020205020404" pitchFamily="49" charset="0"/>
+                <a:cs typeface="Courier New" panose="02070309020205020404" pitchFamily="49" charset="0"/>
+              </a:rPr>
+              <a:t>  </a:t>
+            </a:r>
+            <a:r>
+              <a:rPr lang="en-US" b="1" i="0" dirty="0" err="1">
+                <a:solidFill>
+                  <a:schemeClr val="tx1"/>
+                </a:solidFill>
+                <a:effectLst/>
+                <a:latin typeface="Courier New" panose="02070309020205020404" pitchFamily="49" charset="0"/>
+                <a:cs typeface="Courier New" panose="02070309020205020404" pitchFamily="49" charset="0"/>
+              </a:rPr>
+              <a:t>hypotenuse_of</a:t>
+            </a:r>
+            <a:r>
+              <a:rPr lang="en-US" b="1" i="0" dirty="0">
+                <a:solidFill>
+                  <a:schemeClr val="tx1"/>
+                </a:solidFill>
+                <a:effectLst/>
+                <a:latin typeface="Courier New" panose="02070309020205020404" pitchFamily="49" charset="0"/>
+                <a:cs typeface="Courier New" panose="02070309020205020404" pitchFamily="49" charset="0"/>
+              </a:rPr>
+              <a:t>(</a:t>
+            </a:r>
+            <a:r>
+              <a:rPr lang="en-US" b="1" i="0" dirty="0">
+                <a:solidFill>
+                  <a:srgbClr val="C00000"/>
+                </a:solidFill>
+                <a:effectLst/>
+                <a:latin typeface="Courier New" panose="02070309020205020404" pitchFamily="49" charset="0"/>
+                <a:cs typeface="Courier New" panose="02070309020205020404" pitchFamily="49" charset="0"/>
+              </a:rPr>
+              <a:t>3</a:t>
+            </a:r>
+            <a:r>
+              <a:rPr lang="en-US" b="1" i="0" dirty="0">
+                <a:solidFill>
+                  <a:schemeClr val="tx1"/>
+                </a:solidFill>
+                <a:effectLst/>
+                <a:latin typeface="Courier New" panose="02070309020205020404" pitchFamily="49" charset="0"/>
+                <a:cs typeface="Courier New" panose="02070309020205020404" pitchFamily="49" charset="0"/>
+              </a:rPr>
+              <a:t>, </a:t>
+            </a:r>
+            <a:r>
+              <a:rPr lang="en-US" b="1" i="0" dirty="0">
+                <a:solidFill>
+                  <a:srgbClr val="C00000"/>
+                </a:solidFill>
+                <a:effectLst/>
+                <a:latin typeface="Courier New" panose="02070309020205020404" pitchFamily="49" charset="0"/>
+                <a:cs typeface="Courier New" panose="02070309020205020404" pitchFamily="49" charset="0"/>
+              </a:rPr>
+              <a:t>4</a:t>
+            </a:r>
+            <a:r>
+              <a:rPr lang="en-US" b="1" i="0" dirty="0">
+                <a:solidFill>
+                  <a:schemeClr val="tx1"/>
+                </a:solidFill>
+                <a:effectLst/>
+                <a:latin typeface="Courier New" panose="02070309020205020404" pitchFamily="49" charset="0"/>
+                <a:cs typeface="Courier New" panose="02070309020205020404" pitchFamily="49" charset="0"/>
+              </a:rPr>
+              <a:t>);</a:t>
+            </a:r>
+          </a:p>
+          <a:p>
+            <a:pPr>
+              <a:tabLst>
+                <a:tab pos="347663" algn="l"/>
+                <a:tab pos="682625" algn="l"/>
+                <a:tab pos="1087438" algn="l"/>
+                <a:tab pos="1377950" algn="l"/>
+                <a:tab pos="1712913" algn="l"/>
+              </a:tabLst>
+            </a:pPr>
+            <a:r>
+              <a:rPr lang="en-US" b="1" dirty="0">
+                <a:solidFill>
+                  <a:schemeClr val="tx1"/>
+                </a:solidFill>
+                <a:latin typeface="Courier New" panose="02070309020205020404" pitchFamily="49" charset="0"/>
+                <a:cs typeface="Courier New" panose="02070309020205020404" pitchFamily="49" charset="0"/>
+              </a:rPr>
+              <a:t>  </a:t>
+            </a:r>
+            <a:r>
+              <a:rPr lang="en-US" b="1" dirty="0">
+                <a:solidFill>
+                  <a:srgbClr val="0000FF"/>
+                </a:solidFill>
+                <a:latin typeface="Courier New" panose="02070309020205020404" pitchFamily="49" charset="0"/>
+                <a:cs typeface="Courier New" panose="02070309020205020404" pitchFamily="49" charset="0"/>
+              </a:rPr>
+              <a:t>return</a:t>
+            </a:r>
+            <a:r>
+              <a:rPr lang="en-US" b="1" dirty="0">
+                <a:solidFill>
+                  <a:schemeClr val="tx1"/>
+                </a:solidFill>
+                <a:latin typeface="Courier New" panose="02070309020205020404" pitchFamily="49" charset="0"/>
+                <a:cs typeface="Courier New" panose="02070309020205020404" pitchFamily="49" charset="0"/>
+              </a:rPr>
+              <a:t> </a:t>
+            </a:r>
+            <a:r>
+              <a:rPr lang="en-US" b="1" dirty="0">
+                <a:solidFill>
+                  <a:srgbClr val="C00000"/>
+                </a:solidFill>
+                <a:latin typeface="Courier New" panose="02070309020205020404" pitchFamily="49" charset="0"/>
+                <a:cs typeface="Courier New" panose="02070309020205020404" pitchFamily="49" charset="0"/>
+              </a:rPr>
+              <a:t>0</a:t>
+            </a:r>
+            <a:r>
+              <a:rPr lang="en-US" b="1" dirty="0">
+                <a:solidFill>
+                  <a:schemeClr val="tx1"/>
+                </a:solidFill>
+                <a:latin typeface="Courier New" panose="02070309020205020404" pitchFamily="49" charset="0"/>
+                <a:cs typeface="Courier New" panose="02070309020205020404" pitchFamily="49" charset="0"/>
+              </a:rPr>
+              <a:t>;</a:t>
+            </a:r>
+            <a:endParaRPr lang="en-US" b="1" i="0" dirty="0">
+              <a:solidFill>
+                <a:schemeClr val="tx1"/>
+              </a:solidFill>
+              <a:effectLst/>
+              <a:latin typeface="Courier New" panose="02070309020205020404" pitchFamily="49" charset="0"/>
+              <a:cs typeface="Courier New" panose="02070309020205020404" pitchFamily="49" charset="0"/>
+            </a:endParaRPr>
+          </a:p>
+          <a:p>
+            <a:pPr>
+              <a:tabLst>
+                <a:tab pos="347663" algn="l"/>
+                <a:tab pos="682625" algn="l"/>
+                <a:tab pos="1087438" algn="l"/>
+                <a:tab pos="1377950" algn="l"/>
+                <a:tab pos="1712913" algn="l"/>
+              </a:tabLst>
+            </a:pPr>
+            <a:r>
+              <a:rPr lang="en-US" b="1" i="0" dirty="0">
+                <a:solidFill>
+                  <a:schemeClr val="tx1"/>
+                </a:solidFill>
+                <a:effectLst/>
+                <a:latin typeface="Courier New" panose="02070309020205020404" pitchFamily="49" charset="0"/>
+                <a:cs typeface="Courier New" panose="02070309020205020404" pitchFamily="49" charset="0"/>
+              </a:rPr>
+              <a:t>}</a:t>
+            </a:r>
+            <a:endParaRPr lang="en-US" b="1" dirty="0">
+              <a:solidFill>
+                <a:schemeClr val="tx1"/>
+              </a:solidFill>
+              <a:highlight>
+                <a:srgbClr val="FFFF00"/>
+              </a:highlight>
+              <a:latin typeface="Courier New" panose="02070309020205020404" pitchFamily="49" charset="0"/>
+              <a:cs typeface="Courier New" panose="02070309020205020404" pitchFamily="49" charset="0"/>
+            </a:endParaRPr>
+          </a:p>
+        </p:txBody>
+      </p:sp>
+      <p:sp>
+        <p:nvSpPr>
+          <p:cNvPr id="8" name="TextBox 7">
+            <a:extLst>
+              <a:ext uri="{FF2B5EF4-FFF2-40B4-BE49-F238E27FC236}">
+                <a16:creationId xmlns:a16="http://schemas.microsoft.com/office/drawing/2014/main" id="{9BA3CD25-E0A6-43C6-ACBF-2582BD134206}"/>
+              </a:ext>
+            </a:extLst>
+          </p:cNvPr>
+          <p:cNvSpPr txBox="1"/>
+          <p:nvPr/>
+        </p:nvSpPr>
+        <p:spPr>
+          <a:xfrm>
+            <a:off x="5006341" y="5608320"/>
+            <a:ext cx="3769880" cy="923330"/>
+          </a:xfrm>
+          <a:prstGeom prst="rect">
+            <a:avLst/>
+          </a:prstGeom>
+          <a:solidFill>
+            <a:srgbClr val="FFFF99"/>
+          </a:solidFill>
+          <a:ln w="12700"/>
+        </p:spPr>
+        <p:style>
+          <a:lnRef idx="2">
+            <a:schemeClr val="accent4"/>
+          </a:lnRef>
+          <a:fillRef idx="1">
+            <a:schemeClr val="lt1"/>
+          </a:fillRef>
+          <a:effectRef idx="0">
+            <a:schemeClr val="accent4"/>
+          </a:effectRef>
+          <a:fontRef idx="minor">
+            <a:schemeClr val="dk1"/>
+          </a:fontRef>
+        </p:style>
+        <p:txBody>
+          <a:bodyPr wrap="square" rtlCol="0">
+            <a:spAutoFit/>
+          </a:bodyPr>
+          <a:lstStyle/>
+          <a:p>
+            <a:r>
+              <a:rPr lang="en-US" dirty="0"/>
+              <a:t>Read the compilation guide at "Software/Tools" </a:t>
+            </a:r>
+            <a:r>
+              <a:rPr lang="en-US" dirty="0">
+                <a:sym typeface="Wingdings" panose="05000000000000000000" pitchFamily="2" charset="2"/>
+              </a:rPr>
+              <a:t> "</a:t>
+            </a:r>
+            <a:r>
+              <a:rPr lang="en-US" dirty="0" err="1">
+                <a:sym typeface="Wingdings" panose="05000000000000000000" pitchFamily="2" charset="2"/>
+              </a:rPr>
+              <a:t>CLang</a:t>
+            </a:r>
+            <a:r>
+              <a:rPr lang="en-US" dirty="0">
+                <a:sym typeface="Wingdings" panose="05000000000000000000" pitchFamily="2" charset="2"/>
+              </a:rPr>
+              <a:t>" </a:t>
+            </a:r>
+            <a:r>
+              <a:rPr lang="en-US" dirty="0"/>
+              <a:t>to know </a:t>
+            </a:r>
+            <a:r>
+              <a:rPr lang="en-US"/>
+              <a:t>more about this.</a:t>
+            </a:r>
+            <a:endParaRPr lang="en-US" dirty="0"/>
+          </a:p>
+        </p:txBody>
+      </p:sp>
+      <p:sp>
+        <p:nvSpPr>
+          <p:cNvPr id="3" name="Slide Number Placeholder 2">
+            <a:extLst>
+              <a:ext uri="{FF2B5EF4-FFF2-40B4-BE49-F238E27FC236}">
+                <a16:creationId xmlns:a16="http://schemas.microsoft.com/office/drawing/2014/main" id="{857F0D71-A943-F14A-4B0E-5DADE46C8D29}"/>
+              </a:ext>
+            </a:extLst>
+          </p:cNvPr>
+          <p:cNvSpPr>
+            <a:spLocks noGrp="1"/>
+          </p:cNvSpPr>
+          <p:nvPr>
+            <p:ph type="sldNum" sz="quarter" idx="12"/>
+          </p:nvPr>
+        </p:nvSpPr>
+        <p:spPr/>
+        <p:txBody>
+          <a:bodyPr/>
+          <a:lstStyle/>
+          <a:p>
+            <a:pPr>
+              <a:defRPr/>
+            </a:pPr>
+            <a:r>
+              <a:rPr lang="en-US"/>
+              <a:t>Unit5 - </a:t>
+            </a:r>
+            <a:fld id="{2E4790E1-2590-4AEE-892D-AB46A7688113}" type="slidenum">
+              <a:rPr lang="en-US" smtClean="0"/>
+              <a:pPr>
+                <a:defRPr/>
+              </a:pPr>
+              <a:t>9</a:t>
+            </a:fld>
+            <a:endParaRPr lang="en-US" dirty="0"/>
+          </a:p>
+        </p:txBody>
+      </p:sp>
+      <p:sp>
+        <p:nvSpPr>
+          <p:cNvPr id="2" name="Footer Placeholder 1">
+            <a:extLst>
+              <a:ext uri="{FF2B5EF4-FFF2-40B4-BE49-F238E27FC236}">
+                <a16:creationId xmlns:a16="http://schemas.microsoft.com/office/drawing/2014/main" id="{719B577D-543E-B8D9-755F-B559BF925C68}"/>
+              </a:ext>
+            </a:extLst>
+          </p:cNvPr>
+          <p:cNvSpPr>
+            <a:spLocks noGrp="1"/>
+          </p:cNvSpPr>
+          <p:nvPr>
+            <p:ph type="ftr" sz="quarter" idx="11"/>
+          </p:nvPr>
+        </p:nvSpPr>
+        <p:spPr/>
+        <p:txBody>
+          <a:bodyPr/>
+          <a:lstStyle/>
+          <a:p>
+            <a:pPr algn="l">
+              <a:defRPr/>
+            </a:pPr>
+            <a:r>
+              <a:rPr lang="en-US"/>
+              <a:t>CS1010 (AY2023/24 Semester 2)</a:t>
+            </a:r>
+            <a:endParaRPr lang="en-US" dirty="0"/>
+          </a:p>
+        </p:txBody>
+      </p:sp>
+    </p:spTree>
+    <p:extLst>
+      <p:ext uri="{BB962C8B-B14F-4D97-AF65-F5344CB8AC3E}">
+        <p14:creationId xmlns:p14="http://schemas.microsoft.com/office/powerpoint/2010/main" val="784668950"/>
+      </p:ext>
+    </p:extLst>
+  </p:cSld>
+  <p:clrMapOvr>
+    <a:masterClrMapping/>
+  </p:clrMapOvr>
+  <p:transition>
+    <p:fade/>
+  </p:transition>
+  <p:timing>
+    <p:tnLst>
+      <p:par>
+        <p:cTn id="1" dur="indefinite" restart="never" nodeType="tmRoot">
+          <p:childTnLst>
+            <p:seq concurrent="1" nextAc="seek">
+              <p:cTn id="2" dur="indefinite" nodeType="mainSeq">
+                <p:childTnLst>
+                  <p:par>
+                    <p:cTn id="3" fill="hold">
+                      <p:stCondLst>
+                        <p:cond delay="indefinite"/>
+                        <p:cond evt="onBegin" delay="0">
+                          <p:tn val="2"/>
+                        </p:cond>
+                      </p:stCondLst>
+                      <p:childTnLst>
+                        <p:par>
+                          <p:cTn id="4" fill="hold">
+                            <p:stCondLst>
+                              <p:cond delay="0"/>
+                            </p:stCondLst>
+                            <p:childTnLst>
+                              <p:par>
+                                <p:cTn id="5" presetID="9" presetClass="entr" presetSubtype="0" fill="hold" grpId="0" nodeType="afterEffect">
+                                  <p:stCondLst>
+                                    <p:cond delay="0"/>
+                                  </p:stCondLst>
+                                  <p:childTnLst>
+                                    <p:set>
+                                      <p:cBhvr>
+                                        <p:cTn id="6" dur="1" fill="hold">
+                                          <p:stCondLst>
+                                            <p:cond delay="0"/>
+                                          </p:stCondLst>
+                                        </p:cTn>
+                                        <p:tgtEl>
+                                          <p:spTgt spid="8"/>
+                                        </p:tgtEl>
+                                        <p:attrNameLst>
+                                          <p:attrName>style.visibility</p:attrName>
+                                        </p:attrNameLst>
+                                      </p:cBhvr>
+                                      <p:to>
+                                        <p:strVal val="visible"/>
+                                      </p:to>
+                                    </p:set>
+                                    <p:animEffect transition="in" filter="dissolve">
+                                      <p:cBhvr>
+                                        <p:cTn id="7" dur="500"/>
+                                        <p:tgtEl>
+                                          <p:spTgt spid="8"/>
+                                        </p:tgtEl>
+                                      </p:cBhvr>
+                                    </p:animEffect>
+                                  </p:childTnLst>
+                                </p:cTn>
+                              </p:par>
+                            </p:childTnLst>
+                          </p:cTn>
+                        </p:par>
+                      </p:childTnLst>
+                    </p:cTn>
+                  </p:par>
+                </p:childTnLst>
+              </p:cTn>
+              <p:prevCondLst>
+                <p:cond evt="onPrev" delay="0">
+                  <p:tgtEl>
+                    <p:sldTgt/>
+                  </p:tgtEl>
+                </p:cond>
+              </p:prevCondLst>
+              <p:nextCondLst>
+                <p:cond evt="onNext" delay="0">
+                  <p:tgtEl>
+                    <p:sldTgt/>
+                  </p:tgtEl>
+                </p:cond>
+              </p:nextCondLst>
+            </p:seq>
+          </p:childTnLst>
+        </p:cTn>
+      </p:par>
+    </p:tnLst>
+    <p:bldLst>
+      <p:bldP spid="8" grpId="0" animBg="1"/>
     </p:bldLst>
   </p:timing>
 </p:sld>
